--- a/EOC+MFC.pptx
+++ b/EOC+MFC.pptx
@@ -5,28 +5,30 @@
     <p:sldMasterId id="2147483680" r:id="rId1"/>
   </p:sldMasterIdLst>
   <p:notesMasterIdLst>
-    <p:notesMasterId r:id="rId21"/>
+    <p:notesMasterId r:id="rId20"/>
   </p:notesMasterIdLst>
+  <p:handoutMasterIdLst>
+    <p:handoutMasterId r:id="rId21"/>
+  </p:handoutMasterIdLst>
   <p:sldIdLst>
     <p:sldId id="256" r:id="rId2"/>
     <p:sldId id="329" r:id="rId3"/>
-    <p:sldId id="330" r:id="rId4"/>
-    <p:sldId id="312" r:id="rId5"/>
-    <p:sldId id="315" r:id="rId6"/>
-    <p:sldId id="316" r:id="rId7"/>
-    <p:sldId id="313" r:id="rId8"/>
-    <p:sldId id="320" r:id="rId9"/>
-    <p:sldId id="321" r:id="rId10"/>
-    <p:sldId id="322" r:id="rId11"/>
-    <p:sldId id="323" r:id="rId12"/>
-    <p:sldId id="324" r:id="rId13"/>
-    <p:sldId id="325" r:id="rId14"/>
-    <p:sldId id="327" r:id="rId15"/>
-    <p:sldId id="326" r:id="rId16"/>
-    <p:sldId id="317" r:id="rId17"/>
-    <p:sldId id="318" r:id="rId18"/>
-    <p:sldId id="319" r:id="rId19"/>
-    <p:sldId id="331" r:id="rId20"/>
+    <p:sldId id="313" r:id="rId4"/>
+    <p:sldId id="317" r:id="rId5"/>
+    <p:sldId id="318" r:id="rId6"/>
+    <p:sldId id="332" r:id="rId7"/>
+    <p:sldId id="338" r:id="rId8"/>
+    <p:sldId id="339" r:id="rId9"/>
+    <p:sldId id="340" r:id="rId10"/>
+    <p:sldId id="341" r:id="rId11"/>
+    <p:sldId id="342" r:id="rId12"/>
+    <p:sldId id="333" r:id="rId13"/>
+    <p:sldId id="334" r:id="rId14"/>
+    <p:sldId id="335" r:id="rId15"/>
+    <p:sldId id="336" r:id="rId16"/>
+    <p:sldId id="337" r:id="rId17"/>
+    <p:sldId id="319" r:id="rId18"/>
+    <p:sldId id="331" r:id="rId19"/>
   </p:sldIdLst>
   <p:sldSz cx="9144000" cy="5143500" type="screen16x9"/>
   <p:notesSz cx="6858000" cy="9144000"/>
@@ -291,7 +293,7 @@
 <file path=ppt/revisionInfo.xml><?xml version="1.0" encoding="utf-8"?>
 <p1510:revInfo xmlns:a="http://schemas.openxmlformats.org/drawingml/2006/main" xmlns:r="http://schemas.openxmlformats.org/officeDocument/2006/relationships" xmlns:p1510="http://schemas.microsoft.com/office/powerpoint/2015/10/main">
   <p1510:revLst>
-    <p1510:client id="{4A0B5C1C-A16A-44EC-A1E5-1A207C523DA8}" v="10" dt="2025-02-10T04:26:52.059"/>
+    <p1510:client id="{4A0B5C1C-A16A-44EC-A1E5-1A207C523DA8}" v="50" dt="2025-03-12T08:28:28.943"/>
   </p1510:revLst>
 </p1510:revInfo>
 </file>
@@ -299,34 +301,20 @@
 <file path=ppt/changesInfos/changesInfo1.xml><?xml version="1.0" encoding="utf-8"?>
 <pc:chgInfo xmlns:a="http://schemas.openxmlformats.org/drawingml/2006/main" xmlns:r="http://schemas.openxmlformats.org/officeDocument/2006/relationships" xmlns:ac="http://schemas.microsoft.com/office/drawing/2013/main/command" xmlns:pc="http://schemas.microsoft.com/office/powerpoint/2013/main/command">
   <pc:docChgLst>
-    <pc:chgData name="Padmesh Sivalingam" userId="880b0b13d6b5919e" providerId="LiveId" clId="{4A0B5C1C-A16A-44EC-A1E5-1A207C523DA8}"/>
-    <pc:docChg chg="undo custSel addSld delSld modSld sldOrd modMainMaster">
-      <pc:chgData name="Padmesh Sivalingam" userId="880b0b13d6b5919e" providerId="LiveId" clId="{4A0B5C1C-A16A-44EC-A1E5-1A207C523DA8}" dt="2025-02-10T05:34:54.754" v="167" actId="2696"/>
+    <pc:chgData name="S PADMESH - [CB.SC.U4AIE24044]" userId="2b255c74-7262-47c2-a2fa-78dc5d677459" providerId="ADAL" clId="{4A0B5C1C-A16A-44EC-A1E5-1A207C523DA8}"/>
+    <pc:docChg chg="undo custSel addSld modSld">
+      <pc:chgData name="S PADMESH - [CB.SC.U4AIE24044]" userId="2b255c74-7262-47c2-a2fa-78dc5d677459" providerId="ADAL" clId="{4A0B5C1C-A16A-44EC-A1E5-1A207C523DA8}" dt="2025-03-12T08:28:40.463" v="514" actId="1076"/>
       <pc:docMkLst>
         <pc:docMk/>
       </pc:docMkLst>
-      <pc:sldChg chg="modTransition">
-        <pc:chgData name="Padmesh Sivalingam" userId="880b0b13d6b5919e" providerId="LiveId" clId="{4A0B5C1C-A16A-44EC-A1E5-1A207C523DA8}" dt="2025-02-10T04:26:52.059" v="129"/>
-        <pc:sldMkLst>
-          <pc:docMk/>
-          <pc:sldMk cId="0" sldId="256"/>
-        </pc:sldMkLst>
-      </pc:sldChg>
-      <pc:sldChg chg="modTransition">
-        <pc:chgData name="Padmesh Sivalingam" userId="880b0b13d6b5919e" providerId="LiveId" clId="{4A0B5C1C-A16A-44EC-A1E5-1A207C523DA8}" dt="2025-02-10T04:26:52.059" v="129"/>
-        <pc:sldMkLst>
-          <pc:docMk/>
-          <pc:sldMk cId="1055005256" sldId="312"/>
-        </pc:sldMkLst>
-      </pc:sldChg>
-      <pc:sldChg chg="modSp mod modTransition">
-        <pc:chgData name="Padmesh Sivalingam" userId="880b0b13d6b5919e" providerId="LiveId" clId="{4A0B5C1C-A16A-44EC-A1E5-1A207C523DA8}" dt="2025-02-10T04:26:52.059" v="129"/>
+      <pc:sldChg chg="modSp mod">
+        <pc:chgData name="S PADMESH - [CB.SC.U4AIE24044]" userId="2b255c74-7262-47c2-a2fa-78dc5d677459" providerId="ADAL" clId="{4A0B5C1C-A16A-44EC-A1E5-1A207C523DA8}" dt="2025-03-12T05:08:29.151" v="283" actId="5793"/>
         <pc:sldMkLst>
           <pc:docMk/>
           <pc:sldMk cId="1945048929" sldId="313"/>
         </pc:sldMkLst>
         <pc:spChg chg="mod">
-          <ac:chgData name="Padmesh Sivalingam" userId="880b0b13d6b5919e" providerId="LiveId" clId="{4A0B5C1C-A16A-44EC-A1E5-1A207C523DA8}" dt="2025-02-09T17:26:47.328" v="73" actId="20577"/>
+          <ac:chgData name="S PADMESH - [CB.SC.U4AIE24044]" userId="2b255c74-7262-47c2-a2fa-78dc5d677459" providerId="ADAL" clId="{4A0B5C1C-A16A-44EC-A1E5-1A207C523DA8}" dt="2025-03-12T05:08:29.151" v="283" actId="5793"/>
           <ac:spMkLst>
             <pc:docMk/>
             <pc:sldMk cId="1945048929" sldId="313"/>
@@ -334,176 +322,632 @@
           </ac:spMkLst>
         </pc:spChg>
       </pc:sldChg>
-      <pc:sldChg chg="modTransition">
-        <pc:chgData name="Padmesh Sivalingam" userId="880b0b13d6b5919e" providerId="LiveId" clId="{4A0B5C1C-A16A-44EC-A1E5-1A207C523DA8}" dt="2025-02-10T04:26:52.059" v="129"/>
+      <pc:sldChg chg="modSp mod">
+        <pc:chgData name="S PADMESH - [CB.SC.U4AIE24044]" userId="2b255c74-7262-47c2-a2fa-78dc5d677459" providerId="ADAL" clId="{4A0B5C1C-A16A-44EC-A1E5-1A207C523DA8}" dt="2025-03-12T05:32:29.033" v="345" actId="20577"/>
+        <pc:sldMkLst>
+          <pc:docMk/>
+          <pc:sldMk cId="3654488089" sldId="317"/>
+        </pc:sldMkLst>
+        <pc:spChg chg="mod">
+          <ac:chgData name="S PADMESH - [CB.SC.U4AIE24044]" userId="2b255c74-7262-47c2-a2fa-78dc5d677459" providerId="ADAL" clId="{4A0B5C1C-A16A-44EC-A1E5-1A207C523DA8}" dt="2025-03-12T05:32:29.033" v="345" actId="20577"/>
+          <ac:spMkLst>
+            <pc:docMk/>
+            <pc:sldMk cId="3654488089" sldId="317"/>
+            <ac:spMk id="3" creationId="{A4B5D62C-D08C-1D3E-69A3-F2E1CDD50BE1}"/>
+          </ac:spMkLst>
+        </pc:spChg>
+      </pc:sldChg>
+      <pc:sldChg chg="modSp mod">
+        <pc:chgData name="S PADMESH - [CB.SC.U4AIE24044]" userId="2b255c74-7262-47c2-a2fa-78dc5d677459" providerId="ADAL" clId="{4A0B5C1C-A16A-44EC-A1E5-1A207C523DA8}" dt="2025-03-12T05:36:29.075" v="347" actId="20577"/>
+        <pc:sldMkLst>
+          <pc:docMk/>
+          <pc:sldMk cId="4079294580" sldId="318"/>
+        </pc:sldMkLst>
+        <pc:spChg chg="mod">
+          <ac:chgData name="S PADMESH - [CB.SC.U4AIE24044]" userId="2b255c74-7262-47c2-a2fa-78dc5d677459" providerId="ADAL" clId="{4A0B5C1C-A16A-44EC-A1E5-1A207C523DA8}" dt="2025-03-12T05:36:29.075" v="347" actId="20577"/>
+          <ac:spMkLst>
+            <pc:docMk/>
+            <pc:sldMk cId="4079294580" sldId="318"/>
+            <ac:spMk id="3" creationId="{C586D80A-4A53-DEAA-89F0-05B88E2F933B}"/>
+          </ac:spMkLst>
+        </pc:spChg>
+      </pc:sldChg>
+      <pc:sldChg chg="modSp mod">
+        <pc:chgData name="S PADMESH - [CB.SC.U4AIE24044]" userId="2b255c74-7262-47c2-a2fa-78dc5d677459" providerId="ADAL" clId="{4A0B5C1C-A16A-44EC-A1E5-1A207C523DA8}" dt="2025-03-12T04:41:01.559" v="168" actId="20577"/>
+        <pc:sldMkLst>
+          <pc:docMk/>
+          <pc:sldMk cId="1872605553" sldId="319"/>
+        </pc:sldMkLst>
+        <pc:spChg chg="mod">
+          <ac:chgData name="S PADMESH - [CB.SC.U4AIE24044]" userId="2b255c74-7262-47c2-a2fa-78dc5d677459" providerId="ADAL" clId="{4A0B5C1C-A16A-44EC-A1E5-1A207C523DA8}" dt="2025-03-12T04:41:01.559" v="168" actId="20577"/>
+          <ac:spMkLst>
+            <pc:docMk/>
+            <pc:sldMk cId="1872605553" sldId="319"/>
+            <ac:spMk id="3" creationId="{225D4AD6-56E9-F5F1-160B-6EAA89B15363}"/>
+          </ac:spMkLst>
+        </pc:spChg>
+      </pc:sldChg>
+      <pc:sldChg chg="modSp mod">
+        <pc:chgData name="S PADMESH - [CB.SC.U4AIE24044]" userId="2b255c74-7262-47c2-a2fa-78dc5d677459" providerId="ADAL" clId="{4A0B5C1C-A16A-44EC-A1E5-1A207C523DA8}" dt="2025-03-12T05:11:21.143" v="312" actId="20577"/>
+        <pc:sldMkLst>
+          <pc:docMk/>
+          <pc:sldMk cId="3967994020" sldId="332"/>
+        </pc:sldMkLst>
+        <pc:spChg chg="mod">
+          <ac:chgData name="S PADMESH - [CB.SC.U4AIE24044]" userId="2b255c74-7262-47c2-a2fa-78dc5d677459" providerId="ADAL" clId="{4A0B5C1C-A16A-44EC-A1E5-1A207C523DA8}" dt="2025-03-12T05:11:21.143" v="312" actId="20577"/>
+          <ac:spMkLst>
+            <pc:docMk/>
+            <pc:sldMk cId="3967994020" sldId="332"/>
+            <ac:spMk id="3" creationId="{6BD9BC9C-1BE9-8A7E-135B-604EDDD74E36}"/>
+          </ac:spMkLst>
+        </pc:spChg>
+      </pc:sldChg>
+      <pc:sldChg chg="addSp modSp mod">
+        <pc:chgData name="S PADMESH - [CB.SC.U4AIE24044]" userId="2b255c74-7262-47c2-a2fa-78dc5d677459" providerId="ADAL" clId="{4A0B5C1C-A16A-44EC-A1E5-1A207C523DA8}" dt="2025-03-12T05:40:09.223" v="351" actId="20577"/>
+        <pc:sldMkLst>
+          <pc:docMk/>
+          <pc:sldMk cId="3243871791" sldId="333"/>
+        </pc:sldMkLst>
+        <pc:spChg chg="mod">
+          <ac:chgData name="S PADMESH - [CB.SC.U4AIE24044]" userId="2b255c74-7262-47c2-a2fa-78dc5d677459" providerId="ADAL" clId="{4A0B5C1C-A16A-44EC-A1E5-1A207C523DA8}" dt="2025-03-12T04:30:26.322" v="52" actId="1076"/>
+          <ac:spMkLst>
+            <pc:docMk/>
+            <pc:sldMk cId="3243871791" sldId="333"/>
+            <ac:spMk id="3" creationId="{D2ABB6A1-AAC6-15CC-91DA-A4925D2EF63C}"/>
+          </ac:spMkLst>
+        </pc:spChg>
+        <pc:spChg chg="add mod">
+          <ac:chgData name="S PADMESH - [CB.SC.U4AIE24044]" userId="2b255c74-7262-47c2-a2fa-78dc5d677459" providerId="ADAL" clId="{4A0B5C1C-A16A-44EC-A1E5-1A207C523DA8}" dt="2025-03-12T05:40:09.223" v="351" actId="20577"/>
+          <ac:spMkLst>
+            <pc:docMk/>
+            <pc:sldMk cId="3243871791" sldId="333"/>
+            <ac:spMk id="4" creationId="{70AAB7CA-260A-41AF-CF17-50463D4DF56F}"/>
+          </ac:spMkLst>
+        </pc:spChg>
+        <pc:spChg chg="add">
+          <ac:chgData name="S PADMESH - [CB.SC.U4AIE24044]" userId="2b255c74-7262-47c2-a2fa-78dc5d677459" providerId="ADAL" clId="{4A0B5C1C-A16A-44EC-A1E5-1A207C523DA8}" dt="2025-03-12T04:28:50.316" v="27"/>
+          <ac:spMkLst>
+            <pc:docMk/>
+            <pc:sldMk cId="3243871791" sldId="333"/>
+            <ac:spMk id="5" creationId="{25DB4187-FC37-EF17-0BB5-A1C83714DF2A}"/>
+          </ac:spMkLst>
+        </pc:spChg>
+      </pc:sldChg>
+      <pc:sldChg chg="addSp delSp modSp new mod">
+        <pc:chgData name="S PADMESH - [CB.SC.U4AIE24044]" userId="2b255c74-7262-47c2-a2fa-78dc5d677459" providerId="ADAL" clId="{4A0B5C1C-A16A-44EC-A1E5-1A207C523DA8}" dt="2025-03-12T04:33:25.131" v="95"/>
+        <pc:sldMkLst>
+          <pc:docMk/>
+          <pc:sldMk cId="2899417173" sldId="334"/>
+        </pc:sldMkLst>
+        <pc:spChg chg="add del">
+          <ac:chgData name="S PADMESH - [CB.SC.U4AIE24044]" userId="2b255c74-7262-47c2-a2fa-78dc5d677459" providerId="ADAL" clId="{4A0B5C1C-A16A-44EC-A1E5-1A207C523DA8}" dt="2025-03-12T04:31:26.715" v="63" actId="478"/>
+          <ac:spMkLst>
+            <pc:docMk/>
+            <pc:sldMk cId="2899417173" sldId="334"/>
+            <ac:spMk id="2" creationId="{4E40395F-E823-0E22-F18B-C85CB20CDAB0}"/>
+          </ac:spMkLst>
+        </pc:spChg>
+        <pc:spChg chg="mod">
+          <ac:chgData name="S PADMESH - [CB.SC.U4AIE24044]" userId="2b255c74-7262-47c2-a2fa-78dc5d677459" providerId="ADAL" clId="{4A0B5C1C-A16A-44EC-A1E5-1A207C523DA8}" dt="2025-03-12T04:32:06.351" v="70" actId="5793"/>
+          <ac:spMkLst>
+            <pc:docMk/>
+            <pc:sldMk cId="2899417173" sldId="334"/>
+            <ac:spMk id="3" creationId="{A937495E-2937-2B2B-1803-50E6E011788F}"/>
+          </ac:spMkLst>
+        </pc:spChg>
+        <pc:spChg chg="add mod">
+          <ac:chgData name="S PADMESH - [CB.SC.U4AIE24044]" userId="2b255c74-7262-47c2-a2fa-78dc5d677459" providerId="ADAL" clId="{4A0B5C1C-A16A-44EC-A1E5-1A207C523DA8}" dt="2025-03-12T04:33:25.131" v="95"/>
+          <ac:spMkLst>
+            <pc:docMk/>
+            <pc:sldMk cId="2899417173" sldId="334"/>
+            <ac:spMk id="4" creationId="{A6C8C003-665E-7308-34CE-D0F21DF5B8EB}"/>
+          </ac:spMkLst>
+        </pc:spChg>
+      </pc:sldChg>
+      <pc:sldChg chg="addSp delSp modSp new mod">
+        <pc:chgData name="S PADMESH - [CB.SC.U4AIE24044]" userId="2b255c74-7262-47c2-a2fa-78dc5d677459" providerId="ADAL" clId="{4A0B5C1C-A16A-44EC-A1E5-1A207C523DA8}" dt="2025-03-12T04:36:01.273" v="125" actId="14100"/>
+        <pc:sldMkLst>
+          <pc:docMk/>
+          <pc:sldMk cId="1006996831" sldId="335"/>
+        </pc:sldMkLst>
+        <pc:spChg chg="del">
+          <ac:chgData name="S PADMESH - [CB.SC.U4AIE24044]" userId="2b255c74-7262-47c2-a2fa-78dc5d677459" providerId="ADAL" clId="{4A0B5C1C-A16A-44EC-A1E5-1A207C523DA8}" dt="2025-03-12T04:33:59.200" v="99" actId="478"/>
+          <ac:spMkLst>
+            <pc:docMk/>
+            <pc:sldMk cId="1006996831" sldId="335"/>
+            <ac:spMk id="2" creationId="{D73B319C-0F87-B5C2-E6A7-861798CBF282}"/>
+          </ac:spMkLst>
+        </pc:spChg>
+        <pc:spChg chg="del mod">
+          <ac:chgData name="S PADMESH - [CB.SC.U4AIE24044]" userId="2b255c74-7262-47c2-a2fa-78dc5d677459" providerId="ADAL" clId="{4A0B5C1C-A16A-44EC-A1E5-1A207C523DA8}" dt="2025-03-12T04:33:56.395" v="98" actId="478"/>
+          <ac:spMkLst>
+            <pc:docMk/>
+            <pc:sldMk cId="1006996831" sldId="335"/>
+            <ac:spMk id="3" creationId="{E6782D0B-2E26-BD53-17F3-D43FDD66D871}"/>
+          </ac:spMkLst>
+        </pc:spChg>
+        <pc:spChg chg="add mod">
+          <ac:chgData name="S PADMESH - [CB.SC.U4AIE24044]" userId="2b255c74-7262-47c2-a2fa-78dc5d677459" providerId="ADAL" clId="{4A0B5C1C-A16A-44EC-A1E5-1A207C523DA8}" dt="2025-03-12T04:35:56.835" v="123" actId="1076"/>
+          <ac:spMkLst>
+            <pc:docMk/>
+            <pc:sldMk cId="1006996831" sldId="335"/>
+            <ac:spMk id="5" creationId="{D8FA6C5B-ED1B-6B43-3955-78A7BAD14F67}"/>
+          </ac:spMkLst>
+        </pc:spChg>
+        <pc:picChg chg="add del mod">
+          <ac:chgData name="S PADMESH - [CB.SC.U4AIE24044]" userId="2b255c74-7262-47c2-a2fa-78dc5d677459" providerId="ADAL" clId="{4A0B5C1C-A16A-44EC-A1E5-1A207C523DA8}" dt="2025-03-12T04:35:31.987" v="116" actId="1076"/>
+          <ac:picMkLst>
+            <pc:docMk/>
+            <pc:sldMk cId="1006996831" sldId="335"/>
+            <ac:picMk id="7" creationId="{24DA19A3-63CA-AE7A-7E8D-9610FE063F80}"/>
+          </ac:picMkLst>
+        </pc:picChg>
+        <pc:picChg chg="add del mod">
+          <ac:chgData name="S PADMESH - [CB.SC.U4AIE24044]" userId="2b255c74-7262-47c2-a2fa-78dc5d677459" providerId="ADAL" clId="{4A0B5C1C-A16A-44EC-A1E5-1A207C523DA8}" dt="2025-03-12T04:35:31.987" v="116" actId="1076"/>
+          <ac:picMkLst>
+            <pc:docMk/>
+            <pc:sldMk cId="1006996831" sldId="335"/>
+            <ac:picMk id="9" creationId="{857E0AA9-416B-AA7A-A36C-CDD98DDC4977}"/>
+          </ac:picMkLst>
+        </pc:picChg>
+        <pc:picChg chg="add mod">
+          <ac:chgData name="S PADMESH - [CB.SC.U4AIE24044]" userId="2b255c74-7262-47c2-a2fa-78dc5d677459" providerId="ADAL" clId="{4A0B5C1C-A16A-44EC-A1E5-1A207C523DA8}" dt="2025-03-12T04:35:38.294" v="117" actId="931"/>
+          <ac:picMkLst>
+            <pc:docMk/>
+            <pc:sldMk cId="1006996831" sldId="335"/>
+            <ac:picMk id="11" creationId="{4B4B9C54-A196-1EF3-28E3-B044243B10A9}"/>
+          </ac:picMkLst>
+        </pc:picChg>
+        <pc:picChg chg="add mod">
+          <ac:chgData name="S PADMESH - [CB.SC.U4AIE24044]" userId="2b255c74-7262-47c2-a2fa-78dc5d677459" providerId="ADAL" clId="{4A0B5C1C-A16A-44EC-A1E5-1A207C523DA8}" dt="2025-03-12T04:36:01.273" v="125" actId="14100"/>
+          <ac:picMkLst>
+            <pc:docMk/>
+            <pc:sldMk cId="1006996831" sldId="335"/>
+            <ac:picMk id="13" creationId="{50B6CE94-B803-F8B4-8C47-1A905C387D11}"/>
+          </ac:picMkLst>
+        </pc:picChg>
+      </pc:sldChg>
+      <pc:sldChg chg="addSp delSp modSp new mod">
+        <pc:chgData name="S PADMESH - [CB.SC.U4AIE24044]" userId="2b255c74-7262-47c2-a2fa-78dc5d677459" providerId="ADAL" clId="{4A0B5C1C-A16A-44EC-A1E5-1A207C523DA8}" dt="2025-03-12T04:39:18.769" v="153" actId="20577"/>
+        <pc:sldMkLst>
+          <pc:docMk/>
+          <pc:sldMk cId="2696510432" sldId="336"/>
+        </pc:sldMkLst>
+        <pc:spChg chg="del">
+          <ac:chgData name="S PADMESH - [CB.SC.U4AIE24044]" userId="2b255c74-7262-47c2-a2fa-78dc5d677459" providerId="ADAL" clId="{4A0B5C1C-A16A-44EC-A1E5-1A207C523DA8}" dt="2025-03-12T04:36:39.837" v="127" actId="478"/>
+          <ac:spMkLst>
+            <pc:docMk/>
+            <pc:sldMk cId="2696510432" sldId="336"/>
+            <ac:spMk id="2" creationId="{4EFC4091-360C-62D3-F6A9-C7A83F203063}"/>
+          </ac:spMkLst>
+        </pc:spChg>
+        <pc:spChg chg="mod">
+          <ac:chgData name="S PADMESH - [CB.SC.U4AIE24044]" userId="2b255c74-7262-47c2-a2fa-78dc5d677459" providerId="ADAL" clId="{4A0B5C1C-A16A-44EC-A1E5-1A207C523DA8}" dt="2025-03-12T04:37:14.643" v="135"/>
+          <ac:spMkLst>
+            <pc:docMk/>
+            <pc:sldMk cId="2696510432" sldId="336"/>
+            <ac:spMk id="3" creationId="{A1F5A60B-4FF3-9832-70EE-796624B487D6}"/>
+          </ac:spMkLst>
+        </pc:spChg>
+        <pc:spChg chg="add mod">
+          <ac:chgData name="S PADMESH - [CB.SC.U4AIE24044]" userId="2b255c74-7262-47c2-a2fa-78dc5d677459" providerId="ADAL" clId="{4A0B5C1C-A16A-44EC-A1E5-1A207C523DA8}" dt="2025-03-12T04:39:18.769" v="153" actId="20577"/>
+          <ac:spMkLst>
+            <pc:docMk/>
+            <pc:sldMk cId="2696510432" sldId="336"/>
+            <ac:spMk id="4" creationId="{D0B1C5E5-084A-56D0-45C1-F7C61253CC1E}"/>
+          </ac:spMkLst>
+        </pc:spChg>
+      </pc:sldChg>
+      <pc:sldChg chg="addSp delSp modSp new mod">
+        <pc:chgData name="S PADMESH - [CB.SC.U4AIE24044]" userId="2b255c74-7262-47c2-a2fa-78dc5d677459" providerId="ADAL" clId="{4A0B5C1C-A16A-44EC-A1E5-1A207C523DA8}" dt="2025-03-12T04:40:47.631" v="167" actId="1076"/>
+        <pc:sldMkLst>
+          <pc:docMk/>
+          <pc:sldMk cId="75094502" sldId="337"/>
+        </pc:sldMkLst>
+        <pc:spChg chg="del">
+          <ac:chgData name="S PADMESH - [CB.SC.U4AIE24044]" userId="2b255c74-7262-47c2-a2fa-78dc5d677459" providerId="ADAL" clId="{4A0B5C1C-A16A-44EC-A1E5-1A207C523DA8}" dt="2025-03-12T04:39:53.281" v="155" actId="478"/>
+          <ac:spMkLst>
+            <pc:docMk/>
+            <pc:sldMk cId="75094502" sldId="337"/>
+            <ac:spMk id="2" creationId="{0C7E3258-0EBD-926D-B184-00E0A6B32101}"/>
+          </ac:spMkLst>
+        </pc:spChg>
+        <pc:spChg chg="mod">
+          <ac:chgData name="S PADMESH - [CB.SC.U4AIE24044]" userId="2b255c74-7262-47c2-a2fa-78dc5d677459" providerId="ADAL" clId="{4A0B5C1C-A16A-44EC-A1E5-1A207C523DA8}" dt="2025-03-12T04:40:14.061" v="161" actId="20577"/>
+          <ac:spMkLst>
+            <pc:docMk/>
+            <pc:sldMk cId="75094502" sldId="337"/>
+            <ac:spMk id="3" creationId="{6CCE90AA-39C7-95C6-5619-C4030126C61B}"/>
+          </ac:spMkLst>
+        </pc:spChg>
+        <pc:picChg chg="add mod">
+          <ac:chgData name="S PADMESH - [CB.SC.U4AIE24044]" userId="2b255c74-7262-47c2-a2fa-78dc5d677459" providerId="ADAL" clId="{4A0B5C1C-A16A-44EC-A1E5-1A207C523DA8}" dt="2025-03-12T04:40:47.631" v="167" actId="1076"/>
+          <ac:picMkLst>
+            <pc:docMk/>
+            <pc:sldMk cId="75094502" sldId="337"/>
+            <ac:picMk id="5" creationId="{36502A59-384F-9F8B-7A8D-FA7EDC4071BE}"/>
+          </ac:picMkLst>
+        </pc:picChg>
+      </pc:sldChg>
+      <pc:sldChg chg="addSp delSp modSp new mod">
+        <pc:chgData name="S PADMESH - [CB.SC.U4AIE24044]" userId="2b255c74-7262-47c2-a2fa-78dc5d677459" providerId="ADAL" clId="{4A0B5C1C-A16A-44EC-A1E5-1A207C523DA8}" dt="2025-03-12T08:26:16.008" v="500" actId="1076"/>
+        <pc:sldMkLst>
+          <pc:docMk/>
+          <pc:sldMk cId="3319927979" sldId="338"/>
+        </pc:sldMkLst>
+        <pc:spChg chg="mod">
+          <ac:chgData name="S PADMESH - [CB.SC.U4AIE24044]" userId="2b255c74-7262-47c2-a2fa-78dc5d677459" providerId="ADAL" clId="{4A0B5C1C-A16A-44EC-A1E5-1A207C523DA8}" dt="2025-03-12T04:48:09.095" v="196"/>
+          <ac:spMkLst>
+            <pc:docMk/>
+            <pc:sldMk cId="3319927979" sldId="338"/>
+            <ac:spMk id="2" creationId="{40FA4DE8-109E-E8B1-D1FF-FB5D4A9D2EE3}"/>
+          </ac:spMkLst>
+        </pc:spChg>
+        <pc:spChg chg="mod">
+          <ac:chgData name="S PADMESH - [CB.SC.U4AIE24044]" userId="2b255c74-7262-47c2-a2fa-78dc5d677459" providerId="ADAL" clId="{4A0B5C1C-A16A-44EC-A1E5-1A207C523DA8}" dt="2025-03-12T04:45:38.955" v="176" actId="123"/>
+          <ac:spMkLst>
+            <pc:docMk/>
+            <pc:sldMk cId="3319927979" sldId="338"/>
+            <ac:spMk id="3" creationId="{EB79CFED-5348-4ADF-2C79-B4A9A0085FA4}"/>
+          </ac:spMkLst>
+        </pc:spChg>
+        <pc:spChg chg="add del mod">
+          <ac:chgData name="S PADMESH - [CB.SC.U4AIE24044]" userId="2b255c74-7262-47c2-a2fa-78dc5d677459" providerId="ADAL" clId="{4A0B5C1C-A16A-44EC-A1E5-1A207C523DA8}" dt="2025-03-12T04:50:27.600" v="198"/>
+          <ac:spMkLst>
+            <pc:docMk/>
+            <pc:sldMk cId="3319927979" sldId="338"/>
+            <ac:spMk id="6" creationId="{6D62682D-2E99-AC05-5A6C-6FAA3807AFE2}"/>
+          </ac:spMkLst>
+        </pc:spChg>
+        <pc:picChg chg="add del mod ord">
+          <ac:chgData name="S PADMESH - [CB.SC.U4AIE24044]" userId="2b255c74-7262-47c2-a2fa-78dc5d677459" providerId="ADAL" clId="{4A0B5C1C-A16A-44EC-A1E5-1A207C523DA8}" dt="2025-03-12T04:46:48.937" v="184" actId="478"/>
+          <ac:picMkLst>
+            <pc:docMk/>
+            <pc:sldMk cId="3319927979" sldId="338"/>
+            <ac:picMk id="5" creationId="{67D5BD0F-8B99-CD00-D40C-895427D92166}"/>
+          </ac:picMkLst>
+        </pc:picChg>
+        <pc:picChg chg="add mod">
+          <ac:chgData name="S PADMESH - [CB.SC.U4AIE24044]" userId="2b255c74-7262-47c2-a2fa-78dc5d677459" providerId="ADAL" clId="{4A0B5C1C-A16A-44EC-A1E5-1A207C523DA8}" dt="2025-03-12T08:26:16.008" v="500" actId="1076"/>
+          <ac:picMkLst>
+            <pc:docMk/>
+            <pc:sldMk cId="3319927979" sldId="338"/>
+            <ac:picMk id="5" creationId="{97A53F4F-2F4F-ED33-CAD6-47396444D037}"/>
+          </ac:picMkLst>
+        </pc:picChg>
+        <pc:picChg chg="add del mod">
+          <ac:chgData name="S PADMESH - [CB.SC.U4AIE24044]" userId="2b255c74-7262-47c2-a2fa-78dc5d677459" providerId="ADAL" clId="{4A0B5C1C-A16A-44EC-A1E5-1A207C523DA8}" dt="2025-03-12T04:53:50.387" v="202" actId="478"/>
+          <ac:picMkLst>
+            <pc:docMk/>
+            <pc:sldMk cId="3319927979" sldId="338"/>
+            <ac:picMk id="8" creationId="{AAB2B946-565A-E347-2A25-68B03BC29656}"/>
+          </ac:picMkLst>
+        </pc:picChg>
+      </pc:sldChg>
+      <pc:sldChg chg="modSp new mod">
+        <pc:chgData name="S PADMESH - [CB.SC.U4AIE24044]" userId="2b255c74-7262-47c2-a2fa-78dc5d677459" providerId="ADAL" clId="{4A0B5C1C-A16A-44EC-A1E5-1A207C523DA8}" dt="2025-03-12T04:56:31.112" v="262" actId="20577"/>
+        <pc:sldMkLst>
+          <pc:docMk/>
+          <pc:sldMk cId="2915216962" sldId="339"/>
+        </pc:sldMkLst>
+        <pc:spChg chg="mod">
+          <ac:chgData name="S PADMESH - [CB.SC.U4AIE24044]" userId="2b255c74-7262-47c2-a2fa-78dc5d677459" providerId="ADAL" clId="{4A0B5C1C-A16A-44EC-A1E5-1A207C523DA8}" dt="2025-03-12T04:54:48.205" v="204"/>
+          <ac:spMkLst>
+            <pc:docMk/>
+            <pc:sldMk cId="2915216962" sldId="339"/>
+            <ac:spMk id="2" creationId="{892F1483-A081-2004-BF65-66D6A0982DA7}"/>
+          </ac:spMkLst>
+        </pc:spChg>
+        <pc:spChg chg="mod">
+          <ac:chgData name="S PADMESH - [CB.SC.U4AIE24044]" userId="2b255c74-7262-47c2-a2fa-78dc5d677459" providerId="ADAL" clId="{4A0B5C1C-A16A-44EC-A1E5-1A207C523DA8}" dt="2025-03-12T04:56:31.112" v="262" actId="20577"/>
+          <ac:spMkLst>
+            <pc:docMk/>
+            <pc:sldMk cId="2915216962" sldId="339"/>
+            <ac:spMk id="3" creationId="{433A2D49-FD25-1006-5FDD-98C2A0FECE5A}"/>
+          </ac:spMkLst>
+        </pc:spChg>
+      </pc:sldChg>
+      <pc:sldChg chg="addSp delSp modSp new mod">
+        <pc:chgData name="S PADMESH - [CB.SC.U4AIE24044]" userId="2b255c74-7262-47c2-a2fa-78dc5d677459" providerId="ADAL" clId="{4A0B5C1C-A16A-44EC-A1E5-1A207C523DA8}" dt="2025-03-12T08:28:40.463" v="514" actId="1076"/>
+        <pc:sldMkLst>
+          <pc:docMk/>
+          <pc:sldMk cId="2603638299" sldId="340"/>
+        </pc:sldMkLst>
+        <pc:spChg chg="del">
+          <ac:chgData name="S PADMESH - [CB.SC.U4AIE24044]" userId="2b255c74-7262-47c2-a2fa-78dc5d677459" providerId="ADAL" clId="{4A0B5C1C-A16A-44EC-A1E5-1A207C523DA8}" dt="2025-03-12T04:57:05.125" v="264" actId="478"/>
+          <ac:spMkLst>
+            <pc:docMk/>
+            <pc:sldMk cId="2603638299" sldId="340"/>
+            <ac:spMk id="2" creationId="{884B9919-04B9-2F6B-9F06-581A13908F76}"/>
+          </ac:spMkLst>
+        </pc:spChg>
+        <pc:spChg chg="mod">
+          <ac:chgData name="S PADMESH - [CB.SC.U4AIE24044]" userId="2b255c74-7262-47c2-a2fa-78dc5d677459" providerId="ADAL" clId="{4A0B5C1C-A16A-44EC-A1E5-1A207C523DA8}" dt="2025-03-12T08:27:48.930" v="504" actId="1076"/>
+          <ac:spMkLst>
+            <pc:docMk/>
+            <pc:sldMk cId="2603638299" sldId="340"/>
+            <ac:spMk id="3" creationId="{356A1812-5758-3C87-28A4-C6B96DA9AFBA}"/>
+          </ac:spMkLst>
+        </pc:spChg>
+        <pc:picChg chg="add mod">
+          <ac:chgData name="S PADMESH - [CB.SC.U4AIE24044]" userId="2b255c74-7262-47c2-a2fa-78dc5d677459" providerId="ADAL" clId="{4A0B5C1C-A16A-44EC-A1E5-1A207C523DA8}" dt="2025-03-12T08:28:40.463" v="514" actId="1076"/>
+          <ac:picMkLst>
+            <pc:docMk/>
+            <pc:sldMk cId="2603638299" sldId="340"/>
+            <ac:picMk id="4" creationId="{39A37464-35B0-94BC-D86D-AF192F6C085E}"/>
+          </ac:picMkLst>
+        </pc:picChg>
+        <pc:picChg chg="add mod">
+          <ac:chgData name="S PADMESH - [CB.SC.U4AIE24044]" userId="2b255c74-7262-47c2-a2fa-78dc5d677459" providerId="ADAL" clId="{4A0B5C1C-A16A-44EC-A1E5-1A207C523DA8}" dt="2025-03-12T08:28:36.958" v="512" actId="1076"/>
+          <ac:picMkLst>
+            <pc:docMk/>
+            <pc:sldMk cId="2603638299" sldId="340"/>
+            <ac:picMk id="6" creationId="{1521A705-4177-BB56-4FBE-68421F204D13}"/>
+          </ac:picMkLst>
+        </pc:picChg>
+      </pc:sldChg>
+      <pc:sldChg chg="addSp modSp new mod">
+        <pc:chgData name="S PADMESH - [CB.SC.U4AIE24044]" userId="2b255c74-7262-47c2-a2fa-78dc5d677459" providerId="ADAL" clId="{4A0B5C1C-A16A-44EC-A1E5-1A207C523DA8}" dt="2025-03-12T07:30:45.979" v="459" actId="1076"/>
+        <pc:sldMkLst>
+          <pc:docMk/>
+          <pc:sldMk cId="2605372178" sldId="341"/>
+        </pc:sldMkLst>
+        <pc:spChg chg="mod">
+          <ac:chgData name="S PADMESH - [CB.SC.U4AIE24044]" userId="2b255c74-7262-47c2-a2fa-78dc5d677459" providerId="ADAL" clId="{4A0B5C1C-A16A-44EC-A1E5-1A207C523DA8}" dt="2025-03-12T05:22:47.359" v="319" actId="20577"/>
+          <ac:spMkLst>
+            <pc:docMk/>
+            <pc:sldMk cId="2605372178" sldId="341"/>
+            <ac:spMk id="2" creationId="{E04C0157-E4B5-D9E6-0678-79A875928968}"/>
+          </ac:spMkLst>
+        </pc:spChg>
+        <pc:spChg chg="mod">
+          <ac:chgData name="S PADMESH - [CB.SC.U4AIE24044]" userId="2b255c74-7262-47c2-a2fa-78dc5d677459" providerId="ADAL" clId="{4A0B5C1C-A16A-44EC-A1E5-1A207C523DA8}" dt="2025-03-12T07:28:55.178" v="411" actId="1076"/>
+          <ac:spMkLst>
+            <pc:docMk/>
+            <pc:sldMk cId="2605372178" sldId="341"/>
+            <ac:spMk id="3" creationId="{4A58EC0F-8535-A24F-C753-59EC40E7FAA1}"/>
+          </ac:spMkLst>
+        </pc:spChg>
+        <pc:spChg chg="add mod">
+          <ac:chgData name="S PADMESH - [CB.SC.U4AIE24044]" userId="2b255c74-7262-47c2-a2fa-78dc5d677459" providerId="ADAL" clId="{4A0B5C1C-A16A-44EC-A1E5-1A207C523DA8}" dt="2025-03-12T07:30:45.979" v="459" actId="1076"/>
+          <ac:spMkLst>
+            <pc:docMk/>
+            <pc:sldMk cId="2605372178" sldId="341"/>
+            <ac:spMk id="4" creationId="{F1047219-17CC-3806-0794-83F4FA0754EC}"/>
+          </ac:spMkLst>
+        </pc:spChg>
+      </pc:sldChg>
+      <pc:sldChg chg="addSp delSp modSp new mod">
+        <pc:chgData name="S PADMESH - [CB.SC.U4AIE24044]" userId="2b255c74-7262-47c2-a2fa-78dc5d677459" providerId="ADAL" clId="{4A0B5C1C-A16A-44EC-A1E5-1A207C523DA8}" dt="2025-03-12T07:33:40.039" v="497" actId="20577"/>
+        <pc:sldMkLst>
+          <pc:docMk/>
+          <pc:sldMk cId="2252418105" sldId="342"/>
+        </pc:sldMkLst>
+        <pc:spChg chg="del">
+          <ac:chgData name="S PADMESH - [CB.SC.U4AIE24044]" userId="2b255c74-7262-47c2-a2fa-78dc5d677459" providerId="ADAL" clId="{4A0B5C1C-A16A-44EC-A1E5-1A207C523DA8}" dt="2025-03-12T07:28:28.412" v="406" actId="478"/>
+          <ac:spMkLst>
+            <pc:docMk/>
+            <pc:sldMk cId="2252418105" sldId="342"/>
+            <ac:spMk id="2" creationId="{B4A4FD09-158B-F264-2D3E-FFA60CD6A550}"/>
+          </ac:spMkLst>
+        </pc:spChg>
+        <pc:spChg chg="mod">
+          <ac:chgData name="S PADMESH - [CB.SC.U4AIE24044]" userId="2b255c74-7262-47c2-a2fa-78dc5d677459" providerId="ADAL" clId="{4A0B5C1C-A16A-44EC-A1E5-1A207C523DA8}" dt="2025-03-12T07:29:05.067" v="413" actId="1076"/>
+          <ac:spMkLst>
+            <pc:docMk/>
+            <pc:sldMk cId="2252418105" sldId="342"/>
+            <ac:spMk id="3" creationId="{F581B58A-2756-CBB5-ECE1-2A7D541792D4}"/>
+          </ac:spMkLst>
+        </pc:spChg>
+        <pc:spChg chg="add mod">
+          <ac:chgData name="S PADMESH - [CB.SC.U4AIE24044]" userId="2b255c74-7262-47c2-a2fa-78dc5d677459" providerId="ADAL" clId="{4A0B5C1C-A16A-44EC-A1E5-1A207C523DA8}" dt="2025-03-12T07:31:00.728" v="460" actId="1076"/>
+          <ac:spMkLst>
+            <pc:docMk/>
+            <pc:sldMk cId="2252418105" sldId="342"/>
+            <ac:spMk id="4" creationId="{9069F03D-695F-40AD-4A7A-F55D5E91D826}"/>
+          </ac:spMkLst>
+        </pc:spChg>
+        <pc:spChg chg="add mod">
+          <ac:chgData name="S PADMESH - [CB.SC.U4AIE24044]" userId="2b255c74-7262-47c2-a2fa-78dc5d677459" providerId="ADAL" clId="{4A0B5C1C-A16A-44EC-A1E5-1A207C523DA8}" dt="2025-03-12T07:33:40.039" v="497" actId="20577"/>
+          <ac:spMkLst>
+            <pc:docMk/>
+            <pc:sldMk cId="2252418105" sldId="342"/>
+            <ac:spMk id="5" creationId="{BCD03BBE-3660-7E58-81A9-7967A585EA4B}"/>
+          </ac:spMkLst>
+        </pc:spChg>
+      </pc:sldChg>
+    </pc:docChg>
+  </pc:docChgLst>
+  <pc:docChgLst>
+    <pc:chgData name="Padmesh Sivalingam" userId="880b0b13d6b5919e" providerId="LiveId" clId="{4A0B5C1C-A16A-44EC-A1E5-1A207C523DA8}"/>
+    <pc:docChg chg="undo custSel addSld delSld modSld sldOrd modMainMaster">
+      <pc:chgData name="Padmesh Sivalingam" userId="880b0b13d6b5919e" providerId="LiveId" clId="{4A0B5C1C-A16A-44EC-A1E5-1A207C523DA8}" dt="2025-03-11T16:57:37.795" v="1210" actId="20577"/>
+      <pc:docMkLst>
+        <pc:docMk/>
+      </pc:docMkLst>
+      <pc:sldChg chg="modSp mod modTransition">
+        <pc:chgData name="Padmesh Sivalingam" userId="880b0b13d6b5919e" providerId="LiveId" clId="{4A0B5C1C-A16A-44EC-A1E5-1A207C523DA8}" dt="2025-03-11T16:57:37.795" v="1210" actId="20577"/>
+        <pc:sldMkLst>
+          <pc:docMk/>
+          <pc:sldMk cId="0" sldId="256"/>
+        </pc:sldMkLst>
+        <pc:spChg chg="mod">
+          <ac:chgData name="Padmesh Sivalingam" userId="880b0b13d6b5919e" providerId="LiveId" clId="{4A0B5C1C-A16A-44EC-A1E5-1A207C523DA8}" dt="2025-03-11T16:57:37.795" v="1210" actId="20577"/>
+          <ac:spMkLst>
+            <pc:docMk/>
+            <pc:sldMk cId="0" sldId="256"/>
+            <ac:spMk id="1676" creationId="{00000000-0000-0000-0000-000000000000}"/>
+          </ac:spMkLst>
+        </pc:spChg>
+      </pc:sldChg>
+      <pc:sldChg chg="del modTransition">
+        <pc:chgData name="Padmesh Sivalingam" userId="880b0b13d6b5919e" providerId="LiveId" clId="{4A0B5C1C-A16A-44EC-A1E5-1A207C523DA8}" dt="2025-03-11T14:55:36.547" v="170" actId="47"/>
+        <pc:sldMkLst>
+          <pc:docMk/>
+          <pc:sldMk cId="1055005256" sldId="312"/>
+        </pc:sldMkLst>
+      </pc:sldChg>
+      <pc:sldChg chg="addSp delSp modSp mod modTransition">
+        <pc:chgData name="Padmesh Sivalingam" userId="880b0b13d6b5919e" providerId="LiveId" clId="{4A0B5C1C-A16A-44EC-A1E5-1A207C523DA8}" dt="2025-03-11T15:17:26.437" v="275" actId="1076"/>
+        <pc:sldMkLst>
+          <pc:docMk/>
+          <pc:sldMk cId="1945048929" sldId="313"/>
+        </pc:sldMkLst>
+        <pc:spChg chg="mod">
+          <ac:chgData name="Padmesh Sivalingam" userId="880b0b13d6b5919e" providerId="LiveId" clId="{4A0B5C1C-A16A-44EC-A1E5-1A207C523DA8}" dt="2025-03-11T15:17:26.437" v="275" actId="1076"/>
+          <ac:spMkLst>
+            <pc:docMk/>
+            <pc:sldMk cId="1945048929" sldId="313"/>
+            <ac:spMk id="3" creationId="{03C352C3-B78D-73C6-7096-2297ACBBAF1A}"/>
+          </ac:spMkLst>
+        </pc:spChg>
+        <pc:spChg chg="add del mod">
+          <ac:chgData name="Padmesh Sivalingam" userId="880b0b13d6b5919e" providerId="LiveId" clId="{4A0B5C1C-A16A-44EC-A1E5-1A207C523DA8}" dt="2025-03-11T15:15:52.239" v="259"/>
+          <ac:spMkLst>
+            <pc:docMk/>
+            <pc:sldMk cId="1945048929" sldId="313"/>
+            <ac:spMk id="4" creationId="{BB3F6004-E043-5F02-EDDA-C4A3196E3728}"/>
+          </ac:spMkLst>
+        </pc:spChg>
+        <pc:spChg chg="add mod">
+          <ac:chgData name="Padmesh Sivalingam" userId="880b0b13d6b5919e" providerId="LiveId" clId="{4A0B5C1C-A16A-44EC-A1E5-1A207C523DA8}" dt="2025-03-11T15:10:23.104" v="197"/>
+          <ac:spMkLst>
+            <pc:docMk/>
+            <pc:sldMk cId="1945048929" sldId="313"/>
+            <ac:spMk id="5" creationId="{CB70F4C3-3062-FD60-A5D7-E329A8E8E1F9}"/>
+          </ac:spMkLst>
+        </pc:spChg>
+        <pc:spChg chg="add">
+          <ac:chgData name="Padmesh Sivalingam" userId="880b0b13d6b5919e" providerId="LiveId" clId="{4A0B5C1C-A16A-44EC-A1E5-1A207C523DA8}" dt="2025-03-11T15:16:06.092" v="261"/>
+          <ac:spMkLst>
+            <pc:docMk/>
+            <pc:sldMk cId="1945048929" sldId="313"/>
+            <ac:spMk id="6" creationId="{A2C6E678-EC5C-A356-DEC4-EAF0BA4A7C8F}"/>
+          </ac:spMkLst>
+        </pc:spChg>
+      </pc:sldChg>
+      <pc:sldChg chg="del modTransition">
+        <pc:chgData name="Padmesh Sivalingam" userId="880b0b13d6b5919e" providerId="LiveId" clId="{4A0B5C1C-A16A-44EC-A1E5-1A207C523DA8}" dt="2025-03-11T14:55:37.729" v="171" actId="47"/>
         <pc:sldMkLst>
           <pc:docMk/>
           <pc:sldMk cId="1940279799" sldId="315"/>
         </pc:sldMkLst>
       </pc:sldChg>
-      <pc:sldChg chg="modSp mod modTransition">
-        <pc:chgData name="Padmesh Sivalingam" userId="880b0b13d6b5919e" providerId="LiveId" clId="{4A0B5C1C-A16A-44EC-A1E5-1A207C523DA8}" dt="2025-02-10T04:26:52.059" v="129"/>
+      <pc:sldChg chg="modSp del mod modTransition">
+        <pc:chgData name="Padmesh Sivalingam" userId="880b0b13d6b5919e" providerId="LiveId" clId="{4A0B5C1C-A16A-44EC-A1E5-1A207C523DA8}" dt="2025-03-11T14:55:38.917" v="172" actId="47"/>
         <pc:sldMkLst>
           <pc:docMk/>
           <pc:sldMk cId="2374784190" sldId="316"/>
         </pc:sldMkLst>
-        <pc:spChg chg="mod">
-          <ac:chgData name="Padmesh Sivalingam" userId="880b0b13d6b5919e" providerId="LiveId" clId="{4A0B5C1C-A16A-44EC-A1E5-1A207C523DA8}" dt="2025-02-09T17:22:50.756" v="34" actId="20577"/>
-          <ac:spMkLst>
-            <pc:docMk/>
-            <pc:sldMk cId="2374784190" sldId="316"/>
-            <ac:spMk id="3" creationId="{55E68144-7010-8F3A-32BC-82BE07F39452}"/>
-          </ac:spMkLst>
-        </pc:spChg>
       </pc:sldChg>
-      <pc:sldChg chg="modTransition">
-        <pc:chgData name="Padmesh Sivalingam" userId="880b0b13d6b5919e" providerId="LiveId" clId="{4A0B5C1C-A16A-44EC-A1E5-1A207C523DA8}" dt="2025-02-10T04:26:52.059" v="129"/>
+      <pc:sldChg chg="addSp modSp mod modTransition">
+        <pc:chgData name="Padmesh Sivalingam" userId="880b0b13d6b5919e" providerId="LiveId" clId="{4A0B5C1C-A16A-44EC-A1E5-1A207C523DA8}" dt="2025-03-11T16:05:44.620" v="563" actId="1076"/>
         <pc:sldMkLst>
           <pc:docMk/>
           <pc:sldMk cId="3654488089" sldId="317"/>
         </pc:sldMkLst>
+        <pc:spChg chg="mod">
+          <ac:chgData name="Padmesh Sivalingam" userId="880b0b13d6b5919e" providerId="LiveId" clId="{4A0B5C1C-A16A-44EC-A1E5-1A207C523DA8}" dt="2025-03-11T16:05:44.620" v="563" actId="1076"/>
+          <ac:spMkLst>
+            <pc:docMk/>
+            <pc:sldMk cId="3654488089" sldId="317"/>
+            <ac:spMk id="3" creationId="{A4B5D62C-D08C-1D3E-69A3-F2E1CDD50BE1}"/>
+          </ac:spMkLst>
+        </pc:spChg>
+        <pc:spChg chg="add">
+          <ac:chgData name="Padmesh Sivalingam" userId="880b0b13d6b5919e" providerId="LiveId" clId="{4A0B5C1C-A16A-44EC-A1E5-1A207C523DA8}" dt="2025-03-11T15:34:57.991" v="277"/>
+          <ac:spMkLst>
+            <pc:docMk/>
+            <pc:sldMk cId="3654488089" sldId="317"/>
+            <ac:spMk id="4" creationId="{1FBB809A-7079-5D53-21A6-F5D3C9B87A7C}"/>
+          </ac:spMkLst>
+        </pc:spChg>
       </pc:sldChg>
-      <pc:sldChg chg="modTransition">
-        <pc:chgData name="Padmesh Sivalingam" userId="880b0b13d6b5919e" providerId="LiveId" clId="{4A0B5C1C-A16A-44EC-A1E5-1A207C523DA8}" dt="2025-02-10T04:26:52.059" v="129"/>
+      <pc:sldChg chg="modSp mod modTransition">
+        <pc:chgData name="Padmesh Sivalingam" userId="880b0b13d6b5919e" providerId="LiveId" clId="{4A0B5C1C-A16A-44EC-A1E5-1A207C523DA8}" dt="2025-03-11T16:14:59.477" v="844" actId="20577"/>
         <pc:sldMkLst>
           <pc:docMk/>
           <pc:sldMk cId="4079294580" sldId="318"/>
         </pc:sldMkLst>
+        <pc:spChg chg="mod">
+          <ac:chgData name="Padmesh Sivalingam" userId="880b0b13d6b5919e" providerId="LiveId" clId="{4A0B5C1C-A16A-44EC-A1E5-1A207C523DA8}" dt="2025-03-11T16:14:59.477" v="844" actId="20577"/>
+          <ac:spMkLst>
+            <pc:docMk/>
+            <pc:sldMk cId="4079294580" sldId="318"/>
+            <ac:spMk id="3" creationId="{C586D80A-4A53-DEAA-89F0-05B88E2F933B}"/>
+          </ac:spMkLst>
+        </pc:spChg>
       </pc:sldChg>
-      <pc:sldChg chg="modTransition">
-        <pc:chgData name="Padmesh Sivalingam" userId="880b0b13d6b5919e" providerId="LiveId" clId="{4A0B5C1C-A16A-44EC-A1E5-1A207C523DA8}" dt="2025-02-10T04:26:52.059" v="129"/>
+      <pc:sldChg chg="modSp mod modTransition">
+        <pc:chgData name="Padmesh Sivalingam" userId="880b0b13d6b5919e" providerId="LiveId" clId="{4A0B5C1C-A16A-44EC-A1E5-1A207C523DA8}" dt="2025-03-11T16:53:43.870" v="1182" actId="20577"/>
         <pc:sldMkLst>
           <pc:docMk/>
           <pc:sldMk cId="1872605553" sldId="319"/>
         </pc:sldMkLst>
+        <pc:spChg chg="mod">
+          <ac:chgData name="Padmesh Sivalingam" userId="880b0b13d6b5919e" providerId="LiveId" clId="{4A0B5C1C-A16A-44EC-A1E5-1A207C523DA8}" dt="2025-03-11T16:53:43.870" v="1182" actId="20577"/>
+          <ac:spMkLst>
+            <pc:docMk/>
+            <pc:sldMk cId="1872605553" sldId="319"/>
+            <ac:spMk id="3" creationId="{225D4AD6-56E9-F5F1-160B-6EAA89B15363}"/>
+          </ac:spMkLst>
+        </pc:spChg>
       </pc:sldChg>
-      <pc:sldChg chg="modTransition">
-        <pc:chgData name="Padmesh Sivalingam" userId="880b0b13d6b5919e" providerId="LiveId" clId="{4A0B5C1C-A16A-44EC-A1E5-1A207C523DA8}" dt="2025-02-10T04:26:52.059" v="129"/>
+      <pc:sldChg chg="del modTransition">
+        <pc:chgData name="Padmesh Sivalingam" userId="880b0b13d6b5919e" providerId="LiveId" clId="{4A0B5C1C-A16A-44EC-A1E5-1A207C523DA8}" dt="2025-03-11T14:55:42.978" v="173" actId="47"/>
         <pc:sldMkLst>
           <pc:docMk/>
           <pc:sldMk cId="2881294415" sldId="320"/>
         </pc:sldMkLst>
       </pc:sldChg>
-      <pc:sldChg chg="addSp modSp mod ord modTransition">
-        <pc:chgData name="Padmesh Sivalingam" userId="880b0b13d6b5919e" providerId="LiveId" clId="{4A0B5C1C-A16A-44EC-A1E5-1A207C523DA8}" dt="2025-02-10T05:33:18.587" v="166"/>
+      <pc:sldChg chg="addSp modSp del mod ord modTransition">
+        <pc:chgData name="Padmesh Sivalingam" userId="880b0b13d6b5919e" providerId="LiveId" clId="{4A0B5C1C-A16A-44EC-A1E5-1A207C523DA8}" dt="2025-03-11T14:55:44.381" v="174" actId="47"/>
         <pc:sldMkLst>
           <pc:docMk/>
           <pc:sldMk cId="2441369784" sldId="321"/>
         </pc:sldMkLst>
-        <pc:spChg chg="mod">
-          <ac:chgData name="Padmesh Sivalingam" userId="880b0b13d6b5919e" providerId="LiveId" clId="{4A0B5C1C-A16A-44EC-A1E5-1A207C523DA8}" dt="2025-02-09T17:11:57.301" v="7" actId="5793"/>
-          <ac:spMkLst>
-            <pc:docMk/>
-            <pc:sldMk cId="2441369784" sldId="321"/>
-            <ac:spMk id="3" creationId="{5E2F1ED6-B945-B72B-0D4F-17C66F4CEF91}"/>
-          </ac:spMkLst>
-        </pc:spChg>
-        <pc:picChg chg="add mod">
-          <ac:chgData name="Padmesh Sivalingam" userId="880b0b13d6b5919e" providerId="LiveId" clId="{4A0B5C1C-A16A-44EC-A1E5-1A207C523DA8}" dt="2025-02-09T17:17:05.189" v="28" actId="1076"/>
-          <ac:picMkLst>
-            <pc:docMk/>
-            <pc:sldMk cId="2441369784" sldId="321"/>
-            <ac:picMk id="5" creationId="{130C4FB4-F962-7389-F84D-A5063D9182DA}"/>
-          </ac:picMkLst>
-        </pc:picChg>
       </pc:sldChg>
-      <pc:sldChg chg="modTransition">
-        <pc:chgData name="Padmesh Sivalingam" userId="880b0b13d6b5919e" providerId="LiveId" clId="{4A0B5C1C-A16A-44EC-A1E5-1A207C523DA8}" dt="2025-02-10T04:26:52.059" v="129"/>
+      <pc:sldChg chg="del modTransition">
+        <pc:chgData name="Padmesh Sivalingam" userId="880b0b13d6b5919e" providerId="LiveId" clId="{4A0B5C1C-A16A-44EC-A1E5-1A207C523DA8}" dt="2025-03-11T14:55:44.982" v="175" actId="47"/>
         <pc:sldMkLst>
           <pc:docMk/>
           <pc:sldMk cId="1583523922" sldId="322"/>
         </pc:sldMkLst>
       </pc:sldChg>
-      <pc:sldChg chg="addSp delSp modSp mod modTransition">
-        <pc:chgData name="Padmesh Sivalingam" userId="880b0b13d6b5919e" providerId="LiveId" clId="{4A0B5C1C-A16A-44EC-A1E5-1A207C523DA8}" dt="2025-02-10T05:28:19.720" v="137" actId="15"/>
+      <pc:sldChg chg="addSp delSp modSp del mod modTransition">
+        <pc:chgData name="Padmesh Sivalingam" userId="880b0b13d6b5919e" providerId="LiveId" clId="{4A0B5C1C-A16A-44EC-A1E5-1A207C523DA8}" dt="2025-03-11T14:55:45.496" v="176" actId="47"/>
         <pc:sldMkLst>
           <pc:docMk/>
           <pc:sldMk cId="1829077029" sldId="323"/>
         </pc:sldMkLst>
-        <pc:spChg chg="mod">
-          <ac:chgData name="Padmesh Sivalingam" userId="880b0b13d6b5919e" providerId="LiveId" clId="{4A0B5C1C-A16A-44EC-A1E5-1A207C523DA8}" dt="2025-02-10T05:28:19.720" v="137" actId="15"/>
-          <ac:spMkLst>
-            <pc:docMk/>
-            <pc:sldMk cId="1829077029" sldId="323"/>
-            <ac:spMk id="3" creationId="{91D27B49-6B58-819F-C611-A8BFEC829710}"/>
-          </ac:spMkLst>
-        </pc:spChg>
-        <pc:picChg chg="add del mod">
-          <ac:chgData name="Padmesh Sivalingam" userId="880b0b13d6b5919e" providerId="LiveId" clId="{4A0B5C1C-A16A-44EC-A1E5-1A207C523DA8}" dt="2025-02-10T03:26:34.308" v="120" actId="478"/>
-          <ac:picMkLst>
-            <pc:docMk/>
-            <pc:sldMk cId="1829077029" sldId="323"/>
-            <ac:picMk id="5" creationId="{474F665F-C5EB-CC12-DC2C-977493FFBABA}"/>
-          </ac:picMkLst>
-        </pc:picChg>
-        <pc:picChg chg="add mod">
-          <ac:chgData name="Padmesh Sivalingam" userId="880b0b13d6b5919e" providerId="LiveId" clId="{4A0B5C1C-A16A-44EC-A1E5-1A207C523DA8}" dt="2025-02-10T05:20:10.270" v="132" actId="1076"/>
-          <ac:picMkLst>
-            <pc:docMk/>
-            <pc:sldMk cId="1829077029" sldId="323"/>
-            <ac:picMk id="6" creationId="{896EFB49-F7A4-0B4B-DBD1-A15EBF8F4546}"/>
-          </ac:picMkLst>
-        </pc:picChg>
       </pc:sldChg>
-      <pc:sldChg chg="modSp mod modTransition">
-        <pc:chgData name="Padmesh Sivalingam" userId="880b0b13d6b5919e" providerId="LiveId" clId="{4A0B5C1C-A16A-44EC-A1E5-1A207C523DA8}" dt="2025-02-10T05:20:32.628" v="135" actId="20577"/>
+      <pc:sldChg chg="modSp del mod modTransition">
+        <pc:chgData name="Padmesh Sivalingam" userId="880b0b13d6b5919e" providerId="LiveId" clId="{4A0B5C1C-A16A-44EC-A1E5-1A207C523DA8}" dt="2025-03-11T14:55:46.059" v="177" actId="47"/>
         <pc:sldMkLst>
           <pc:docMk/>
           <pc:sldMk cId="341590382" sldId="324"/>
         </pc:sldMkLst>
-        <pc:spChg chg="mod">
-          <ac:chgData name="Padmesh Sivalingam" userId="880b0b13d6b5919e" providerId="LiveId" clId="{4A0B5C1C-A16A-44EC-A1E5-1A207C523DA8}" dt="2025-02-10T05:20:32.628" v="135" actId="20577"/>
-          <ac:spMkLst>
-            <pc:docMk/>
-            <pc:sldMk cId="341590382" sldId="324"/>
-            <ac:spMk id="3" creationId="{755C97A0-0C61-AB1A-BED8-D9E42F1F9579}"/>
-          </ac:spMkLst>
-        </pc:spChg>
       </pc:sldChg>
-      <pc:sldChg chg="addSp modSp mod modTransition">
-        <pc:chgData name="Padmesh Sivalingam" userId="880b0b13d6b5919e" providerId="LiveId" clId="{4A0B5C1C-A16A-44EC-A1E5-1A207C523DA8}" dt="2025-02-10T04:26:52.059" v="129"/>
+      <pc:sldChg chg="addSp modSp del mod modTransition">
+        <pc:chgData name="Padmesh Sivalingam" userId="880b0b13d6b5919e" providerId="LiveId" clId="{4A0B5C1C-A16A-44EC-A1E5-1A207C523DA8}" dt="2025-03-11T14:55:46.506" v="178" actId="47"/>
         <pc:sldMkLst>
           <pc:docMk/>
           <pc:sldMk cId="3357717017" sldId="325"/>
         </pc:sldMkLst>
-        <pc:picChg chg="add mod">
-          <ac:chgData name="Padmesh Sivalingam" userId="880b0b13d6b5919e" providerId="LiveId" clId="{4A0B5C1C-A16A-44EC-A1E5-1A207C523DA8}" dt="2025-02-09T17:15:53.969" v="20" actId="14100"/>
-          <ac:picMkLst>
-            <pc:docMk/>
-            <pc:sldMk cId="3357717017" sldId="325"/>
-            <ac:picMk id="5" creationId="{A6EC53D4-27ED-08FB-ABFD-5E96CA422A09}"/>
-          </ac:picMkLst>
-        </pc:picChg>
       </pc:sldChg>
-      <pc:sldChg chg="addSp modSp mod modTransition">
-        <pc:chgData name="Padmesh Sivalingam" userId="880b0b13d6b5919e" providerId="LiveId" clId="{4A0B5C1C-A16A-44EC-A1E5-1A207C523DA8}" dt="2025-02-10T04:26:52.059" v="129"/>
+      <pc:sldChg chg="addSp modSp del mod modTransition">
+        <pc:chgData name="Padmesh Sivalingam" userId="880b0b13d6b5919e" providerId="LiveId" clId="{4A0B5C1C-A16A-44EC-A1E5-1A207C523DA8}" dt="2025-03-11T14:55:47.753" v="180" actId="47"/>
         <pc:sldMkLst>
           <pc:docMk/>
           <pc:sldMk cId="2273298409" sldId="326"/>
         </pc:sldMkLst>
-        <pc:picChg chg="add mod">
-          <ac:chgData name="Padmesh Sivalingam" userId="880b0b13d6b5919e" providerId="LiveId" clId="{4A0B5C1C-A16A-44EC-A1E5-1A207C523DA8}" dt="2025-02-09T17:36:11.519" v="79" actId="1076"/>
-          <ac:picMkLst>
-            <pc:docMk/>
-            <pc:sldMk cId="2273298409" sldId="326"/>
-            <ac:picMk id="5" creationId="{74952177-9658-3EE8-6AFE-FA216CDAC4D1}"/>
-          </ac:picMkLst>
-        </pc:picChg>
       </pc:sldChg>
-      <pc:sldChg chg="modSp mod modTransition">
-        <pc:chgData name="Padmesh Sivalingam" userId="880b0b13d6b5919e" providerId="LiveId" clId="{4A0B5C1C-A16A-44EC-A1E5-1A207C523DA8}" dt="2025-02-10T04:26:52.059" v="129"/>
+      <pc:sldChg chg="modSp del mod modTransition">
+        <pc:chgData name="Padmesh Sivalingam" userId="880b0b13d6b5919e" providerId="LiveId" clId="{4A0B5C1C-A16A-44EC-A1E5-1A207C523DA8}" dt="2025-03-11T14:55:47.307" v="179" actId="47"/>
         <pc:sldMkLst>
           <pc:docMk/>
           <pc:sldMk cId="2179594367" sldId="327"/>
         </pc:sldMkLst>
-        <pc:spChg chg="mod">
-          <ac:chgData name="Padmesh Sivalingam" userId="880b0b13d6b5919e" providerId="LiveId" clId="{4A0B5C1C-A16A-44EC-A1E5-1A207C523DA8}" dt="2025-02-10T04:26:01.930" v="126" actId="20577"/>
-          <ac:spMkLst>
-            <pc:docMk/>
-            <pc:sldMk cId="2179594367" sldId="327"/>
-            <ac:spMk id="3" creationId="{E31C722B-CD26-1655-E434-C863119DE2F9}"/>
-          </ac:spMkLst>
-        </pc:spChg>
       </pc:sldChg>
       <pc:sldChg chg="modSp mod modTransition">
         <pc:chgData name="Padmesh Sivalingam" userId="880b0b13d6b5919e" providerId="LiveId" clId="{4A0B5C1C-A16A-44EC-A1E5-1A207C523DA8}" dt="2025-02-10T05:01:25.978" v="131" actId="20577"/>
@@ -526,29 +970,13 @@
           <pc:docMk/>
           <pc:sldMk cId="136304496" sldId="330"/>
         </pc:sldMkLst>
-        <pc:spChg chg="mod">
-          <ac:chgData name="Padmesh Sivalingam" userId="880b0b13d6b5919e" providerId="LiveId" clId="{4A0B5C1C-A16A-44EC-A1E5-1A207C523DA8}" dt="2025-02-09T17:51:25.088" v="84" actId="20577"/>
-          <ac:spMkLst>
-            <pc:docMk/>
-            <pc:sldMk cId="136304496" sldId="330"/>
-            <ac:spMk id="2" creationId="{409512CD-1F2B-6E30-530D-5BF93D6D131D}"/>
-          </ac:spMkLst>
-        </pc:spChg>
       </pc:sldChg>
-      <pc:sldChg chg="modSp add mod modTransition">
-        <pc:chgData name="Padmesh Sivalingam" userId="880b0b13d6b5919e" providerId="LiveId" clId="{4A0B5C1C-A16A-44EC-A1E5-1A207C523DA8}" dt="2025-02-10T04:26:52.059" v="129"/>
+      <pc:sldChg chg="modSp add del mod modTransition">
+        <pc:chgData name="Padmesh Sivalingam" userId="880b0b13d6b5919e" providerId="LiveId" clId="{4A0B5C1C-A16A-44EC-A1E5-1A207C523DA8}" dt="2025-03-11T16:53:52.755" v="1183" actId="47"/>
         <pc:sldMkLst>
           <pc:docMk/>
           <pc:sldMk cId="2027350593" sldId="330"/>
         </pc:sldMkLst>
-        <pc:spChg chg="mod">
-          <ac:chgData name="Padmesh Sivalingam" userId="880b0b13d6b5919e" providerId="LiveId" clId="{4A0B5C1C-A16A-44EC-A1E5-1A207C523DA8}" dt="2025-02-10T03:04:06.288" v="116" actId="123"/>
-          <ac:spMkLst>
-            <pc:docMk/>
-            <pc:sldMk cId="2027350593" sldId="330"/>
-            <ac:spMk id="3" creationId="{2157BDA6-B426-B390-2802-47A7D37FD221}"/>
-          </ac:spMkLst>
-        </pc:spChg>
       </pc:sldChg>
       <pc:sldChg chg="new del">
         <pc:chgData name="Padmesh Sivalingam" userId="880b0b13d6b5919e" providerId="LiveId" clId="{4A0B5C1C-A16A-44EC-A1E5-1A207C523DA8}" dt="2025-02-09T17:51:13.500" v="81" actId="2696"/>
@@ -570,20 +998,50 @@
           <pc:docMk/>
           <pc:sldMk cId="2010689642" sldId="332"/>
         </pc:sldMkLst>
-        <pc:spChg chg="mod">
-          <ac:chgData name="Padmesh Sivalingam" userId="880b0b13d6b5919e" providerId="LiveId" clId="{4A0B5C1C-A16A-44EC-A1E5-1A207C523DA8}" dt="2025-02-10T05:29:30.894" v="162" actId="20577"/>
+      </pc:sldChg>
+      <pc:sldChg chg="addSp delSp modSp new mod">
+        <pc:chgData name="Padmesh Sivalingam" userId="880b0b13d6b5919e" providerId="LiveId" clId="{4A0B5C1C-A16A-44EC-A1E5-1A207C523DA8}" dt="2025-03-11T16:42:43.789" v="1104" actId="20577"/>
+        <pc:sldMkLst>
+          <pc:docMk/>
+          <pc:sldMk cId="3967994020" sldId="332"/>
+        </pc:sldMkLst>
+        <pc:spChg chg="del">
+          <ac:chgData name="Padmesh Sivalingam" userId="880b0b13d6b5919e" providerId="LiveId" clId="{4A0B5C1C-A16A-44EC-A1E5-1A207C523DA8}" dt="2025-03-11T16:19:44.571" v="846" actId="478"/>
           <ac:spMkLst>
             <pc:docMk/>
-            <pc:sldMk cId="2010689642" sldId="332"/>
-            <ac:spMk id="2" creationId="{CEF707B9-8922-1C9A-9780-CFA3D11E0B3E}"/>
+            <pc:sldMk cId="3967994020" sldId="332"/>
+            <ac:spMk id="2" creationId="{DC5A7B85-5F4A-99F6-A8B8-B36275634BC4}"/>
           </ac:spMkLst>
         </pc:spChg>
         <pc:spChg chg="mod">
-          <ac:chgData name="Padmesh Sivalingam" userId="880b0b13d6b5919e" providerId="LiveId" clId="{4A0B5C1C-A16A-44EC-A1E5-1A207C523DA8}" dt="2025-02-10T05:32:04.537" v="164" actId="120"/>
+          <ac:chgData name="Padmesh Sivalingam" userId="880b0b13d6b5919e" providerId="LiveId" clId="{4A0B5C1C-A16A-44EC-A1E5-1A207C523DA8}" dt="2025-03-11T16:42:43.789" v="1104" actId="20577"/>
           <ac:spMkLst>
             <pc:docMk/>
-            <pc:sldMk cId="2010689642" sldId="332"/>
-            <ac:spMk id="3" creationId="{3E0E48B7-C0E5-1FFC-9B6C-962B96EF58A6}"/>
+            <pc:sldMk cId="3967994020" sldId="332"/>
+            <ac:spMk id="3" creationId="{6BD9BC9C-1BE9-8A7E-135B-604EDDD74E36}"/>
+          </ac:spMkLst>
+        </pc:spChg>
+        <pc:spChg chg="add">
+          <ac:chgData name="Padmesh Sivalingam" userId="880b0b13d6b5919e" providerId="LiveId" clId="{4A0B5C1C-A16A-44EC-A1E5-1A207C523DA8}" dt="2025-03-11T16:20:45.798" v="879"/>
+          <ac:spMkLst>
+            <pc:docMk/>
+            <pc:sldMk cId="3967994020" sldId="332"/>
+            <ac:spMk id="4" creationId="{60D8D38A-3930-5C79-8299-FBCFFAE377A8}"/>
+          </ac:spMkLst>
+        </pc:spChg>
+      </pc:sldChg>
+      <pc:sldChg chg="modSp new mod">
+        <pc:chgData name="Padmesh Sivalingam" userId="880b0b13d6b5919e" providerId="LiveId" clId="{4A0B5C1C-A16A-44EC-A1E5-1A207C523DA8}" dt="2025-03-11T16:53:15.487" v="1152" actId="20577"/>
+        <pc:sldMkLst>
+          <pc:docMk/>
+          <pc:sldMk cId="3243871791" sldId="333"/>
+        </pc:sldMkLst>
+        <pc:spChg chg="mod">
+          <ac:chgData name="Padmesh Sivalingam" userId="880b0b13d6b5919e" providerId="LiveId" clId="{4A0B5C1C-A16A-44EC-A1E5-1A207C523DA8}" dt="2025-03-11T16:53:15.487" v="1152" actId="20577"/>
+          <ac:spMkLst>
+            <pc:docMk/>
+            <pc:sldMk cId="3243871791" sldId="333"/>
+            <ac:spMk id="2" creationId="{38264281-2A4D-7331-9302-93B9D60A168F}"/>
           </ac:spMkLst>
         </pc:spChg>
       </pc:sldChg>
@@ -637,6 +1095,195 @@
     </pc:docChg>
   </pc:docChgLst>
 </pc:chgInfo>
+</file>
+
+<file path=ppt/handoutMasters/handoutMaster1.xml><?xml version="1.0" encoding="utf-8"?>
+<p:handoutMaster xmlns:a="http://schemas.openxmlformats.org/drawingml/2006/main" xmlns:r="http://schemas.openxmlformats.org/officeDocument/2006/relationships" xmlns:p="http://schemas.openxmlformats.org/presentationml/2006/main">
+  <p:cSld>
+    <p:bg>
+      <p:bgRef idx="1001">
+        <a:schemeClr val="bg1"/>
+      </p:bgRef>
+    </p:bg>
+    <p:spTree>
+      <p:nvGrpSpPr>
+        <p:cNvPr id="1" name=""/>
+        <p:cNvGrpSpPr/>
+        <p:nvPr/>
+      </p:nvGrpSpPr>
+      <p:grpSpPr>
+        <a:xfrm>
+          <a:off x="0" y="0"/>
+          <a:ext cx="0" cy="0"/>
+          <a:chOff x="0" y="0"/>
+          <a:chExt cx="0" cy="0"/>
+        </a:xfrm>
+      </p:grpSpPr>
+      <p:sp>
+        <p:nvSpPr>
+          <p:cNvPr id="2" name="Header Placeholder 1">
+            <a:extLst>
+              <a:ext uri="{FF2B5EF4-FFF2-40B4-BE49-F238E27FC236}">
+                <a16:creationId xmlns:a16="http://schemas.microsoft.com/office/drawing/2014/main" id="{E894747C-1287-F813-E954-F1A42A21DA43}"/>
+              </a:ext>
+            </a:extLst>
+          </p:cNvPr>
+          <p:cNvSpPr>
+            <a:spLocks noGrp="1"/>
+          </p:cNvSpPr>
+          <p:nvPr>
+            <p:ph type="hdr" sz="quarter"/>
+          </p:nvPr>
+        </p:nvSpPr>
+        <p:spPr>
+          <a:xfrm>
+            <a:off x="0" y="0"/>
+            <a:ext cx="2971800" cy="458788"/>
+          </a:xfrm>
+          <a:prstGeom prst="rect">
+            <a:avLst/>
+          </a:prstGeom>
+        </p:spPr>
+        <p:txBody>
+          <a:bodyPr vert="horz" lIns="91440" tIns="45720" rIns="91440" bIns="45720" rtlCol="0"/>
+          <a:lstStyle>
+            <a:lvl1pPr algn="l">
+              <a:defRPr sz="1200"/>
+            </a:lvl1pPr>
+          </a:lstStyle>
+          <a:p>
+            <a:endParaRPr lang="en-IN"/>
+          </a:p>
+        </p:txBody>
+      </p:sp>
+      <p:sp>
+        <p:nvSpPr>
+          <p:cNvPr id="3" name="Date Placeholder 2">
+            <a:extLst>
+              <a:ext uri="{FF2B5EF4-FFF2-40B4-BE49-F238E27FC236}">
+                <a16:creationId xmlns:a16="http://schemas.microsoft.com/office/drawing/2014/main" id="{C03ABB2F-CB27-1058-7790-D4B46253BC9A}"/>
+              </a:ext>
+            </a:extLst>
+          </p:cNvPr>
+          <p:cNvSpPr>
+            <a:spLocks noGrp="1"/>
+          </p:cNvSpPr>
+          <p:nvPr>
+            <p:ph type="dt" sz="quarter" idx="1"/>
+          </p:nvPr>
+        </p:nvSpPr>
+        <p:spPr>
+          <a:xfrm>
+            <a:off x="3884613" y="0"/>
+            <a:ext cx="2971800" cy="458788"/>
+          </a:xfrm>
+          <a:prstGeom prst="rect">
+            <a:avLst/>
+          </a:prstGeom>
+        </p:spPr>
+        <p:txBody>
+          <a:bodyPr vert="horz" lIns="91440" tIns="45720" rIns="91440" bIns="45720" rtlCol="0"/>
+          <a:lstStyle>
+            <a:lvl1pPr algn="r">
+              <a:defRPr sz="1200"/>
+            </a:lvl1pPr>
+          </a:lstStyle>
+          <a:p>
+            <a:fld id="{93E5DBAA-AFCA-4DB4-BF47-D148BD3CD62B}" type="datetimeFigureOut">
+              <a:rPr lang="en-IN" smtClean="0"/>
+              <a:t>12-03-2025</a:t>
+            </a:fld>
+            <a:endParaRPr lang="en-IN"/>
+          </a:p>
+        </p:txBody>
+      </p:sp>
+      <p:sp>
+        <p:nvSpPr>
+          <p:cNvPr id="4" name="Footer Placeholder 3">
+            <a:extLst>
+              <a:ext uri="{FF2B5EF4-FFF2-40B4-BE49-F238E27FC236}">
+                <a16:creationId xmlns:a16="http://schemas.microsoft.com/office/drawing/2014/main" id="{F6AAE435-0750-A654-84C2-7470D6D2ECA9}"/>
+              </a:ext>
+            </a:extLst>
+          </p:cNvPr>
+          <p:cNvSpPr>
+            <a:spLocks noGrp="1"/>
+          </p:cNvSpPr>
+          <p:nvPr>
+            <p:ph type="ftr" sz="quarter" idx="2"/>
+          </p:nvPr>
+        </p:nvSpPr>
+        <p:spPr>
+          <a:xfrm>
+            <a:off x="0" y="8685213"/>
+            <a:ext cx="2971800" cy="458787"/>
+          </a:xfrm>
+          <a:prstGeom prst="rect">
+            <a:avLst/>
+          </a:prstGeom>
+        </p:spPr>
+        <p:txBody>
+          <a:bodyPr vert="horz" lIns="91440" tIns="45720" rIns="91440" bIns="45720" rtlCol="0" anchor="b"/>
+          <a:lstStyle>
+            <a:lvl1pPr algn="l">
+              <a:defRPr sz="1200"/>
+            </a:lvl1pPr>
+          </a:lstStyle>
+          <a:p>
+            <a:endParaRPr lang="en-IN"/>
+          </a:p>
+        </p:txBody>
+      </p:sp>
+      <p:sp>
+        <p:nvSpPr>
+          <p:cNvPr id="5" name="Slide Number Placeholder 4">
+            <a:extLst>
+              <a:ext uri="{FF2B5EF4-FFF2-40B4-BE49-F238E27FC236}">
+                <a16:creationId xmlns:a16="http://schemas.microsoft.com/office/drawing/2014/main" id="{7A2D9193-B40A-D872-8D0B-7B84F7BAF733}"/>
+              </a:ext>
+            </a:extLst>
+          </p:cNvPr>
+          <p:cNvSpPr>
+            <a:spLocks noGrp="1"/>
+          </p:cNvSpPr>
+          <p:nvPr>
+            <p:ph type="sldNum" sz="quarter" idx="3"/>
+          </p:nvPr>
+        </p:nvSpPr>
+        <p:spPr>
+          <a:xfrm>
+            <a:off x="3884613" y="8685213"/>
+            <a:ext cx="2971800" cy="458787"/>
+          </a:xfrm>
+          <a:prstGeom prst="rect">
+            <a:avLst/>
+          </a:prstGeom>
+        </p:spPr>
+        <p:txBody>
+          <a:bodyPr vert="horz" lIns="91440" tIns="45720" rIns="91440" bIns="45720" rtlCol="0" anchor="b"/>
+          <a:lstStyle>
+            <a:lvl1pPr algn="r">
+              <a:defRPr sz="1200"/>
+            </a:lvl1pPr>
+          </a:lstStyle>
+          <a:p>
+            <a:fld id="{05D2E899-B3D4-45AA-AE6D-45CAC152B929}" type="slidenum">
+              <a:rPr lang="en-IN" smtClean="0"/>
+              <a:t>‹#›</a:t>
+            </a:fld>
+            <a:endParaRPr lang="en-IN"/>
+          </a:p>
+        </p:txBody>
+      </p:sp>
+    </p:spTree>
+    <p:extLst>
+      <p:ext uri="{BB962C8B-B14F-4D97-AF65-F5344CB8AC3E}">
+        <p14:creationId xmlns:p14="http://schemas.microsoft.com/office/powerpoint/2010/main" val="3283481718"/>
+      </p:ext>
+    </p:extLst>
+  </p:cSld>
+  <p:clrMap bg1="lt1" tx1="dk1" bg2="lt2" tx2="dk2" accent1="accent1" accent2="accent2" accent3="accent3" accent4="accent4" accent5="accent5" accent6="accent6" hlink="hlink" folHlink="folHlink"/>
+</p:handoutMaster>
 </file>
 
 <file path=ppt/notesMasters/notesMaster1.xml><?xml version="1.0" encoding="utf-8"?>
@@ -27233,7 +27880,11 @@
             </a:pPr>
             <a:r>
               <a:rPr lang="en-US" sz="3600" dirty="0"/>
-              <a:t>MUSIC INSTRUMENT RECOGNITION </a:t>
+              <a:t>MUSIC </a:t>
+            </a:r>
+            <a:r>
+              <a:rPr lang="en-US" sz="3600"/>
+              <a:t>INSTRUMENT CLASSIFICATION </a:t>
             </a:r>
             <a:endParaRPr sz="3600" dirty="0"/>
           </a:p>
@@ -39195,10 +39846,10 @@
   <p:clrMapOvr>
     <a:masterClrMapping/>
   </p:clrMapOvr>
-  <mc:AlternateContent xmlns:mc="http://schemas.openxmlformats.org/markup-compatibility/2006" xmlns:p159="http://schemas.microsoft.com/office/powerpoint/2015/09/main">
-    <mc:Choice Requires="p159">
-      <p:transition xmlns:p14="http://schemas.microsoft.com/office/powerpoint/2010/main" spd="slow" p14:dur="2000">
-        <p159:morph option="byObject"/>
+  <mc:AlternateContent xmlns:mc="http://schemas.openxmlformats.org/markup-compatibility/2006" xmlns:p15="http://schemas.microsoft.com/office/powerpoint/2012/main">
+    <mc:Choice Requires="p15">
+      <p:transition xmlns:p14="http://schemas.microsoft.com/office/powerpoint/2010/main" spd="slow" p14:dur="6000">
+        <p15:prstTrans prst="curtains"/>
       </p:transition>
     </mc:Choice>
     <mc:Fallback xmlns="">
@@ -39232,7 +39883,7 @@
           <p:cNvPr id="2" name="Title 1">
             <a:extLst>
               <a:ext uri="{FF2B5EF4-FFF2-40B4-BE49-F238E27FC236}">
-                <a16:creationId xmlns:a16="http://schemas.microsoft.com/office/drawing/2014/main" id="{7C85735A-440B-4078-42AD-1C85B27D21A2}"/>
+                <a16:creationId xmlns:a16="http://schemas.microsoft.com/office/drawing/2014/main" id="{E04C0157-E4B5-D9E6-0678-79A875928968}"/>
               </a:ext>
             </a:extLst>
           </p:cNvPr>
@@ -39249,18 +39900,19 @@
           <a:lstStyle/>
           <a:p>
             <a:r>
-              <a:rPr lang="en-IN" dirty="0"/>
-              <a:t>MEL SPECTROGRAM</a:t>
+              <a:rPr lang="en-US" dirty="0"/>
+              <a:t>POOLING</a:t>
             </a:r>
+            <a:endParaRPr lang="en-IN" dirty="0"/>
           </a:p>
         </p:txBody>
       </p:sp>
       <p:sp>
         <p:nvSpPr>
-          <p:cNvPr id="5" name="Text Placeholder 4">
+          <p:cNvPr id="3" name="Text Placeholder 2">
             <a:extLst>
               <a:ext uri="{FF2B5EF4-FFF2-40B4-BE49-F238E27FC236}">
-                <a16:creationId xmlns:a16="http://schemas.microsoft.com/office/drawing/2014/main" id="{FB117CC7-1DBA-E0F6-71D6-9AE7C5562D87}"/>
+                <a16:creationId xmlns:a16="http://schemas.microsoft.com/office/drawing/2014/main" id="{4A58EC0F-8535-A24F-C753-59EC40E7FAA1}"/>
               </a:ext>
             </a:extLst>
           </p:cNvPr>
@@ -39273,105 +39925,162 @@
         </p:nvSpPr>
         <p:spPr>
           <a:xfrm>
-            <a:off x="720000" y="1005263"/>
-            <a:ext cx="7704000" cy="3693211"/>
+            <a:off x="-1797648" y="1232726"/>
+            <a:ext cx="7704000" cy="338400"/>
           </a:xfrm>
         </p:spPr>
         <p:txBody>
           <a:bodyPr/>
           <a:lstStyle/>
           <a:p>
-            <a:pPr algn="l"/>
-            <a:endParaRPr lang="en-US" dirty="0"/>
+            <a:r>
+              <a:rPr lang="en-IN" b="1" dirty="0"/>
+              <a:t>Max Pooling:</a:t>
+            </a:r>
           </a:p>
+        </p:txBody>
+      </p:sp>
+      <p:sp>
+        <p:nvSpPr>
+          <p:cNvPr id="4" name="TextBox 3">
+            <a:extLst>
+              <a:ext uri="{FF2B5EF4-FFF2-40B4-BE49-F238E27FC236}">
+                <a16:creationId xmlns:a16="http://schemas.microsoft.com/office/drawing/2014/main" id="{F1047219-17CC-3806-0794-83F4FA0754EC}"/>
+              </a:ext>
+            </a:extLst>
+          </p:cNvPr>
+          <p:cNvSpPr txBox="1"/>
+          <p:nvPr/>
+        </p:nvSpPr>
+        <p:spPr>
+          <a:xfrm>
+            <a:off x="1402080" y="1571126"/>
+            <a:ext cx="6547104" cy="2246769"/>
+          </a:xfrm>
+          <a:prstGeom prst="rect">
+            <a:avLst/>
+          </a:prstGeom>
+          <a:noFill/>
+        </p:spPr>
+        <p:txBody>
+          <a:bodyPr wrap="square" rtlCol="0">
+            <a:spAutoFit/>
+          </a:bodyPr>
+          <a:lstStyle/>
           <a:p>
-            <a:pPr algn="l"/>
+            <a:pPr algn="just"/>
             <a:r>
-              <a:rPr lang="en-US" dirty="0"/>
-              <a:t>A Mel spectrogram is a time-frequency representation of an audio signal, where frequencies are mapped to the Mel scale, which closely resembles human auditory perception.</a:t>
+              <a:rPr lang="en-US" b="1" dirty="0">
+                <a:solidFill>
+                  <a:schemeClr val="tx1"/>
+                </a:solidFill>
+                <a:latin typeface="Didact Gothic" panose="00000500000000000000" pitchFamily="2" charset="0"/>
+              </a:rPr>
+              <a:t>What it is:</a:t>
             </a:r>
           </a:p>
           <a:p>
-            <a:pPr marL="139700" indent="0" algn="l">
-              <a:buNone/>
-            </a:pPr>
-            <a:endParaRPr lang="en-US" dirty="0"/>
-          </a:p>
-          <a:p>
-            <a:pPr marL="139700" indent="0" algn="l">
-              <a:buNone/>
-            </a:pPr>
+            <a:pPr algn="just"/>
             <a:r>
-              <a:rPr lang="en-US" sz="1600" dirty="0"/>
-              <a:t>WHY USE MEL-SPECTROGRAMS OVER MFCCs?</a:t>
+              <a:rPr lang="en-US" dirty="0">
+                <a:solidFill>
+                  <a:schemeClr val="tx1"/>
+                </a:solidFill>
+                <a:latin typeface="Didact Gothic" panose="00000500000000000000" pitchFamily="2" charset="0"/>
+              </a:rPr>
+              <a:t>It shrinks the size of the data by picking the biggest value in small 2x2 boxes.    Where it’s used:</a:t>
             </a:r>
           </a:p>
           <a:p>
-            <a:pPr marL="139700" indent="0" algn="l">
-              <a:buNone/>
-            </a:pPr>
-            <a:endParaRPr lang="en-US" sz="1600" dirty="0"/>
-          </a:p>
-          <a:p>
-            <a:pPr algn="l"/>
+            <a:pPr algn="just"/>
             <a:r>
-              <a:rPr lang="en-US" dirty="0"/>
-              <a:t>Unlike MFCCs, which reduce spectral data, Mel spectrograms preserve important frequency information, helping distinguish between similar instruments.</a:t>
+              <a:rPr lang="en-US" dirty="0">
+                <a:solidFill>
+                  <a:schemeClr val="tx1"/>
+                </a:solidFill>
+                <a:latin typeface="Didact Gothic" panose="00000500000000000000" pitchFamily="2" charset="0"/>
+              </a:rPr>
+              <a:t>After each convolutional layer (3 times in your model).    </a:t>
             </a:r>
           </a:p>
           <a:p>
-            <a:pPr algn="l"/>
+            <a:pPr algn="just"/>
             <a:r>
-              <a:rPr lang="en-US" dirty="0"/>
-              <a:t>Key Difference:</a:t>
+              <a:rPr lang="en-US" b="1" dirty="0">
+                <a:solidFill>
+                  <a:schemeClr val="tx1"/>
+                </a:solidFill>
+                <a:latin typeface="Didact Gothic" panose="00000500000000000000" pitchFamily="2" charset="0"/>
+              </a:rPr>
+              <a:t>Why it’s used: </a:t>
             </a:r>
           </a:p>
           <a:p>
-            <a:pPr lvl="1"/>
+            <a:pPr algn="just"/>
             <a:r>
-              <a:rPr lang="en-US" dirty="0"/>
-              <a:t>Mel Spectrograms preserve rich spectral and temporal details, making them ideal for musical instrument classification.</a:t>
+              <a:rPr lang="en-US" dirty="0">
+                <a:solidFill>
+                  <a:schemeClr val="tx1"/>
+                </a:solidFill>
+                <a:latin typeface="Didact Gothic" panose="00000500000000000000" pitchFamily="2" charset="0"/>
+              </a:rPr>
+              <a:t>Makes the data smaller, so the model runs faster and uses less </a:t>
+            </a:r>
+            <a:r>
+              <a:rPr lang="en-US" dirty="0" err="1">
+                <a:solidFill>
+                  <a:schemeClr val="tx1"/>
+                </a:solidFill>
+                <a:latin typeface="Didact Gothic" panose="00000500000000000000" pitchFamily="2" charset="0"/>
+              </a:rPr>
+              <a:t>memory.Keeps</a:t>
+            </a:r>
+            <a:r>
+              <a:rPr lang="en-US" dirty="0">
+                <a:solidFill>
+                  <a:schemeClr val="tx1"/>
+                </a:solidFill>
+                <a:latin typeface="Didact Gothic" panose="00000500000000000000" pitchFamily="2" charset="0"/>
+              </a:rPr>
+              <a:t> only the most important patterns (like strong sounds in the audio).Helps the model work even if patterns shift a little in the audio</a:t>
             </a:r>
           </a:p>
           <a:p>
-            <a:pPr lvl="1"/>
+            <a:pPr algn="just"/>
             <a:r>
-              <a:rPr lang="en-US" dirty="0"/>
-              <a:t>Mel Spectrograms work directly with CNNs as image-like inputs, improving deep feature extraction.</a:t>
+              <a:rPr lang="en-US" b="1" dirty="0">
+                <a:solidFill>
+                  <a:schemeClr val="tx1"/>
+                </a:solidFill>
+                <a:latin typeface="Didact Gothic" panose="00000500000000000000" pitchFamily="2" charset="0"/>
+              </a:rPr>
+              <a:t>How it works: </a:t>
             </a:r>
           </a:p>
           <a:p>
-            <a:pPr lvl="1"/>
-            <a:endParaRPr lang="en-US" dirty="0"/>
-          </a:p>
-          <a:p>
-            <a:pPr marL="139700" indent="0" algn="l">
-              <a:buNone/>
-            </a:pPr>
-            <a:endParaRPr lang="en-US" dirty="0"/>
-          </a:p>
-          <a:p>
-            <a:pPr marL="139700" indent="0" algn="l">
-              <a:buNone/>
-            </a:pPr>
-            <a:endParaRPr lang="en-US" sz="1600" dirty="0"/>
-          </a:p>
-          <a:p>
-            <a:pPr algn="l"/>
-            <a:endParaRPr lang="en-US" sz="1600" dirty="0"/>
-          </a:p>
-          <a:p>
-            <a:pPr marL="139700" indent="0" algn="l">
-              <a:buNone/>
-            </a:pPr>
-            <a:endParaRPr lang="en-IN" dirty="0"/>
+            <a:pPr algn="just"/>
+            <a:r>
+              <a:rPr lang="en-US" dirty="0">
+                <a:solidFill>
+                  <a:schemeClr val="tx1"/>
+                </a:solidFill>
+                <a:latin typeface="Didact Gothic" panose="00000500000000000000" pitchFamily="2" charset="0"/>
+              </a:rPr>
+              <a:t>If you have a 128x128 image, it turns it into 63x63, then 31x31, then 15x15.</a:t>
+            </a:r>
+            <a:endParaRPr lang="en-IN" dirty="0">
+              <a:solidFill>
+                <a:schemeClr val="tx1"/>
+              </a:solidFill>
+              <a:latin typeface="Didact Gothic" panose="00000500000000000000" pitchFamily="2" charset="0"/>
+            </a:endParaRPr>
           </a:p>
         </p:txBody>
       </p:sp>
     </p:spTree>
     <p:extLst>
       <p:ext uri="{BB962C8B-B14F-4D97-AF65-F5344CB8AC3E}">
-        <p14:creationId xmlns:p14="http://schemas.microsoft.com/office/powerpoint/2010/main" val="1583523922"/>
+        <p14:creationId xmlns:p14="http://schemas.microsoft.com/office/powerpoint/2010/main" val="2605372178"/>
       </p:ext>
     </p:extLst>
   </p:cSld>
@@ -39412,44 +40121,10 @@
       </p:grpSpPr>
       <p:sp>
         <p:nvSpPr>
-          <p:cNvPr id="2" name="Title 1">
-            <a:extLst>
-              <a:ext uri="{FF2B5EF4-FFF2-40B4-BE49-F238E27FC236}">
-                <a16:creationId xmlns:a16="http://schemas.microsoft.com/office/drawing/2014/main" id="{FB39560B-E790-6ACE-91B6-27561A5DD007}"/>
-              </a:ext>
-            </a:extLst>
-          </p:cNvPr>
-          <p:cNvSpPr>
-            <a:spLocks noGrp="1"/>
-          </p:cNvSpPr>
-          <p:nvPr>
-            <p:ph type="title"/>
-          </p:nvPr>
-        </p:nvSpPr>
-        <p:spPr/>
-        <p:txBody>
-          <a:bodyPr/>
-          <a:lstStyle/>
-          <a:p>
-            <a:br>
-              <a:rPr lang="en-IN" sz="2400" dirty="0"/>
-            </a:br>
-            <a:br>
-              <a:rPr lang="en-IN" sz="2400" dirty="0"/>
-            </a:br>
-            <a:r>
-              <a:rPr lang="en-IN" sz="2400" dirty="0"/>
-              <a:t>HOW DOES AN MEL-SPECTROGRAM WORK?</a:t>
-            </a:r>
-          </a:p>
-        </p:txBody>
-      </p:sp>
-      <p:sp>
-        <p:nvSpPr>
           <p:cNvPr id="3" name="Text Placeholder 2">
             <a:extLst>
               <a:ext uri="{FF2B5EF4-FFF2-40B4-BE49-F238E27FC236}">
-                <a16:creationId xmlns:a16="http://schemas.microsoft.com/office/drawing/2014/main" id="{91D27B49-6B58-819F-C611-A8BFEC829710}"/>
+                <a16:creationId xmlns:a16="http://schemas.microsoft.com/office/drawing/2014/main" id="{F581B58A-2756-CBB5-ECE1-2A7D541792D4}"/>
               </a:ext>
             </a:extLst>
           </p:cNvPr>
@@ -39462,95 +40137,191 @@
         </p:nvSpPr>
         <p:spPr>
           <a:xfrm>
-            <a:off x="720000" y="1005264"/>
-            <a:ext cx="7704000" cy="2850810"/>
+            <a:off x="-383376" y="1243008"/>
+            <a:ext cx="7704000" cy="338400"/>
           </a:xfrm>
         </p:spPr>
         <p:txBody>
           <a:bodyPr/>
           <a:lstStyle/>
           <a:p>
-            <a:pPr algn="l"/>
-            <a:endParaRPr lang="en-US" dirty="0"/>
-          </a:p>
-          <a:p>
-            <a:pPr algn="l"/>
-            <a:endParaRPr lang="en-US" dirty="0"/>
-          </a:p>
-          <a:p>
-            <a:pPr algn="l"/>
-            <a:endParaRPr lang="en-US" dirty="0"/>
-          </a:p>
-          <a:p>
-            <a:pPr algn="l"/>
-            <a:endParaRPr lang="en-US" dirty="0"/>
-          </a:p>
-          <a:p>
-            <a:pPr algn="l"/>
             <a:r>
-              <a:rPr lang="en-US" dirty="0"/>
-              <a:t>Convert Audio to Frequency Domain (STFT)</a:t>
-            </a:r>
-          </a:p>
-          <a:p>
-            <a:pPr algn="l"/>
-            <a:r>
-              <a:rPr lang="en-IN" dirty="0"/>
-              <a:t>Apply Mel Filter Banks</a:t>
-            </a:r>
-            <a:endParaRPr lang="en-US" dirty="0"/>
-          </a:p>
-          <a:p>
-            <a:pPr algn="l"/>
-            <a:r>
-              <a:rPr lang="en-IN" dirty="0"/>
-              <a:t>Convert to Log Scale</a:t>
-            </a:r>
-            <a:endParaRPr lang="en-US" dirty="0"/>
-          </a:p>
-          <a:p>
-            <a:pPr algn="l"/>
-            <a:r>
-              <a:rPr lang="en-IN" dirty="0"/>
-              <a:t>Generate Spectrogram Image</a:t>
+              <a:rPr lang="en-IN" b="1" dirty="0"/>
+              <a:t>Global Average Pooling (GlobalAveragePooling2D):</a:t>
             </a:r>
           </a:p>
         </p:txBody>
       </p:sp>
-      <p:pic>
-        <p:nvPicPr>
-          <p:cNvPr id="6" name="Picture 5">
+      <p:sp>
+        <p:nvSpPr>
+          <p:cNvPr id="4" name="TextBox 3">
             <a:extLst>
               <a:ext uri="{FF2B5EF4-FFF2-40B4-BE49-F238E27FC236}">
-                <a16:creationId xmlns:a16="http://schemas.microsoft.com/office/drawing/2014/main" id="{896EFB49-F7A4-0B4B-DBD1-A15EBF8F4546}"/>
+                <a16:creationId xmlns:a16="http://schemas.microsoft.com/office/drawing/2014/main" id="{9069F03D-695F-40AD-4A7A-F55D5E91D826}"/>
               </a:ext>
             </a:extLst>
           </p:cNvPr>
-          <p:cNvPicPr>
-            <a:picLocks noChangeAspect="1"/>
-          </p:cNvPicPr>
+          <p:cNvSpPr txBox="1"/>
           <p:nvPr/>
-        </p:nvPicPr>
-        <p:blipFill>
-          <a:blip r:embed="rId2"/>
-          <a:stretch>
-            <a:fillRect/>
-          </a:stretch>
-        </p:blipFill>
+        </p:nvSpPr>
         <p:spPr>
           <a:xfrm>
-            <a:off x="4572000" y="2500001"/>
-            <a:ext cx="3124200" cy="2260163"/>
+            <a:off x="1456272" y="1663809"/>
+            <a:ext cx="5864352" cy="1815882"/>
           </a:xfrm>
           <a:prstGeom prst="rect">
             <a:avLst/>
           </a:prstGeom>
+          <a:noFill/>
         </p:spPr>
-      </p:pic>
+        <p:txBody>
+          <a:bodyPr wrap="square" rtlCol="0">
+            <a:spAutoFit/>
+          </a:bodyPr>
+          <a:lstStyle/>
+          <a:p>
+            <a:pPr algn="just"/>
+            <a:r>
+              <a:rPr lang="en-US" b="1" dirty="0">
+                <a:solidFill>
+                  <a:schemeClr val="tx1"/>
+                </a:solidFill>
+                <a:latin typeface="Didact Gothic" panose="00000500000000000000" pitchFamily="2" charset="0"/>
+              </a:rPr>
+              <a:t>What it is: </a:t>
+            </a:r>
+          </a:p>
+          <a:p>
+            <a:pPr algn="just"/>
+            <a:r>
+              <a:rPr lang="en-US" dirty="0">
+                <a:solidFill>
+                  <a:schemeClr val="tx1"/>
+                </a:solidFill>
+                <a:latin typeface="Didact Gothic" panose="00000500000000000000" pitchFamily="2" charset="0"/>
+              </a:rPr>
+              <a:t>It takes the average of everything in each feature map to make one number per map.</a:t>
+            </a:r>
+          </a:p>
+          <a:p>
+            <a:pPr algn="just"/>
+            <a:r>
+              <a:rPr lang="en-US" b="1" dirty="0">
+                <a:solidFill>
+                  <a:schemeClr val="tx1"/>
+                </a:solidFill>
+                <a:latin typeface="Didact Gothic" panose="00000500000000000000" pitchFamily="2" charset="0"/>
+              </a:rPr>
+              <a:t>Where it’s used:</a:t>
+            </a:r>
+          </a:p>
+          <a:p>
+            <a:pPr algn="just"/>
+            <a:r>
+              <a:rPr lang="en-US" dirty="0">
+                <a:solidFill>
+                  <a:schemeClr val="tx1"/>
+                </a:solidFill>
+                <a:latin typeface="Didact Gothic" panose="00000500000000000000" pitchFamily="2" charset="0"/>
+              </a:rPr>
+              <a:t>Near the end, before the dense layers.</a:t>
+            </a:r>
+          </a:p>
+          <a:p>
+            <a:pPr algn="just"/>
+            <a:r>
+              <a:rPr lang="en-US" b="1" dirty="0">
+                <a:solidFill>
+                  <a:schemeClr val="tx1"/>
+                </a:solidFill>
+                <a:latin typeface="Didact Gothic" panose="00000500000000000000" pitchFamily="2" charset="0"/>
+              </a:rPr>
+              <a:t>Why it’s used: </a:t>
+            </a:r>
+          </a:p>
+          <a:p>
+            <a:pPr algn="just"/>
+            <a:r>
+              <a:rPr lang="en-US" dirty="0">
+                <a:solidFill>
+                  <a:schemeClr val="tx1"/>
+                </a:solidFill>
+                <a:latin typeface="Didact Gothic" panose="00000500000000000000" pitchFamily="2" charset="0"/>
+              </a:rPr>
+              <a:t>Turns big data (15x15x256) into a small list (256 numbers).Makes the model simpler and less likely to overfit.</a:t>
+            </a:r>
+            <a:endParaRPr lang="en-IN" dirty="0">
+              <a:solidFill>
+                <a:schemeClr val="tx1"/>
+              </a:solidFill>
+              <a:latin typeface="Didact Gothic" panose="00000500000000000000" pitchFamily="2" charset="0"/>
+            </a:endParaRPr>
+          </a:p>
+        </p:txBody>
+      </p:sp>
+      <p:sp>
+        <p:nvSpPr>
+          <p:cNvPr id="5" name="TextBox 4">
+            <a:extLst>
+              <a:ext uri="{FF2B5EF4-FFF2-40B4-BE49-F238E27FC236}">
+                <a16:creationId xmlns:a16="http://schemas.microsoft.com/office/drawing/2014/main" id="{BCD03BBE-3660-7E58-81A9-7967A585EA4B}"/>
+              </a:ext>
+            </a:extLst>
+          </p:cNvPr>
+          <p:cNvSpPr txBox="1"/>
+          <p:nvPr/>
+        </p:nvSpPr>
+        <p:spPr>
+          <a:xfrm>
+            <a:off x="1456272" y="3544907"/>
+            <a:ext cx="5907024" cy="954107"/>
+          </a:xfrm>
+          <a:prstGeom prst="rect">
+            <a:avLst/>
+          </a:prstGeom>
+          <a:noFill/>
+        </p:spPr>
+        <p:txBody>
+          <a:bodyPr wrap="square" rtlCol="0">
+            <a:spAutoFit/>
+          </a:bodyPr>
+          <a:lstStyle/>
+          <a:p>
+            <a:pPr algn="just"/>
+            <a:r>
+              <a:rPr lang="en-US" b="1" dirty="0">
+                <a:solidFill>
+                  <a:schemeClr val="tx1"/>
+                </a:solidFill>
+                <a:latin typeface="Didact Gothic" panose="00000500000000000000" pitchFamily="2" charset="0"/>
+              </a:rPr>
+              <a:t>Why Max Pooling is Great : </a:t>
+            </a:r>
+          </a:p>
+          <a:p>
+            <a:pPr algn="just"/>
+            <a:r>
+              <a:rPr lang="en-US" dirty="0">
+                <a:solidFill>
+                  <a:schemeClr val="tx1"/>
+                </a:solidFill>
+                <a:latin typeface="Didact Gothic" panose="00000500000000000000" pitchFamily="2" charset="0"/>
+              </a:rPr>
+              <a:t>Our audio data (Mel spectrograms) has time and frequency info. Max Pooling keeps the loudest, most important sounds (like a guitar pluck or violin hum).</a:t>
+            </a:r>
+            <a:endParaRPr lang="en-IN" dirty="0">
+              <a:solidFill>
+                <a:schemeClr val="tx1"/>
+              </a:solidFill>
+              <a:latin typeface="Didact Gothic" panose="00000500000000000000" pitchFamily="2" charset="0"/>
+            </a:endParaRPr>
+          </a:p>
+        </p:txBody>
+      </p:sp>
     </p:spTree>
     <p:extLst>
       <p:ext uri="{BB962C8B-B14F-4D97-AF65-F5344CB8AC3E}">
-        <p14:creationId xmlns:p14="http://schemas.microsoft.com/office/powerpoint/2010/main" val="1829077029"/>
+        <p14:creationId xmlns:p14="http://schemas.microsoft.com/office/powerpoint/2010/main" val="2252418105"/>
       </p:ext>
     </p:extLst>
   </p:cSld>
@@ -39594,7 +40365,7 @@
           <p:cNvPr id="2" name="Title 1">
             <a:extLst>
               <a:ext uri="{FF2B5EF4-FFF2-40B4-BE49-F238E27FC236}">
-                <a16:creationId xmlns:a16="http://schemas.microsoft.com/office/drawing/2014/main" id="{A51FD62B-00A5-9FCC-F497-129FC818BE9C}"/>
+                <a16:creationId xmlns:a16="http://schemas.microsoft.com/office/drawing/2014/main" id="{38264281-2A4D-7331-9302-93B9D60A168F}"/>
               </a:ext>
             </a:extLst>
           </p:cNvPr>
@@ -39612,7 +40383,7 @@
           <a:p>
             <a:r>
               <a:rPr lang="en-IN" dirty="0"/>
-              <a:t>DATA AUGMENTATION</a:t>
+              <a:t>RESULTS AND ANALYSIS</a:t>
             </a:r>
           </a:p>
         </p:txBody>
@@ -39622,7 +40393,7 @@
           <p:cNvPr id="3" name="Text Placeholder 2">
             <a:extLst>
               <a:ext uri="{FF2B5EF4-FFF2-40B4-BE49-F238E27FC236}">
-                <a16:creationId xmlns:a16="http://schemas.microsoft.com/office/drawing/2014/main" id="{755C97A0-0C61-AB1A-BED8-D9E42F1F9579}"/>
+                <a16:creationId xmlns:a16="http://schemas.microsoft.com/office/drawing/2014/main" id="{D2ABB6A1-AAC6-15CC-91DA-A4925D2EF63C}"/>
               </a:ext>
             </a:extLst>
           </p:cNvPr>
@@ -39635,83 +40406,185 @@
         </p:nvSpPr>
         <p:spPr>
           <a:xfrm>
-            <a:off x="720000" y="1005264"/>
-            <a:ext cx="7704000" cy="3417880"/>
+            <a:off x="-901536" y="1150430"/>
+            <a:ext cx="7704000" cy="338400"/>
           </a:xfrm>
         </p:spPr>
         <p:txBody>
           <a:bodyPr/>
           <a:lstStyle/>
           <a:p>
-            <a:pPr algn="l"/>
-            <a:endParaRPr lang="en-US" dirty="0"/>
+            <a:r>
+              <a:rPr lang="en-IN" b="1" dirty="0"/>
+              <a:t>Training and Validation Performance:</a:t>
+            </a:r>
           </a:p>
+        </p:txBody>
+      </p:sp>
+      <p:sp>
+        <p:nvSpPr>
+          <p:cNvPr id="4" name="TextBox 3">
+            <a:extLst>
+              <a:ext uri="{FF2B5EF4-FFF2-40B4-BE49-F238E27FC236}">
+                <a16:creationId xmlns:a16="http://schemas.microsoft.com/office/drawing/2014/main" id="{70AAB7CA-260A-41AF-CF17-50463D4DF56F}"/>
+              </a:ext>
+            </a:extLst>
+          </p:cNvPr>
+          <p:cNvSpPr txBox="1"/>
+          <p:nvPr/>
+        </p:nvSpPr>
+        <p:spPr>
+          <a:xfrm>
+            <a:off x="1688592" y="1507117"/>
+            <a:ext cx="6480048" cy="3108543"/>
+          </a:xfrm>
+          <a:prstGeom prst="rect">
+            <a:avLst/>
+          </a:prstGeom>
+          <a:noFill/>
+        </p:spPr>
+        <p:txBody>
+          <a:bodyPr wrap="square" rtlCol="0">
+            <a:spAutoFit/>
+          </a:bodyPr>
+          <a:lstStyle/>
           <a:p>
-            <a:pPr algn="l"/>
             <a:r>
-              <a:rPr lang="en-US" dirty="0"/>
-              <a:t>Data augmentation is a technique used to artificially expand a dataset by applying transformations to </a:t>
-            </a:r>
-            <a:r>
-              <a:rPr lang="en-US"/>
-              <a:t>existing data.</a:t>
-            </a:r>
-            <a:endParaRPr lang="en-US" dirty="0"/>
-          </a:p>
-          <a:p>
-            <a:pPr marL="139700" indent="0" algn="l">
-              <a:buNone/>
-            </a:pPr>
-            <a:endParaRPr lang="en-US" dirty="0"/>
-          </a:p>
-          <a:p>
-            <a:pPr marL="139700" indent="0" algn="l">
-              <a:buNone/>
-            </a:pPr>
-            <a:r>
-              <a:rPr lang="en-US" sz="1600" dirty="0"/>
-              <a:t>WHY DATA AUGMENTATION?</a:t>
+              <a:rPr lang="en-IN" b="1" dirty="0">
+                <a:solidFill>
+                  <a:schemeClr val="tx1"/>
+                </a:solidFill>
+                <a:latin typeface="Didact Gothic" panose="00000500000000000000" pitchFamily="2" charset="0"/>
+              </a:rPr>
+              <a:t>Training Progress:</a:t>
             </a:r>
           </a:p>
           <a:p>
-            <a:pPr marL="139700" indent="0" algn="l">
-              <a:buNone/>
-            </a:pPr>
-            <a:endParaRPr lang="en-US" sz="1600" dirty="0"/>
+            <a:endParaRPr lang="en-IN" dirty="0">
+              <a:solidFill>
+                <a:schemeClr val="tx1"/>
+              </a:solidFill>
+              <a:latin typeface="Didact Gothic" panose="00000500000000000000" pitchFamily="2" charset="0"/>
+            </a:endParaRPr>
           </a:p>
           <a:p>
-            <a:pPr algn="l"/>
             <a:r>
-              <a:rPr lang="en-US" dirty="0"/>
-              <a:t>Prevents overfitting by introducing variability</a:t>
+              <a:rPr lang="en-US" dirty="0">
+                <a:solidFill>
+                  <a:schemeClr val="tx1"/>
+                </a:solidFill>
+                <a:latin typeface="Didact Gothic" panose="00000500000000000000" pitchFamily="2" charset="0"/>
+              </a:rPr>
+              <a:t>The model was trained for 60 epochs, with a learning rate starting at 0.0005 and gradually reduced using </a:t>
+            </a:r>
+            <a:r>
+              <a:rPr lang="en-US" dirty="0" err="1">
+                <a:solidFill>
+                  <a:schemeClr val="tx1"/>
+                </a:solidFill>
+                <a:latin typeface="Didact Gothic" panose="00000500000000000000" pitchFamily="2" charset="0"/>
+              </a:rPr>
+              <a:t>ReduceLROnPlateau</a:t>
+            </a:r>
+            <a:r>
+              <a:rPr lang="en-US" dirty="0">
+                <a:solidFill>
+                  <a:schemeClr val="tx1"/>
+                </a:solidFill>
+                <a:latin typeface="Didact Gothic" panose="00000500000000000000" pitchFamily="2" charset="0"/>
+              </a:rPr>
+              <a:t> based on validation loss.</a:t>
             </a:r>
           </a:p>
           <a:p>
-            <a:pPr algn="l"/>
             <a:r>
-              <a:rPr lang="en-US" dirty="0"/>
-              <a:t>Helps CNN models become more robust to real-world conditions.</a:t>
+              <a:rPr lang="en-US" dirty="0">
+                <a:solidFill>
+                  <a:schemeClr val="tx1"/>
+                </a:solidFill>
+                <a:latin typeface="Didact Gothic" panose="00000500000000000000" pitchFamily="2" charset="0"/>
+              </a:rPr>
+              <a:t>Accuracy steadily increased from 0.21 at epoch 1 to 0.91 at epoch 60, demonstrating improvement in classification performance.</a:t>
+            </a:r>
+            <a:endParaRPr lang="en-IN" dirty="0">
+              <a:solidFill>
+                <a:schemeClr val="tx1"/>
+              </a:solidFill>
+              <a:latin typeface="Didact Gothic" panose="00000500000000000000" pitchFamily="2" charset="0"/>
+            </a:endParaRPr>
+          </a:p>
+          <a:p>
+            <a:r>
+              <a:rPr lang="en-US" dirty="0">
+                <a:solidFill>
+                  <a:schemeClr val="tx1"/>
+                </a:solidFill>
+                <a:latin typeface="Didact Gothic" panose="00000500000000000000" pitchFamily="2" charset="0"/>
+              </a:rPr>
+              <a:t>Loss gradually decreased from 2.31 to 0.36 , indicating better learning over time</a:t>
             </a:r>
           </a:p>
           <a:p>
-            <a:pPr algn="l"/>
+            <a:endParaRPr lang="en-US" dirty="0">
+              <a:solidFill>
+                <a:schemeClr val="tx1"/>
+              </a:solidFill>
+              <a:latin typeface="Didact Gothic" panose="00000500000000000000" pitchFamily="2" charset="0"/>
+            </a:endParaRPr>
+          </a:p>
+          <a:p>
             <a:r>
-              <a:rPr lang="en-US" dirty="0"/>
-              <a:t>Improves classification accuracy with limited training data.</a:t>
+              <a:rPr lang="en-IN" b="1" dirty="0">
+                <a:solidFill>
+                  <a:schemeClr val="tx1"/>
+                </a:solidFill>
+                <a:latin typeface="Didact Gothic" panose="00000500000000000000" pitchFamily="2" charset="0"/>
+              </a:rPr>
+              <a:t>Validation Performance:</a:t>
             </a:r>
           </a:p>
           <a:p>
-            <a:pPr marL="139700" indent="0" algn="l">
-              <a:buNone/>
-            </a:pPr>
-            <a:endParaRPr lang="en-IN" sz="1600" dirty="0"/>
+            <a:endParaRPr lang="en-IN" b="1" dirty="0">
+              <a:solidFill>
+                <a:schemeClr val="tx1"/>
+              </a:solidFill>
+              <a:latin typeface="Didact Gothic" panose="00000500000000000000" pitchFamily="2" charset="0"/>
+            </a:endParaRPr>
+          </a:p>
+          <a:p>
+            <a:r>
+              <a:rPr lang="en-US" dirty="0">
+                <a:solidFill>
+                  <a:schemeClr val="tx1"/>
+                </a:solidFill>
+                <a:latin typeface="Didact Gothic" panose="00000500000000000000" pitchFamily="2" charset="0"/>
+              </a:rPr>
+              <a:t>Validation Accuracy reached a peak of 0.78 after 60 epochs, showing good generalization to the test data.</a:t>
+            </a:r>
+          </a:p>
+          <a:p>
+            <a:r>
+              <a:rPr lang="en-US" dirty="0">
+                <a:solidFill>
+                  <a:schemeClr val="tx1"/>
+                </a:solidFill>
+                <a:latin typeface="Didact Gothic" panose="00000500000000000000" pitchFamily="2" charset="0"/>
+              </a:rPr>
+              <a:t>Validation Loss decreased from 2.85 at the start to 0.73 at the end of training, reflecting reduced error on the validation set.</a:t>
+            </a:r>
+            <a:endParaRPr lang="en-IN" dirty="0">
+              <a:solidFill>
+                <a:schemeClr val="tx1"/>
+              </a:solidFill>
+              <a:latin typeface="Didact Gothic" panose="00000500000000000000" pitchFamily="2" charset="0"/>
+            </a:endParaRPr>
           </a:p>
         </p:txBody>
       </p:sp>
     </p:spTree>
     <p:extLst>
       <p:ext uri="{BB962C8B-B14F-4D97-AF65-F5344CB8AC3E}">
-        <p14:creationId xmlns:p14="http://schemas.microsoft.com/office/powerpoint/2010/main" val="341590382"/>
+        <p14:creationId xmlns:p14="http://schemas.microsoft.com/office/powerpoint/2010/main" val="3243871791"/>
       </p:ext>
     </p:extLst>
   </p:cSld>
@@ -39752,44 +40625,10 @@
       </p:grpSpPr>
       <p:sp>
         <p:nvSpPr>
-          <p:cNvPr id="2" name="Title 1">
-            <a:extLst>
-              <a:ext uri="{FF2B5EF4-FFF2-40B4-BE49-F238E27FC236}">
-                <a16:creationId xmlns:a16="http://schemas.microsoft.com/office/drawing/2014/main" id="{ADDEBF5D-CE6D-B8F2-BB43-0F0909CC40E3}"/>
-              </a:ext>
-            </a:extLst>
-          </p:cNvPr>
-          <p:cNvSpPr>
-            <a:spLocks noGrp="1"/>
-          </p:cNvSpPr>
-          <p:nvPr>
-            <p:ph type="title"/>
-          </p:nvPr>
-        </p:nvSpPr>
-        <p:spPr/>
-        <p:txBody>
-          <a:bodyPr/>
-          <a:lstStyle/>
-          <a:p>
-            <a:br>
-              <a:rPr lang="en-IN" sz="2400" dirty="0"/>
-            </a:br>
-            <a:br>
-              <a:rPr lang="en-IN" sz="2400" dirty="0"/>
-            </a:br>
-            <a:r>
-              <a:rPr lang="en-IN" sz="2400" dirty="0"/>
-              <a:t>HOW DOES DATA AUGMENTATION WORK?</a:t>
-            </a:r>
-          </a:p>
-        </p:txBody>
-      </p:sp>
-      <p:sp>
-        <p:nvSpPr>
           <p:cNvPr id="3" name="Text Placeholder 2">
             <a:extLst>
               <a:ext uri="{FF2B5EF4-FFF2-40B4-BE49-F238E27FC236}">
-                <a16:creationId xmlns:a16="http://schemas.microsoft.com/office/drawing/2014/main" id="{7A60F22C-9C62-6EA0-7749-D9B89260A025}"/>
+                <a16:creationId xmlns:a16="http://schemas.microsoft.com/office/drawing/2014/main" id="{A937495E-2937-2B2B-1803-50E6E011788F}"/>
               </a:ext>
             </a:extLst>
           </p:cNvPr>
@@ -39802,95 +40641,107 @@
         </p:nvSpPr>
         <p:spPr>
           <a:xfrm>
-            <a:off x="720000" y="1005264"/>
-            <a:ext cx="7704000" cy="3375350"/>
+            <a:off x="-1255104" y="1139376"/>
+            <a:ext cx="7704000" cy="338400"/>
           </a:xfrm>
         </p:spPr>
         <p:txBody>
           <a:bodyPr/>
           <a:lstStyle/>
           <a:p>
-            <a:pPr algn="l"/>
-            <a:endParaRPr lang="en-US" dirty="0"/>
-          </a:p>
-          <a:p>
-            <a:pPr algn="l"/>
-            <a:endParaRPr lang="en-US" dirty="0"/>
-          </a:p>
-          <a:p>
-            <a:pPr algn="l"/>
-            <a:endParaRPr lang="en-US" dirty="0"/>
-          </a:p>
-          <a:p>
-            <a:pPr algn="l"/>
-            <a:endParaRPr lang="en-US" dirty="0"/>
-          </a:p>
-          <a:p>
-            <a:pPr algn="l"/>
             <a:r>
-              <a:rPr lang="en-US" dirty="0"/>
-              <a:t>Apply Transformations to Original Audio</a:t>
+              <a:rPr lang="en-IN" b="1" dirty="0"/>
+              <a:t>Learning Rate Adjustments:</a:t>
             </a:r>
           </a:p>
           <a:p>
-            <a:pPr algn="l"/>
-            <a:r>
-              <a:rPr lang="en-IN" dirty="0"/>
-              <a:t>Common Augmentation Techniques</a:t>
-            </a:r>
-            <a:endParaRPr lang="en-US" dirty="0"/>
-          </a:p>
-          <a:p>
-            <a:pPr algn="l"/>
-            <a:r>
-              <a:rPr lang="en-IN" dirty="0"/>
-              <a:t>Improve Model Generalization</a:t>
-            </a:r>
-            <a:endParaRPr lang="en-US" dirty="0"/>
-          </a:p>
-          <a:p>
-            <a:pPr algn="l"/>
-            <a:r>
-              <a:rPr lang="en-IN" dirty="0"/>
-              <a:t>Used Before Training</a:t>
-            </a:r>
+            <a:pPr marL="139700" indent="0">
+              <a:buNone/>
+            </a:pPr>
+            <a:endParaRPr lang="en-IN" b="1" dirty="0"/>
           </a:p>
         </p:txBody>
       </p:sp>
-      <p:pic>
-        <p:nvPicPr>
-          <p:cNvPr id="5" name="Picture 4">
+      <p:sp>
+        <p:nvSpPr>
+          <p:cNvPr id="4" name="TextBox 3">
             <a:extLst>
               <a:ext uri="{FF2B5EF4-FFF2-40B4-BE49-F238E27FC236}">
-                <a16:creationId xmlns:a16="http://schemas.microsoft.com/office/drawing/2014/main" id="{A6EC53D4-27ED-08FB-ABFD-5E96CA422A09}"/>
+                <a16:creationId xmlns:a16="http://schemas.microsoft.com/office/drawing/2014/main" id="{A6C8C003-665E-7308-34CE-D0F21DF5B8EB}"/>
               </a:ext>
             </a:extLst>
           </p:cNvPr>
-          <p:cNvPicPr>
-            <a:picLocks noChangeAspect="1"/>
-          </p:cNvPicPr>
+          <p:cNvSpPr txBox="1"/>
           <p:nvPr/>
-        </p:nvPicPr>
-        <p:blipFill>
-          <a:blip r:embed="rId2"/>
-          <a:stretch>
-            <a:fillRect/>
-          </a:stretch>
-        </p:blipFill>
+        </p:nvSpPr>
         <p:spPr>
           <a:xfrm>
-            <a:off x="4282440" y="2441867"/>
-            <a:ext cx="3664833" cy="2256608"/>
+            <a:off x="1661160" y="1639824"/>
+            <a:ext cx="5821680" cy="1384995"/>
           </a:xfrm>
           <a:prstGeom prst="rect">
             <a:avLst/>
           </a:prstGeom>
+          <a:noFill/>
         </p:spPr>
-      </p:pic>
+        <p:txBody>
+          <a:bodyPr wrap="square" rtlCol="0">
+            <a:spAutoFit/>
+          </a:bodyPr>
+          <a:lstStyle/>
+          <a:p>
+            <a:r>
+              <a:rPr lang="en-US" b="1" dirty="0">
+                <a:solidFill>
+                  <a:schemeClr val="tx1"/>
+                </a:solidFill>
+                <a:latin typeface="Didact Gothic" panose="00000500000000000000" pitchFamily="2" charset="0"/>
+              </a:rPr>
+              <a:t>The learning rate was dynamically adjusted during training:</a:t>
+            </a:r>
+          </a:p>
+          <a:p>
+            <a:endParaRPr lang="en-US" dirty="0">
+              <a:solidFill>
+                <a:schemeClr val="tx1"/>
+              </a:solidFill>
+              <a:latin typeface="Didact Gothic" panose="00000500000000000000" pitchFamily="2" charset="0"/>
+            </a:endParaRPr>
+          </a:p>
+          <a:p>
+            <a:r>
+              <a:rPr lang="en-US" dirty="0">
+                <a:solidFill>
+                  <a:schemeClr val="tx1"/>
+                </a:solidFill>
+                <a:latin typeface="Didact Gothic" panose="00000500000000000000" pitchFamily="2" charset="0"/>
+              </a:rPr>
+              <a:t>Epoch 10: Learning rate was reduced to 0.00025 after detecting stagnation in validation performance.</a:t>
+            </a:r>
+          </a:p>
+          <a:p>
+            <a:r>
+              <a:rPr lang="en-US" dirty="0">
+                <a:solidFill>
+                  <a:schemeClr val="tx1"/>
+                </a:solidFill>
+                <a:latin typeface="Didact Gothic" panose="00000500000000000000" pitchFamily="2" charset="0"/>
+              </a:rPr>
+              <a:t>Further reductions occurred after epochs 18, 38, and 51, optimizing model convergence and preventing overfitting.</a:t>
+            </a:r>
+            <a:endParaRPr lang="en-IN" dirty="0">
+              <a:solidFill>
+                <a:schemeClr val="tx1"/>
+              </a:solidFill>
+              <a:latin typeface="Didact Gothic" panose="00000500000000000000" pitchFamily="2" charset="0"/>
+            </a:endParaRPr>
+          </a:p>
+        </p:txBody>
+      </p:sp>
     </p:spTree>
     <p:extLst>
       <p:ext uri="{BB962C8B-B14F-4D97-AF65-F5344CB8AC3E}">
-        <p14:creationId xmlns:p14="http://schemas.microsoft.com/office/powerpoint/2010/main" val="3357717017"/>
+        <p14:creationId xmlns:p14="http://schemas.microsoft.com/office/powerpoint/2010/main" val="2899417173"/>
       </p:ext>
     </p:extLst>
   </p:cSld>
@@ -39931,38 +40782,10 @@
       </p:grpSpPr>
       <p:sp>
         <p:nvSpPr>
-          <p:cNvPr id="2" name="Title 1">
+          <p:cNvPr id="5" name="Text Placeholder 4">
             <a:extLst>
               <a:ext uri="{FF2B5EF4-FFF2-40B4-BE49-F238E27FC236}">
-                <a16:creationId xmlns:a16="http://schemas.microsoft.com/office/drawing/2014/main" id="{81DA3500-8C87-F8EC-9A4B-8B5FDD65A06C}"/>
-              </a:ext>
-            </a:extLst>
-          </p:cNvPr>
-          <p:cNvSpPr>
-            <a:spLocks noGrp="1"/>
-          </p:cNvSpPr>
-          <p:nvPr>
-            <p:ph type="title"/>
-          </p:nvPr>
-        </p:nvSpPr>
-        <p:spPr/>
-        <p:txBody>
-          <a:bodyPr/>
-          <a:lstStyle/>
-          <a:p>
-            <a:r>
-              <a:rPr lang="en-IN" dirty="0"/>
-              <a:t>MAX POOLING</a:t>
-            </a:r>
-          </a:p>
-        </p:txBody>
-      </p:sp>
-      <p:sp>
-        <p:nvSpPr>
-          <p:cNvPr id="3" name="Text Placeholder 2">
-            <a:extLst>
-              <a:ext uri="{FF2B5EF4-FFF2-40B4-BE49-F238E27FC236}">
-                <a16:creationId xmlns:a16="http://schemas.microsoft.com/office/drawing/2014/main" id="{E31C722B-CD26-1655-E434-C863119DE2F9}"/>
+                <a16:creationId xmlns:a16="http://schemas.microsoft.com/office/drawing/2014/main" id="{D8FA6C5B-ED1B-6B43-3955-78A7BAD14F67}"/>
               </a:ext>
             </a:extLst>
           </p:cNvPr>
@@ -39975,68 +40798,55 @@
         </p:nvSpPr>
         <p:spPr>
           <a:xfrm>
-            <a:off x="720000" y="1005263"/>
-            <a:ext cx="7704000" cy="3693211"/>
+            <a:off x="-1486752" y="743136"/>
+            <a:ext cx="7704000" cy="338400"/>
           </a:xfrm>
         </p:spPr>
         <p:txBody>
           <a:bodyPr/>
           <a:lstStyle/>
           <a:p>
-            <a:pPr algn="l"/>
-            <a:endParaRPr lang="en-US" dirty="0"/>
-          </a:p>
-          <a:p>
-            <a:pPr algn="l"/>
             <a:r>
-              <a:rPr lang="en-US" dirty="0"/>
-              <a:t>Max Pooling is a down sampling technique used in CNNs to reduce feature map size while preserving important information. It helps improve computational efficiency and prevents overfitting.</a:t>
+              <a:rPr lang="en-IN" b="1" dirty="0"/>
+              <a:t>Confusion Matrix:</a:t>
             </a:r>
-          </a:p>
-          <a:p>
-            <a:pPr algn="l"/>
-            <a:endParaRPr lang="en-US" dirty="0"/>
-          </a:p>
-          <a:p>
-            <a:pPr marL="139700" indent="0" algn="l">
-              <a:buNone/>
-            </a:pPr>
-            <a:r>
-              <a:rPr lang="en-US" sz="1600" dirty="0"/>
-              <a:t>WHY MAX POOLING?</a:t>
-            </a:r>
-          </a:p>
-          <a:p>
-            <a:pPr marL="139700" indent="0" algn="l">
-              <a:buNone/>
-            </a:pPr>
-            <a:endParaRPr lang="en-US" sz="1600" dirty="0"/>
-          </a:p>
-          <a:p>
-            <a:pPr algn="l"/>
-            <a:r>
-              <a:rPr lang="en-US" dirty="0"/>
-              <a:t>Reduces computational cost by decreasing the number of parameters.</a:t>
-            </a:r>
-          </a:p>
-          <a:p>
-            <a:pPr algn="l"/>
-            <a:r>
-              <a:rPr lang="en-US" dirty="0"/>
-              <a:t>Retains dominant features while discarding minor variations.</a:t>
-            </a:r>
-            <a:endParaRPr lang="en-US" sz="1600" dirty="0"/>
-          </a:p>
-          <a:p>
-            <a:pPr algn="l"/>
-            <a:endParaRPr lang="en-IN" sz="1600" dirty="0"/>
           </a:p>
         </p:txBody>
       </p:sp>
+      <p:pic>
+        <p:nvPicPr>
+          <p:cNvPr id="13" name="Picture 12">
+            <a:extLst>
+              <a:ext uri="{FF2B5EF4-FFF2-40B4-BE49-F238E27FC236}">
+                <a16:creationId xmlns:a16="http://schemas.microsoft.com/office/drawing/2014/main" id="{50B6CE94-B803-F8B4-8C47-1A905C387D11}"/>
+              </a:ext>
+            </a:extLst>
+          </p:cNvPr>
+          <p:cNvPicPr>
+            <a:picLocks noChangeAspect="1"/>
+          </p:cNvPicPr>
+          <p:nvPr/>
+        </p:nvPicPr>
+        <p:blipFill>
+          <a:blip r:embed="rId2"/>
+          <a:stretch>
+            <a:fillRect/>
+          </a:stretch>
+        </p:blipFill>
+        <p:spPr>
+          <a:xfrm>
+            <a:off x="1929528" y="1255775"/>
+            <a:ext cx="4135992" cy="3708735"/>
+          </a:xfrm>
+          <a:prstGeom prst="rect">
+            <a:avLst/>
+          </a:prstGeom>
+        </p:spPr>
+      </p:pic>
     </p:spTree>
     <p:extLst>
       <p:ext uri="{BB962C8B-B14F-4D97-AF65-F5344CB8AC3E}">
-        <p14:creationId xmlns:p14="http://schemas.microsoft.com/office/powerpoint/2010/main" val="2179594367"/>
+        <p14:creationId xmlns:p14="http://schemas.microsoft.com/office/powerpoint/2010/main" val="1006996831"/>
       </p:ext>
     </p:extLst>
   </p:cSld>
@@ -40077,41 +40887,10 @@
       </p:grpSpPr>
       <p:sp>
         <p:nvSpPr>
-          <p:cNvPr id="2" name="Title 1">
-            <a:extLst>
-              <a:ext uri="{FF2B5EF4-FFF2-40B4-BE49-F238E27FC236}">
-                <a16:creationId xmlns:a16="http://schemas.microsoft.com/office/drawing/2014/main" id="{15FD1ADA-A2D8-586F-D1F8-D938F0AD6287}"/>
-              </a:ext>
-            </a:extLst>
-          </p:cNvPr>
-          <p:cNvSpPr>
-            <a:spLocks noGrp="1"/>
-          </p:cNvSpPr>
-          <p:nvPr>
-            <p:ph type="title"/>
-          </p:nvPr>
-        </p:nvSpPr>
-        <p:spPr/>
-        <p:txBody>
-          <a:bodyPr/>
-          <a:lstStyle/>
-          <a:p>
-            <a:br>
-              <a:rPr lang="en-IN" dirty="0"/>
-            </a:br>
-            <a:r>
-              <a:rPr lang="en-IN" dirty="0"/>
-              <a:t>HOW DOES MAX POOLING WORK</a:t>
-            </a:r>
-          </a:p>
-        </p:txBody>
-      </p:sp>
-      <p:sp>
-        <p:nvSpPr>
           <p:cNvPr id="3" name="Text Placeholder 2">
             <a:extLst>
               <a:ext uri="{FF2B5EF4-FFF2-40B4-BE49-F238E27FC236}">
-                <a16:creationId xmlns:a16="http://schemas.microsoft.com/office/drawing/2014/main" id="{54D75D4C-F9DA-152B-AE94-714CBDCFAA09}"/>
+                <a16:creationId xmlns:a16="http://schemas.microsoft.com/office/drawing/2014/main" id="{A1F5A60B-4FF3-9832-70EE-796624B487D6}"/>
               </a:ext>
             </a:extLst>
           </p:cNvPr>
@@ -40124,91 +40903,104 @@
         </p:nvSpPr>
         <p:spPr>
           <a:xfrm>
-            <a:off x="720000" y="1005263"/>
-            <a:ext cx="7704000" cy="3693211"/>
+            <a:off x="-1657440" y="798000"/>
+            <a:ext cx="7704000" cy="338400"/>
           </a:xfrm>
         </p:spPr>
         <p:txBody>
           <a:bodyPr/>
           <a:lstStyle/>
           <a:p>
-            <a:pPr algn="l"/>
-            <a:endParaRPr lang="en-US" dirty="0"/>
-          </a:p>
-          <a:p>
-            <a:pPr algn="l"/>
-            <a:endParaRPr lang="en-US" dirty="0"/>
-          </a:p>
-          <a:p>
-            <a:pPr algn="l"/>
-            <a:endParaRPr lang="en-US" dirty="0"/>
-          </a:p>
-          <a:p>
-            <a:pPr algn="l"/>
-            <a:endParaRPr lang="en-US" dirty="0"/>
-          </a:p>
-          <a:p>
-            <a:pPr algn="l"/>
-            <a:endParaRPr lang="en-US" dirty="0"/>
-          </a:p>
-          <a:p>
-            <a:pPr algn="l"/>
             <a:r>
-              <a:rPr lang="en-US" dirty="0"/>
-              <a:t>A fixed-size filter (e.g., 2×2) moves over the feature map.</a:t>
+              <a:rPr lang="en-IN" b="1" dirty="0"/>
+              <a:t>Model Evaluation:</a:t>
             </a:r>
           </a:p>
           <a:p>
-            <a:pPr algn="l"/>
-            <a:r>
-              <a:rPr lang="en-US" dirty="0"/>
-              <a:t>The maximum value within the filter region is selected.</a:t>
-            </a:r>
-          </a:p>
-          <a:p>
-            <a:pPr algn="l"/>
-            <a:r>
-              <a:rPr lang="en-US" dirty="0"/>
-              <a:t>The output is a smaller feature map with the most prominent features retained.</a:t>
-            </a:r>
-            <a:endParaRPr lang="en-IN" dirty="0"/>
+            <a:endParaRPr lang="en-IN" b="1" dirty="0"/>
           </a:p>
         </p:txBody>
       </p:sp>
-      <p:pic>
-        <p:nvPicPr>
-          <p:cNvPr id="5" name="Picture 4">
+      <p:sp>
+        <p:nvSpPr>
+          <p:cNvPr id="4" name="TextBox 3">
             <a:extLst>
               <a:ext uri="{FF2B5EF4-FFF2-40B4-BE49-F238E27FC236}">
-                <a16:creationId xmlns:a16="http://schemas.microsoft.com/office/drawing/2014/main" id="{74952177-9658-3EE8-6AFE-FA216CDAC4D1}"/>
+                <a16:creationId xmlns:a16="http://schemas.microsoft.com/office/drawing/2014/main" id="{D0B1C5E5-084A-56D0-45C1-F7C61253CC1E}"/>
               </a:ext>
             </a:extLst>
           </p:cNvPr>
-          <p:cNvPicPr>
-            <a:picLocks noChangeAspect="1"/>
-          </p:cNvPicPr>
+          <p:cNvSpPr txBox="1"/>
           <p:nvPr/>
-        </p:nvPicPr>
-        <p:blipFill>
-          <a:blip r:embed="rId2"/>
-          <a:stretch>
-            <a:fillRect/>
-          </a:stretch>
-        </p:blipFill>
+        </p:nvSpPr>
         <p:spPr>
           <a:xfrm>
-            <a:off x="5306679" y="2884914"/>
-            <a:ext cx="3006938" cy="1813560"/>
+            <a:off x="1731264" y="1261872"/>
+            <a:ext cx="6321552" cy="1384995"/>
           </a:xfrm>
           <a:prstGeom prst="rect">
             <a:avLst/>
           </a:prstGeom>
+          <a:noFill/>
         </p:spPr>
-      </p:pic>
+        <p:txBody>
+          <a:bodyPr wrap="square" rtlCol="0">
+            <a:spAutoFit/>
+          </a:bodyPr>
+          <a:lstStyle/>
+          <a:p>
+            <a:r>
+              <a:rPr lang="en-US" dirty="0">
+                <a:solidFill>
+                  <a:schemeClr val="tx1"/>
+                </a:solidFill>
+                <a:latin typeface="Didact Gothic" panose="00000500000000000000" pitchFamily="2" charset="0"/>
+              </a:rPr>
+              <a:t>Test Accuracy: </a:t>
+            </a:r>
+          </a:p>
+          <a:p>
+            <a:endParaRPr lang="en-US" dirty="0">
+              <a:solidFill>
+                <a:schemeClr val="tx1"/>
+              </a:solidFill>
+              <a:latin typeface="Didact Gothic" panose="00000500000000000000" pitchFamily="2" charset="0"/>
+            </a:endParaRPr>
+          </a:p>
+          <a:p>
+            <a:r>
+              <a:rPr lang="en-US" dirty="0">
+                <a:solidFill>
+                  <a:schemeClr val="tx1"/>
+                </a:solidFill>
+                <a:latin typeface="Didact Gothic" panose="00000500000000000000" pitchFamily="2" charset="0"/>
+              </a:rPr>
+              <a:t>The model achieved a final test accuracy of 78.37%, demonstrating good generalization on the unseen test data.</a:t>
+            </a:r>
+          </a:p>
+          <a:p>
+            <a:r>
+              <a:rPr lang="en-US" dirty="0">
+                <a:solidFill>
+                  <a:schemeClr val="tx1"/>
+                </a:solidFill>
+                <a:latin typeface="Didact Gothic" panose="00000500000000000000" pitchFamily="2" charset="0"/>
+              </a:rPr>
+              <a:t>Test Loss: The test loss at the end of training was 0.7364, which suggests the model is making relatively low error on the test set.</a:t>
+            </a:r>
+            <a:endParaRPr lang="en-IN" dirty="0">
+              <a:solidFill>
+                <a:schemeClr val="tx1"/>
+              </a:solidFill>
+              <a:latin typeface="Didact Gothic" panose="00000500000000000000" pitchFamily="2" charset="0"/>
+            </a:endParaRPr>
+          </a:p>
+        </p:txBody>
+      </p:sp>
     </p:spTree>
     <p:extLst>
       <p:ext uri="{BB962C8B-B14F-4D97-AF65-F5344CB8AC3E}">
-        <p14:creationId xmlns:p14="http://schemas.microsoft.com/office/powerpoint/2010/main" val="2273298409"/>
+        <p14:creationId xmlns:p14="http://schemas.microsoft.com/office/powerpoint/2010/main" val="2696510432"/>
       </p:ext>
     </p:extLst>
   </p:cSld>
@@ -40249,38 +41041,10 @@
       </p:grpSpPr>
       <p:sp>
         <p:nvSpPr>
-          <p:cNvPr id="2" name="Title 1">
-            <a:extLst>
-              <a:ext uri="{FF2B5EF4-FFF2-40B4-BE49-F238E27FC236}">
-                <a16:creationId xmlns:a16="http://schemas.microsoft.com/office/drawing/2014/main" id="{EC1226CF-C6E9-02DC-4D8C-5655F92538DD}"/>
-              </a:ext>
-            </a:extLst>
-          </p:cNvPr>
-          <p:cNvSpPr>
-            <a:spLocks noGrp="1"/>
-          </p:cNvSpPr>
-          <p:nvPr>
-            <p:ph type="title"/>
-          </p:nvPr>
-        </p:nvSpPr>
-        <p:spPr/>
-        <p:txBody>
-          <a:bodyPr/>
-          <a:lstStyle/>
-          <a:p>
-            <a:r>
-              <a:rPr lang="en-IN" dirty="0"/>
-              <a:t>METHODOLOGY </a:t>
-            </a:r>
-          </a:p>
-        </p:txBody>
-      </p:sp>
-      <p:sp>
-        <p:nvSpPr>
           <p:cNvPr id="3" name="Text Placeholder 2">
             <a:extLst>
               <a:ext uri="{FF2B5EF4-FFF2-40B4-BE49-F238E27FC236}">
-                <a16:creationId xmlns:a16="http://schemas.microsoft.com/office/drawing/2014/main" id="{A4B5D62C-D08C-1D3E-69A3-F2E1CDD50BE1}"/>
+                <a16:creationId xmlns:a16="http://schemas.microsoft.com/office/drawing/2014/main" id="{6CCE90AA-39C7-95C6-5619-C4030126C61B}"/>
               </a:ext>
             </a:extLst>
           </p:cNvPr>
@@ -40293,92 +41057,55 @@
         </p:nvSpPr>
         <p:spPr>
           <a:xfrm>
-            <a:off x="720000" y="1082577"/>
-            <a:ext cx="7704000" cy="4060923"/>
+            <a:off x="-1535520" y="767520"/>
+            <a:ext cx="7704000" cy="338400"/>
           </a:xfrm>
         </p:spPr>
         <p:txBody>
           <a:bodyPr/>
           <a:lstStyle/>
           <a:p>
-            <a:pPr algn="l"/>
             <a:r>
-              <a:rPr lang="en-IN" dirty="0"/>
-              <a:t>Dataset Collection - Collection of audio recordings of various musical instruments. This ensures diversity in terms of style, recording condition and instrument types.</a:t>
+              <a:rPr lang="en-IN" b="1" dirty="0"/>
+              <a:t>Visuals and Graphs:</a:t>
             </a:r>
-          </a:p>
-          <a:p>
-            <a:pPr algn="l"/>
-            <a:r>
-              <a:rPr lang="en-IN" dirty="0"/>
-              <a:t>Preprocessing - Sta</a:t>
-            </a:r>
-            <a:r>
-              <a:rPr lang="en-US" dirty="0"/>
-              <a:t>ndardize the sampling rate of all audio files to a common rate (e.g., 44.1 kHz) to maintain consistency. And normalize the audio amplitude to ensure uniformity across the dataset.</a:t>
-            </a:r>
-          </a:p>
-          <a:p>
-            <a:pPr algn="l"/>
-            <a:r>
-              <a:rPr lang="en-US" dirty="0"/>
-              <a:t>Feature Extraction:</a:t>
-            </a:r>
-          </a:p>
-          <a:p>
-            <a:pPr lvl="1"/>
-            <a:r>
-              <a:rPr lang="en-US" dirty="0"/>
-              <a:t>Short-Time Fourier Transform(SFFT): Converts time-domain audio signals into time-frequency representations, capturing both spectral and temporal information.</a:t>
-            </a:r>
-          </a:p>
-          <a:p>
-            <a:pPr lvl="1"/>
-            <a:r>
-              <a:rPr lang="en-US" dirty="0"/>
-              <a:t>Mel Spectrogram - Maps the frequency axis of the spectrogram to the Mel scale, which aligns more closely with human auditory perception.</a:t>
-            </a:r>
-          </a:p>
-          <a:p>
-            <a:pPr lvl="1"/>
-            <a:endParaRPr lang="en-US" dirty="0"/>
-          </a:p>
-          <a:p>
-            <a:pPr algn="l"/>
-            <a:r>
-              <a:rPr lang="en-US" dirty="0"/>
-              <a:t>Data Augmentation – Data Augmentation for music instrument recognition involves creating modified versions of existing audio data to increase the diversity of the dataset, improving the robustness and generalization of the recognition model.</a:t>
-            </a:r>
-          </a:p>
-          <a:p>
-            <a:pPr algn="l"/>
-            <a:r>
-              <a:rPr lang="en-US" dirty="0"/>
-              <a:t>Deep Learning model - Use a Convolutional Neural Network (CNN) to classify the spectrographic data. CNNs are effective for image-based data, including spectrograms.</a:t>
-            </a:r>
-          </a:p>
-          <a:p>
-            <a:pPr lvl="1"/>
-            <a:r>
-              <a:rPr lang="en-IN" dirty="0"/>
-              <a:t>Incorporation of Pooling Strategies</a:t>
-            </a:r>
-            <a:endParaRPr lang="en-US" dirty="0"/>
-          </a:p>
-          <a:p>
-            <a:pPr algn="l"/>
-            <a:endParaRPr lang="en-IN" dirty="0"/>
-          </a:p>
-          <a:p>
-            <a:pPr lvl="1"/>
-            <a:endParaRPr lang="en-IN" dirty="0"/>
           </a:p>
         </p:txBody>
       </p:sp>
+      <p:pic>
+        <p:nvPicPr>
+          <p:cNvPr id="5" name="Picture 4">
+            <a:extLst>
+              <a:ext uri="{FF2B5EF4-FFF2-40B4-BE49-F238E27FC236}">
+                <a16:creationId xmlns:a16="http://schemas.microsoft.com/office/drawing/2014/main" id="{36502A59-384F-9F8B-7A8D-FA7EDC4071BE}"/>
+              </a:ext>
+            </a:extLst>
+          </p:cNvPr>
+          <p:cNvPicPr>
+            <a:picLocks noChangeAspect="1"/>
+          </p:cNvPicPr>
+          <p:nvPr/>
+        </p:nvPicPr>
+        <p:blipFill>
+          <a:blip r:embed="rId2"/>
+          <a:stretch>
+            <a:fillRect/>
+          </a:stretch>
+        </p:blipFill>
+        <p:spPr>
+          <a:xfrm>
+            <a:off x="1155539" y="1240916"/>
+            <a:ext cx="6832921" cy="3373755"/>
+          </a:xfrm>
+          <a:prstGeom prst="rect">
+            <a:avLst/>
+          </a:prstGeom>
+        </p:spPr>
+      </p:pic>
     </p:spTree>
     <p:extLst>
       <p:ext uri="{BB962C8B-B14F-4D97-AF65-F5344CB8AC3E}">
-        <p14:creationId xmlns:p14="http://schemas.microsoft.com/office/powerpoint/2010/main" val="3654488089"/>
+        <p14:creationId xmlns:p14="http://schemas.microsoft.com/office/powerpoint/2010/main" val="75094502"/>
       </p:ext>
     </p:extLst>
   </p:cSld>
@@ -40401,166 +41128,6 @@
 </file>
 
 <file path=ppt/slides/slide17.xml><?xml version="1.0" encoding="utf-8"?>
-<p:sld xmlns:a="http://schemas.openxmlformats.org/drawingml/2006/main" xmlns:r="http://schemas.openxmlformats.org/officeDocument/2006/relationships" xmlns:p="http://schemas.openxmlformats.org/presentationml/2006/main">
-  <p:cSld>
-    <p:spTree>
-      <p:nvGrpSpPr>
-        <p:cNvPr id="1" name=""/>
-        <p:cNvGrpSpPr/>
-        <p:nvPr/>
-      </p:nvGrpSpPr>
-      <p:grpSpPr>
-        <a:xfrm>
-          <a:off x="0" y="0"/>
-          <a:ext cx="0" cy="0"/>
-          <a:chOff x="0" y="0"/>
-          <a:chExt cx="0" cy="0"/>
-        </a:xfrm>
-      </p:grpSpPr>
-      <p:sp>
-        <p:nvSpPr>
-          <p:cNvPr id="2" name="Title 1">
-            <a:extLst>
-              <a:ext uri="{FF2B5EF4-FFF2-40B4-BE49-F238E27FC236}">
-                <a16:creationId xmlns:a16="http://schemas.microsoft.com/office/drawing/2014/main" id="{FBAEE375-6515-5800-D1BA-28FA31753E28}"/>
-              </a:ext>
-            </a:extLst>
-          </p:cNvPr>
-          <p:cNvSpPr>
-            <a:spLocks noGrp="1"/>
-          </p:cNvSpPr>
-          <p:nvPr>
-            <p:ph type="title"/>
-          </p:nvPr>
-        </p:nvSpPr>
-        <p:spPr/>
-        <p:txBody>
-          <a:bodyPr/>
-          <a:lstStyle/>
-          <a:p>
-            <a:r>
-              <a:rPr lang="en-IN" dirty="0"/>
-              <a:t>  </a:t>
-            </a:r>
-          </a:p>
-        </p:txBody>
-      </p:sp>
-      <p:sp>
-        <p:nvSpPr>
-          <p:cNvPr id="3" name="Text Placeholder 2">
-            <a:extLst>
-              <a:ext uri="{FF2B5EF4-FFF2-40B4-BE49-F238E27FC236}">
-                <a16:creationId xmlns:a16="http://schemas.microsoft.com/office/drawing/2014/main" id="{C586D80A-4A53-DEAA-89F0-05B88E2F933B}"/>
-              </a:ext>
-            </a:extLst>
-          </p:cNvPr>
-          <p:cNvSpPr>
-            <a:spLocks noGrp="1"/>
-          </p:cNvSpPr>
-          <p:nvPr>
-            <p:ph type="body" idx="1"/>
-          </p:nvPr>
-        </p:nvSpPr>
-        <p:spPr>
-          <a:xfrm>
-            <a:off x="720000" y="1005264"/>
-            <a:ext cx="7704000" cy="3150424"/>
-          </a:xfrm>
-        </p:spPr>
-        <p:txBody>
-          <a:bodyPr/>
-          <a:lstStyle/>
-          <a:p>
-            <a:pPr algn="l"/>
-            <a:r>
-              <a:rPr lang="en-IN" dirty="0"/>
-              <a:t>Evaluation Layer </a:t>
-            </a:r>
-          </a:p>
-          <a:p>
-            <a:pPr lvl="1"/>
-            <a:r>
-              <a:rPr lang="en-IN" dirty="0"/>
-              <a:t>Confusion Matrix - </a:t>
-            </a:r>
-            <a:r>
-              <a:rPr lang="en-US" dirty="0"/>
-              <a:t>Generate a confusion matrix to analyze class-specific performance and identify misclassifications.</a:t>
-            </a:r>
-            <a:endParaRPr lang="en-IN" dirty="0"/>
-          </a:p>
-          <a:p>
-            <a:pPr lvl="1"/>
-            <a:r>
-              <a:rPr lang="en-IN" dirty="0"/>
-              <a:t>Feedback Loop - </a:t>
-            </a:r>
-            <a:r>
-              <a:rPr lang="en-US" dirty="0"/>
-              <a:t>Use the evaluation results to adjust the preprocessing steps or neural network parameters.</a:t>
-            </a:r>
-          </a:p>
-          <a:p>
-            <a:pPr algn="l"/>
-            <a:r>
-              <a:rPr lang="en-US" dirty="0"/>
-              <a:t>Output – The final prediction output, with validated efficiency and performance metrics.</a:t>
-            </a:r>
-          </a:p>
-          <a:p>
-            <a:pPr lvl="1"/>
-            <a:endParaRPr lang="en-US" dirty="0"/>
-          </a:p>
-          <a:p>
-            <a:pPr lvl="1"/>
-            <a:endParaRPr lang="en-US" dirty="0"/>
-          </a:p>
-          <a:p>
-            <a:pPr lvl="1"/>
-            <a:endParaRPr lang="en-US" dirty="0"/>
-          </a:p>
-          <a:p>
-            <a:pPr lvl="1"/>
-            <a:endParaRPr lang="en-US" dirty="0"/>
-          </a:p>
-          <a:p>
-            <a:pPr lvl="1"/>
-            <a:endParaRPr lang="en-IN" dirty="0"/>
-          </a:p>
-          <a:p>
-            <a:pPr marL="596900" lvl="1" indent="0">
-              <a:buNone/>
-            </a:pPr>
-            <a:endParaRPr lang="en-IN" dirty="0"/>
-          </a:p>
-        </p:txBody>
-      </p:sp>
-    </p:spTree>
-    <p:extLst>
-      <p:ext uri="{BB962C8B-B14F-4D97-AF65-F5344CB8AC3E}">
-        <p14:creationId xmlns:p14="http://schemas.microsoft.com/office/powerpoint/2010/main" val="4079294580"/>
-      </p:ext>
-    </p:extLst>
-  </p:cSld>
-  <p:clrMapOvr>
-    <a:masterClrMapping/>
-  </p:clrMapOvr>
-  <mc:AlternateContent xmlns:mc="http://schemas.openxmlformats.org/markup-compatibility/2006" xmlns:p159="http://schemas.microsoft.com/office/powerpoint/2015/09/main">
-    <mc:Choice Requires="p159">
-      <p:transition xmlns:p14="http://schemas.microsoft.com/office/powerpoint/2010/main" spd="slow" p14:dur="2000">
-        <p159:morph option="byObject"/>
-      </p:transition>
-    </mc:Choice>
-    <mc:Fallback xmlns="">
-      <p:transition spd="slow">
-        <p:fade/>
-      </p:transition>
-    </mc:Fallback>
-  </mc:AlternateContent>
-</p:sld>
-</file>
-
-<file path=ppt/slides/slide18.xml><?xml version="1.0" encoding="utf-8"?>
 <p:sld xmlns:a="http://schemas.openxmlformats.org/drawingml/2006/main" xmlns:r="http://schemas.openxmlformats.org/officeDocument/2006/relationships" xmlns:p="http://schemas.openxmlformats.org/presentationml/2006/main">
   <p:cSld>
     <p:spTree>
@@ -40649,33 +41216,6 @@
               <a:t>IRMAS is Intended for algorithm training and testing for automatic identification of prominent musical instruments in audio recordings. Musical instruments used in this study are the cello, clarinet, flute, acoustic guitar, electric guitar, organ, piano, saxophone, trumpet, violin, and vocals. This dataset is derived from the collection accumulated by Ferdinand Fuhrmann in his Ph.D. thesis, with significant variations being the availability of audio data in stereo form, restriction in the test dataset annotations to specific pitched instruments, and diversity in the number and length of audio excerpts.</a:t>
             </a:r>
           </a:p>
-          <a:p>
-            <a:pPr algn="l"/>
-            <a:endParaRPr lang="en-US" dirty="0"/>
-          </a:p>
-          <a:p>
-            <a:pPr algn="l"/>
-            <a:r>
-              <a:rPr lang="en-US" dirty="0"/>
-              <a:t>DATASET LINK</a:t>
-            </a:r>
-          </a:p>
-          <a:p>
-            <a:pPr algn="l"/>
-            <a:endParaRPr lang="en-US" dirty="0"/>
-          </a:p>
-          <a:p>
-            <a:pPr marL="139700" indent="0" algn="l">
-              <a:buNone/>
-            </a:pPr>
-            <a:r>
-              <a:rPr lang="en-US" dirty="0">
-                <a:hlinkClick r:id="rId2" action="ppaction://hlinkfile"/>
-              </a:rPr>
-              <a:t>         IRMAS_ a dataset for instrument recognition in musical audio signals.html</a:t>
-            </a:r>
-            <a:endParaRPr lang="en-US" dirty="0"/>
-          </a:p>
         </p:txBody>
       </p:sp>
     </p:spTree>
@@ -40703,7 +41243,7 @@
 </p:sld>
 </file>
 
-<file path=ppt/slides/slide19.xml><?xml version="1.0" encoding="utf-8"?>
+<file path=ppt/slides/slide18.xml><?xml version="1.0" encoding="utf-8"?>
 <p:sld xmlns:a="http://schemas.openxmlformats.org/drawingml/2006/main" xmlns:r="http://schemas.openxmlformats.org/officeDocument/2006/relationships" xmlns:p="http://schemas.openxmlformats.org/presentationml/2006/main">
   <p:cSld>
     <p:spTree>
@@ -40973,7 +41513,7 @@
           <p:cNvPr id="2" name="Title 1">
             <a:extLst>
               <a:ext uri="{FF2B5EF4-FFF2-40B4-BE49-F238E27FC236}">
-                <a16:creationId xmlns:a16="http://schemas.microsoft.com/office/drawing/2014/main" id="{C36916B8-FE08-FC7A-C2A6-E5E9C7C9DA66}"/>
+                <a16:creationId xmlns:a16="http://schemas.microsoft.com/office/drawing/2014/main" id="{C05C2605-FF26-9116-8601-829D60017581}"/>
               </a:ext>
             </a:extLst>
           </p:cNvPr>
@@ -40984,20 +41524,16 @@
             <p:ph type="title"/>
           </p:nvPr>
         </p:nvSpPr>
-        <p:spPr>
-          <a:xfrm>
-            <a:off x="720000" y="280565"/>
-            <a:ext cx="7704000" cy="572700"/>
-          </a:xfrm>
-        </p:spPr>
+        <p:spPr/>
         <p:txBody>
           <a:bodyPr/>
           <a:lstStyle/>
           <a:p>
             <a:r>
-              <a:rPr lang="en-IN" dirty="0"/>
-              <a:t>TABLE OF CONTENTS</a:t>
+              <a:rPr lang="en-US" dirty="0"/>
+              <a:t>OBJECTIVES </a:t>
             </a:r>
+            <a:endParaRPr lang="en-IN" dirty="0"/>
           </a:p>
         </p:txBody>
       </p:sp>
@@ -41006,7 +41542,7 @@
           <p:cNvPr id="3" name="Text Placeholder 2">
             <a:extLst>
               <a:ext uri="{FF2B5EF4-FFF2-40B4-BE49-F238E27FC236}">
-                <a16:creationId xmlns:a16="http://schemas.microsoft.com/office/drawing/2014/main" id="{2157BDA6-B426-B390-2802-47A7D37FD221}"/>
+                <a16:creationId xmlns:a16="http://schemas.microsoft.com/office/drawing/2014/main" id="{03C352C3-B78D-73C6-7096-2297ACBBAF1A}"/>
               </a:ext>
             </a:extLst>
           </p:cNvPr>
@@ -41019,102 +41555,79 @@
         </p:nvSpPr>
         <p:spPr>
           <a:xfrm>
-            <a:off x="720000" y="1005264"/>
-            <a:ext cx="7704000" cy="3798384"/>
+            <a:off x="720000" y="1178461"/>
+            <a:ext cx="7704000" cy="3619091"/>
           </a:xfrm>
         </p:spPr>
         <p:txBody>
           <a:bodyPr/>
           <a:lstStyle/>
           <a:p>
-            <a:pPr marL="139700" indent="0" algn="just">
-              <a:buNone/>
-            </a:pPr>
+            <a:pPr algn="l"/>
             <a:r>
-              <a:rPr lang="en-IN" dirty="0"/>
-              <a:t>1.INTRODUCTION</a:t>
+              <a:rPr lang="en-US" dirty="0"/>
+              <a:t>Build a deep learning-based system to classify different musical instruments using the IRMAS Datasets.</a:t>
             </a:r>
           </a:p>
           <a:p>
-            <a:pPr marL="139700" indent="0" algn="just">
-              <a:buNone/>
-            </a:pPr>
+            <a:pPr algn="l"/>
+            <a:endParaRPr lang="en-US" dirty="0"/>
+          </a:p>
+          <a:p>
+            <a:pPr algn="l"/>
             <a:r>
-              <a:rPr lang="en-IN" dirty="0"/>
-              <a:t>2.LITERATURE REVIEW</a:t>
+              <a:rPr lang="en-US" dirty="0"/>
+              <a:t>Convert audio signals into Mel spectrogram representations for feature extraction, improving classification accuracy.</a:t>
             </a:r>
           </a:p>
           <a:p>
-            <a:pPr marL="139700" indent="0" algn="just">
-              <a:buNone/>
-            </a:pPr>
+            <a:pPr algn="l"/>
+            <a:endParaRPr lang="en-US" dirty="0"/>
+          </a:p>
+          <a:p>
+            <a:pPr algn="l"/>
             <a:r>
-              <a:rPr lang="en-IN" dirty="0"/>
-              <a:t>3.RESEARCH GAP</a:t>
+              <a:rPr lang="en-US" dirty="0"/>
+              <a:t>Normalize and standardize audio data to ensure uniform input size for CNN training.</a:t>
             </a:r>
           </a:p>
           <a:p>
-            <a:pPr marL="139700" indent="0" algn="just">
-              <a:buNone/>
-            </a:pPr>
+            <a:pPr algn="l"/>
+            <a:endParaRPr lang="en-US" dirty="0"/>
+          </a:p>
+          <a:p>
+            <a:pPr algn="l"/>
+            <a:r>
+              <a:rPr lang="en-US" dirty="0"/>
+              <a:t>Design a CNN architecture with convolutional, pooling, batch normalization, and dense layers </a:t>
+            </a:r>
             <a:r>
               <a:rPr lang="en-IN" dirty="0"/>
-              <a:t>4.OBJECTIVES</a:t>
+              <a:t>for high classification accuracy.</a:t>
             </a:r>
           </a:p>
           <a:p>
-            <a:pPr marL="139700" indent="0" algn="just">
-              <a:buNone/>
-            </a:pPr>
+            <a:pPr algn="l"/>
+            <a:endParaRPr lang="en-US" dirty="0"/>
+          </a:p>
+          <a:p>
+            <a:pPr algn="l"/>
+            <a:r>
+              <a:rPr lang="en-US" dirty="0"/>
+              <a:t>Apply L2 regularization, dropout layers, learning rate adjustments, and early stopping to </a:t>
+            </a:r>
             <a:r>
               <a:rPr lang="en-IN" dirty="0"/>
-              <a:t>5. FOURIER TRANSFORM</a:t>
+              <a:t>prevent overfitting</a:t>
+            </a:r>
+            <a:r>
+              <a:rPr lang="en-US" dirty="0"/>
+              <a:t>.</a:t>
             </a:r>
           </a:p>
           <a:p>
-            <a:pPr marL="139700" indent="0" algn="just">
-              <a:buNone/>
-            </a:pPr>
-            <a:r>
-              <a:rPr lang="en-IN" dirty="0"/>
-              <a:t>6.MEL SPECTROGRAM</a:t>
-            </a:r>
-          </a:p>
-          <a:p>
-            <a:pPr marL="139700" indent="0" algn="just">
-              <a:buNone/>
-            </a:pPr>
-            <a:r>
-              <a:rPr lang="en-IN" dirty="0"/>
-              <a:t> 7.DATA AUGMENTATION</a:t>
-            </a:r>
-          </a:p>
-          <a:p>
-            <a:pPr marL="139700" indent="0" algn="just">
-              <a:buNone/>
-            </a:pPr>
-            <a:r>
-              <a:rPr lang="en-IN" dirty="0"/>
-              <a:t>8.MAX POOLING</a:t>
-            </a:r>
-          </a:p>
-          <a:p>
-            <a:pPr marL="139700" indent="0" algn="just">
-              <a:buNone/>
-            </a:pPr>
-            <a:r>
-              <a:rPr lang="en-IN" dirty="0"/>
-              <a:t>9.METHODOLOGY</a:t>
-            </a:r>
-          </a:p>
-          <a:p>
-            <a:pPr marL="139700" indent="0" algn="just">
-              <a:buNone/>
-            </a:pPr>
-            <a:r>
-              <a:rPr lang="en-IN" dirty="0"/>
-              <a:t>10.DATASET DESCRIPTION</a:t>
-            </a:r>
+            <a:pPr algn="l"/>
+            <a:endParaRPr lang="en-US" dirty="0"/>
           </a:p>
           <a:p>
             <a:pPr marL="139700" indent="0" algn="l">
@@ -41122,16 +41635,12 @@
             </a:pPr>
             <a:endParaRPr lang="en-IN" dirty="0"/>
           </a:p>
-          <a:p>
-            <a:pPr lvl="1"/>
-            <a:endParaRPr lang="en-IN" dirty="0"/>
-          </a:p>
         </p:txBody>
       </p:sp>
     </p:spTree>
     <p:extLst>
       <p:ext uri="{BB962C8B-B14F-4D97-AF65-F5344CB8AC3E}">
-        <p14:creationId xmlns:p14="http://schemas.microsoft.com/office/powerpoint/2010/main" val="2027350593"/>
+        <p14:creationId xmlns:p14="http://schemas.microsoft.com/office/powerpoint/2010/main" val="1945048929"/>
       </p:ext>
     </p:extLst>
   </p:cSld>
@@ -41175,7 +41684,7 @@
           <p:cNvPr id="2" name="Title 1">
             <a:extLst>
               <a:ext uri="{FF2B5EF4-FFF2-40B4-BE49-F238E27FC236}">
-                <a16:creationId xmlns:a16="http://schemas.microsoft.com/office/drawing/2014/main" id="{5C1E4416-7D2C-C9D1-DD4F-0CF7AA95B0A5}"/>
+                <a16:creationId xmlns:a16="http://schemas.microsoft.com/office/drawing/2014/main" id="{EC1226CF-C6E9-02DC-4D8C-5655F92538DD}"/>
               </a:ext>
             </a:extLst>
           </p:cNvPr>
@@ -41192,10 +41701,9 @@
           <a:lstStyle/>
           <a:p>
             <a:r>
-              <a:rPr lang="en-US" sz="2800" dirty="0"/>
-              <a:t>INTRODUCTION</a:t>
+              <a:rPr lang="en-IN" dirty="0"/>
+              <a:t>METHODOLOGY </a:t>
             </a:r>
-            <a:endParaRPr lang="en-IN" dirty="0"/>
           </a:p>
         </p:txBody>
       </p:sp>
@@ -41204,7 +41712,7 @@
           <p:cNvPr id="3" name="Text Placeholder 2">
             <a:extLst>
               <a:ext uri="{FF2B5EF4-FFF2-40B4-BE49-F238E27FC236}">
-                <a16:creationId xmlns:a16="http://schemas.microsoft.com/office/drawing/2014/main" id="{031EFF09-D974-4C5B-90FA-A382D145D8A5}"/>
+                <a16:creationId xmlns:a16="http://schemas.microsoft.com/office/drawing/2014/main" id="{A4B5D62C-D08C-1D3E-69A3-F2E1CDD50BE1}"/>
               </a:ext>
             </a:extLst>
           </p:cNvPr>
@@ -41217,8 +41725,8 @@
         </p:nvSpPr>
         <p:spPr>
           <a:xfrm>
-            <a:off x="720000" y="1329224"/>
-            <a:ext cx="7704000" cy="3202631"/>
+            <a:off x="917784" y="1570257"/>
+            <a:ext cx="7308432" cy="4060923"/>
           </a:xfrm>
         </p:spPr>
         <p:txBody>
@@ -41227,8 +41735,31 @@
           <a:p>
             <a:pPr algn="l"/>
             <a:r>
+              <a:rPr lang="en-IN" b="1" dirty="0"/>
+              <a:t>Dataset Collection -</a:t>
+            </a:r>
+            <a:r>
+              <a:rPr lang="en-IN" dirty="0"/>
+              <a:t> Collection of audio recordings of various musical instruments. This ensures diversity in terms of style, recording condition and instrument types.</a:t>
+            </a:r>
+          </a:p>
+          <a:p>
+            <a:pPr algn="l"/>
+            <a:endParaRPr lang="en-IN" dirty="0"/>
+          </a:p>
+          <a:p>
+            <a:pPr algn="l"/>
+            <a:r>
+              <a:rPr lang="en-IN" b="1" dirty="0"/>
+              <a:t>Preprocessing</a:t>
+            </a:r>
+            <a:r>
+              <a:rPr lang="en-IN" dirty="0"/>
+              <a:t> - Extract .wav files , </a:t>
+            </a:r>
+            <a:r>
               <a:rPr lang="en-US" dirty="0"/>
-              <a:t>In this project, we are developing a musical instrument recognition system using Convolutional Neural Networks (CNNs) to accurately classify and identify musical instruments.</a:t>
+              <a:t>Convert each waveform into a Mel spectrogram , Convert raw spectrogram values to decibel scale , Apply min-max normalization to rescale values between 0 and 1 , Ensuring a fixed input shape of 128*128 pixels.</a:t>
             </a:r>
           </a:p>
           <a:p>
@@ -41238,9 +41769,30 @@
           <a:p>
             <a:pPr algn="l"/>
             <a:r>
+              <a:rPr lang="en-IN" b="1" dirty="0"/>
+              <a:t>Feature Extraction - </a:t>
+            </a:r>
+            <a:r>
               <a:rPr lang="en-US" dirty="0"/>
-              <a:t>By leveraging CNNs' ability to automatically extract and learn features, the system analyzes spectrograms or images of instruments to achieve high accuracy.</a:t>
+              <a:t>Extract Mel spectrograms (time-frequency representations of audio signals) , </a:t>
             </a:r>
+            <a:r>
+              <a:rPr lang="en-IN" dirty="0"/>
+              <a:t>Apply log scaling , </a:t>
+            </a:r>
+            <a:r>
+              <a:rPr lang="en-US" dirty="0"/>
+              <a:t>Convert spectrograms into 2D matrices and reshape them into a (128, 128, 1) format.</a:t>
+            </a:r>
+          </a:p>
+          <a:p>
+            <a:pPr marL="139700" indent="0" algn="l">
+              <a:buNone/>
+            </a:pPr>
+            <a:endParaRPr lang="en-IN" dirty="0"/>
+          </a:p>
+          <a:p>
+            <a:pPr lvl="1"/>
             <a:endParaRPr lang="en-IN" dirty="0"/>
           </a:p>
         </p:txBody>
@@ -41248,7 +41800,7 @@
     </p:spTree>
     <p:extLst>
       <p:ext uri="{BB962C8B-B14F-4D97-AF65-F5344CB8AC3E}">
-        <p14:creationId xmlns:p14="http://schemas.microsoft.com/office/powerpoint/2010/main" val="1055005256"/>
+        <p14:creationId xmlns:p14="http://schemas.microsoft.com/office/powerpoint/2010/main" val="3654488089"/>
       </p:ext>
     </p:extLst>
   </p:cSld>
@@ -41292,7 +41844,7 @@
           <p:cNvPr id="2" name="Title 1">
             <a:extLst>
               <a:ext uri="{FF2B5EF4-FFF2-40B4-BE49-F238E27FC236}">
-                <a16:creationId xmlns:a16="http://schemas.microsoft.com/office/drawing/2014/main" id="{9A386F5D-03BE-427C-74E9-0594FAEE22A0}"/>
+                <a16:creationId xmlns:a16="http://schemas.microsoft.com/office/drawing/2014/main" id="{FBAEE375-6515-5800-D1BA-28FA31753E28}"/>
               </a:ext>
             </a:extLst>
           </p:cNvPr>
@@ -41310,7 +41862,7 @@
           <a:p>
             <a:r>
               <a:rPr lang="en-IN" dirty="0"/>
-              <a:t>LITERATURE REVIEW </a:t>
+              <a:t>  </a:t>
             </a:r>
           </a:p>
         </p:txBody>
@@ -41320,7 +41872,7 @@
           <p:cNvPr id="3" name="Text Placeholder 2">
             <a:extLst>
               <a:ext uri="{FF2B5EF4-FFF2-40B4-BE49-F238E27FC236}">
-                <a16:creationId xmlns:a16="http://schemas.microsoft.com/office/drawing/2014/main" id="{7B6529FD-2CF7-A1F1-8C98-F10CCAA0AD79}"/>
+                <a16:creationId xmlns:a16="http://schemas.microsoft.com/office/drawing/2014/main" id="{C586D80A-4A53-DEAA-89F0-05B88E2F933B}"/>
               </a:ext>
             </a:extLst>
           </p:cNvPr>
@@ -41333,8 +41885,8 @@
         </p:nvSpPr>
         <p:spPr>
           <a:xfrm>
-            <a:off x="720000" y="1321958"/>
-            <a:ext cx="7704000" cy="338400"/>
+            <a:off x="720000" y="1005264"/>
+            <a:ext cx="7704000" cy="4138236"/>
           </a:xfrm>
         </p:spPr>
         <p:txBody>
@@ -41342,598 +41894,217 @@
           <a:lstStyle/>
           <a:p>
             <a:pPr algn="l"/>
+            <a:r>
+              <a:rPr lang="en-IN" b="1" dirty="0"/>
+              <a:t>Model Architecture (CNN) </a:t>
+            </a:r>
+            <a:r>
+              <a:rPr lang="en-IN" dirty="0"/>
+              <a:t>– </a:t>
+            </a:r>
+          </a:p>
+          <a:p>
+            <a:pPr marL="139700" indent="0" algn="l">
+              <a:buNone/>
+            </a:pPr>
+            <a:r>
+              <a:rPr lang="en-IN" dirty="0"/>
+              <a:t>         </a:t>
+            </a:r>
+          </a:p>
+          <a:p>
+            <a:pPr marL="139700" indent="0" algn="l">
+              <a:buNone/>
+            </a:pPr>
+            <a:r>
+              <a:rPr lang="en-IN" dirty="0"/>
+              <a:t>         Input Shape: (128,128,1).</a:t>
+            </a:r>
+          </a:p>
+          <a:p>
+            <a:pPr marL="139700" indent="0" algn="l">
+              <a:buNone/>
+            </a:pPr>
+            <a:r>
+              <a:rPr lang="en-IN" dirty="0"/>
+              <a:t>	</a:t>
+            </a:r>
+          </a:p>
+          <a:p>
+            <a:pPr marL="139700" indent="0" algn="l">
+              <a:buNone/>
+            </a:pPr>
+            <a:r>
+              <a:rPr lang="en-IN" dirty="0"/>
+              <a:t>         Architecture Design: </a:t>
+            </a:r>
+            <a:r>
+              <a:rPr lang="en-US" dirty="0"/>
+              <a:t>Three Conv2D layers with </a:t>
+            </a:r>
+            <a:r>
+              <a:rPr lang="en-US" dirty="0" err="1"/>
+              <a:t>ReLU</a:t>
+            </a:r>
+            <a:r>
+              <a:rPr lang="en-US" dirty="0"/>
+              <a:t> activation , Kernal size of (3,3).</a:t>
+            </a:r>
+          </a:p>
+          <a:p>
+            <a:pPr marL="139700" indent="0" algn="l">
+              <a:buNone/>
+            </a:pPr>
+            <a:endParaRPr lang="en-US" dirty="0"/>
+          </a:p>
+          <a:p>
+            <a:pPr marL="139700" indent="0" algn="l">
+              <a:buNone/>
+            </a:pPr>
+            <a:r>
+              <a:rPr lang="en-US" dirty="0"/>
+              <a:t>         </a:t>
+            </a:r>
+            <a:r>
+              <a:rPr lang="en-IN" dirty="0"/>
+              <a:t>Batch Normalization &amp; Max Pooling:</a:t>
+            </a:r>
+            <a:r>
+              <a:rPr lang="en-US" dirty="0"/>
+              <a:t> Batch Normalization Normalizes activations for stable</a:t>
+            </a:r>
+          </a:p>
+          <a:p>
+            <a:pPr marL="139700" indent="0" algn="l">
+              <a:buNone/>
+            </a:pPr>
+            <a:r>
+              <a:rPr lang="en-US" dirty="0"/>
+              <a:t>         training , MaxPooling2D Down samples feature maps to reduce computational complexity.</a:t>
+            </a:r>
+          </a:p>
+          <a:p>
+            <a:pPr marL="139700" indent="0" algn="l">
+              <a:buNone/>
+            </a:pPr>
+            <a:endParaRPr lang="en-US" dirty="0"/>
+          </a:p>
+          <a:p>
+            <a:pPr marL="139700" indent="0" algn="l">
+              <a:buNone/>
+            </a:pPr>
+            <a:r>
+              <a:rPr lang="en-US" dirty="0"/>
+              <a:t>         </a:t>
+            </a:r>
+            <a:r>
+              <a:rPr lang="en-IN" dirty="0"/>
+              <a:t>Global Average Pooling:</a:t>
+            </a:r>
+            <a:r>
+              <a:rPr lang="en-US" dirty="0"/>
+              <a:t> Replaces Flattening to reduce overfitting.</a:t>
+            </a:r>
+          </a:p>
+          <a:p>
+            <a:pPr marL="139700" indent="0" algn="l">
+              <a:buNone/>
+            </a:pPr>
+            <a:endParaRPr lang="en-US" dirty="0"/>
+          </a:p>
+          <a:p>
+            <a:pPr marL="139700" indent="0" algn="l">
+              <a:buNone/>
+            </a:pPr>
+            <a:r>
+              <a:rPr lang="en-US" dirty="0"/>
+              <a:t>         </a:t>
+            </a:r>
+            <a:r>
+              <a:rPr lang="en-IN" dirty="0"/>
+              <a:t>Fully Connected (Dense) Layers: </a:t>
+            </a:r>
+            <a:r>
+              <a:rPr lang="en-US" dirty="0"/>
+              <a:t>Dense layer with 256 neurons using </a:t>
+            </a:r>
+            <a:r>
+              <a:rPr lang="en-US" dirty="0" err="1"/>
+              <a:t>ReLu</a:t>
+            </a:r>
+            <a:r>
+              <a:rPr lang="en-US" dirty="0"/>
+              <a:t> , </a:t>
+            </a:r>
+            <a:r>
+              <a:rPr lang="en-IN" dirty="0"/>
+              <a:t>Dropout (50%) to </a:t>
+            </a:r>
+          </a:p>
+          <a:p>
+            <a:pPr marL="139700" indent="0" algn="l">
+              <a:buNone/>
+            </a:pPr>
+            <a:r>
+              <a:rPr lang="en-IN" dirty="0"/>
+              <a:t>         prevent overfitting.</a:t>
+            </a:r>
+          </a:p>
+          <a:p>
+            <a:pPr marL="139700" indent="0" algn="l">
+              <a:buNone/>
+            </a:pPr>
             <a:endParaRPr lang="en-IN" dirty="0"/>
           </a:p>
           <a:p>
-            <a:pPr algn="l"/>
+            <a:pPr marL="139700" indent="0" algn="l">
+              <a:buNone/>
+            </a:pPr>
+            <a:r>
+              <a:rPr lang="en-IN" dirty="0"/>
+              <a:t>         Output Layer: </a:t>
+            </a:r>
+            <a:r>
+              <a:rPr lang="en-US" dirty="0"/>
+              <a:t>Soft max activation for multi-class classification.</a:t>
+            </a:r>
+          </a:p>
+          <a:p>
+            <a:pPr marL="139700" indent="0" algn="l">
+              <a:buNone/>
+            </a:pPr>
+            <a:endParaRPr lang="en-US" dirty="0"/>
+          </a:p>
+          <a:p>
+            <a:pPr marL="139700" indent="0" algn="l">
+              <a:buNone/>
+            </a:pPr>
+            <a:endParaRPr lang="en-US" dirty="0"/>
+          </a:p>
+          <a:p>
+            <a:pPr lvl="1"/>
+            <a:endParaRPr lang="en-US" dirty="0"/>
+          </a:p>
+          <a:p>
+            <a:pPr lvl="1"/>
+            <a:endParaRPr lang="en-US" dirty="0"/>
+          </a:p>
+          <a:p>
+            <a:pPr lvl="1"/>
             <a:endParaRPr lang="en-IN" dirty="0"/>
           </a:p>
           <a:p>
-            <a:pPr algn="l"/>
-            <a:endParaRPr lang="en-IN" dirty="0"/>
-          </a:p>
-          <a:p>
-            <a:pPr algn="l"/>
-            <a:endParaRPr lang="en-IN" dirty="0"/>
-          </a:p>
-          <a:p>
-            <a:pPr algn="l"/>
-            <a:endParaRPr lang="en-IN" dirty="0"/>
-          </a:p>
-          <a:p>
-            <a:pPr algn="l"/>
-            <a:endParaRPr lang="en-IN" dirty="0"/>
-          </a:p>
-          <a:p>
-            <a:pPr algn="l"/>
-            <a:endParaRPr lang="en-IN" dirty="0"/>
-          </a:p>
-          <a:p>
-            <a:pPr algn="l"/>
-            <a:endParaRPr lang="en-IN" dirty="0"/>
-          </a:p>
-          <a:p>
-            <a:pPr algn="l"/>
-            <a:endParaRPr lang="en-IN" dirty="0"/>
-          </a:p>
-          <a:p>
-            <a:pPr algn="l"/>
-            <a:endParaRPr lang="en-IN" dirty="0"/>
-          </a:p>
-          <a:p>
-            <a:pPr algn="l"/>
-            <a:endParaRPr lang="en-IN" dirty="0"/>
-          </a:p>
-          <a:p>
-            <a:pPr algn="l"/>
-            <a:endParaRPr lang="en-IN" dirty="0"/>
-          </a:p>
-          <a:p>
-            <a:pPr algn="l"/>
-            <a:endParaRPr lang="en-IN" dirty="0"/>
-          </a:p>
-          <a:p>
-            <a:pPr algn="l"/>
-            <a:endParaRPr lang="en-IN" dirty="0"/>
-          </a:p>
-          <a:p>
-            <a:pPr algn="l"/>
-            <a:endParaRPr lang="en-IN" dirty="0"/>
-          </a:p>
-          <a:p>
-            <a:pPr algn="l"/>
-            <a:endParaRPr lang="en-IN" dirty="0"/>
-          </a:p>
-          <a:p>
-            <a:pPr algn="l"/>
-            <a:endParaRPr lang="en-IN" dirty="0"/>
-          </a:p>
-          <a:p>
-            <a:pPr algn="l"/>
-            <a:endParaRPr lang="en-IN" dirty="0"/>
-          </a:p>
-          <a:p>
-            <a:pPr algn="l"/>
-            <a:endParaRPr lang="en-IN" dirty="0"/>
-          </a:p>
-          <a:p>
-            <a:pPr algn="l"/>
-            <a:endParaRPr lang="en-IN" dirty="0"/>
-          </a:p>
-          <a:p>
-            <a:pPr algn="l"/>
-            <a:endParaRPr lang="en-IN" dirty="0"/>
-          </a:p>
-          <a:p>
-            <a:pPr algn="l"/>
-            <a:endParaRPr lang="en-IN" dirty="0"/>
-          </a:p>
-          <a:p>
-            <a:pPr algn="l"/>
-            <a:endParaRPr lang="en-IN" dirty="0"/>
-          </a:p>
-          <a:p>
-            <a:pPr algn="l"/>
-            <a:endParaRPr lang="en-IN" dirty="0"/>
-          </a:p>
-          <a:p>
-            <a:pPr algn="l"/>
-            <a:endParaRPr lang="en-IN" dirty="0"/>
-          </a:p>
-          <a:p>
-            <a:pPr algn="l"/>
-            <a:endParaRPr lang="en-IN" dirty="0"/>
-          </a:p>
-          <a:p>
-            <a:pPr algn="l"/>
-            <a:endParaRPr lang="en-IN" dirty="0"/>
-          </a:p>
-          <a:p>
-            <a:pPr algn="l"/>
-            <a:endParaRPr lang="en-IN" dirty="0"/>
-          </a:p>
-          <a:p>
-            <a:pPr algn="l"/>
-            <a:endParaRPr lang="en-IN" dirty="0"/>
-          </a:p>
-          <a:p>
-            <a:pPr algn="l"/>
-            <a:endParaRPr lang="en-IN" dirty="0"/>
-          </a:p>
-          <a:p>
-            <a:pPr algn="l"/>
-            <a:endParaRPr lang="en-IN" dirty="0"/>
-          </a:p>
-          <a:p>
-            <a:pPr algn="l"/>
+            <a:pPr marL="596900" lvl="1" indent="0">
+              <a:buNone/>
+            </a:pPr>
             <a:endParaRPr lang="en-IN" dirty="0"/>
           </a:p>
         </p:txBody>
       </p:sp>
-      <p:graphicFrame>
-        <p:nvGraphicFramePr>
-          <p:cNvPr id="4" name="Table 3">
-            <a:extLst>
-              <a:ext uri="{FF2B5EF4-FFF2-40B4-BE49-F238E27FC236}">
-                <a16:creationId xmlns:a16="http://schemas.microsoft.com/office/drawing/2014/main" id="{758FE06B-6051-3D02-B55E-44010607B3EA}"/>
-              </a:ext>
-            </a:extLst>
-          </p:cNvPr>
-          <p:cNvGraphicFramePr>
-            <a:graphicFrameLocks noGrp="1"/>
-          </p:cNvGraphicFramePr>
-          <p:nvPr>
-            <p:extLst>
-              <p:ext uri="{D42A27DB-BD31-4B8C-83A1-F6EECF244321}">
-                <p14:modId xmlns:p14="http://schemas.microsoft.com/office/powerpoint/2010/main" val="2448858035"/>
-              </p:ext>
-            </p:extLst>
-          </p:nvPr>
-        </p:nvGraphicFramePr>
-        <p:xfrm>
-          <a:off x="1233376" y="1337814"/>
-          <a:ext cx="6677248" cy="3205124"/>
-        </p:xfrm>
-        <a:graphic>
-          <a:graphicData uri="http://schemas.openxmlformats.org/drawingml/2006/table">
-            <a:tbl>
-              <a:tblPr firstRow="1" bandRow="1">
-                <a:tableStyleId>{55DB94A2-9833-402A-A6B4-F6B6AF0C4573}</a:tableStyleId>
-              </a:tblPr>
-              <a:tblGrid>
-                <a:gridCol w="531629">
-                  <a:extLst>
-                    <a:ext uri="{9D8B030D-6E8A-4147-A177-3AD203B41FA5}">
-                      <a16:colId xmlns:a16="http://schemas.microsoft.com/office/drawing/2014/main" val="582697223"/>
-                    </a:ext>
-                  </a:extLst>
-                </a:gridCol>
-                <a:gridCol w="2424223">
-                  <a:extLst>
-                    <a:ext uri="{9D8B030D-6E8A-4147-A177-3AD203B41FA5}">
-                      <a16:colId xmlns:a16="http://schemas.microsoft.com/office/drawing/2014/main" val="1358001625"/>
-                    </a:ext>
-                  </a:extLst>
-                </a:gridCol>
-                <a:gridCol w="2190307">
-                  <a:extLst>
-                    <a:ext uri="{9D8B030D-6E8A-4147-A177-3AD203B41FA5}">
-                      <a16:colId xmlns:a16="http://schemas.microsoft.com/office/drawing/2014/main" val="3454366718"/>
-                    </a:ext>
-                  </a:extLst>
-                </a:gridCol>
-                <a:gridCol w="1531089">
-                  <a:extLst>
-                    <a:ext uri="{9D8B030D-6E8A-4147-A177-3AD203B41FA5}">
-                      <a16:colId xmlns:a16="http://schemas.microsoft.com/office/drawing/2014/main" val="2081358615"/>
-                    </a:ext>
-                  </a:extLst>
-                </a:gridCol>
-              </a:tblGrid>
-              <a:tr h="370484">
-                <a:tc>
-                  <a:txBody>
-                    <a:bodyPr/>
-                    <a:lstStyle/>
-                    <a:p>
-                      <a:pPr algn="ctr"/>
-                      <a:r>
-                        <a:rPr lang="en-IN" dirty="0">
-                          <a:solidFill>
-                            <a:schemeClr val="tx1">
-                              <a:lumMod val="75000"/>
-                            </a:schemeClr>
-                          </a:solidFill>
-                          <a:latin typeface="Didact Gothic" panose="00000500000000000000" pitchFamily="2" charset="0"/>
-                        </a:rPr>
-                        <a:t>S.no</a:t>
-                      </a:r>
-                    </a:p>
-                  </a:txBody>
-                  <a:tcPr/>
-                </a:tc>
-                <a:tc>
-                  <a:txBody>
-                    <a:bodyPr/>
-                    <a:lstStyle/>
-                    <a:p>
-                      <a:pPr algn="ctr"/>
-                      <a:r>
-                        <a:rPr lang="en-IN" dirty="0">
-                          <a:solidFill>
-                            <a:schemeClr val="tx1">
-                              <a:lumMod val="75000"/>
-                            </a:schemeClr>
-                          </a:solidFill>
-                          <a:latin typeface="Didact Gothic" panose="00000500000000000000" pitchFamily="2" charset="0"/>
-                        </a:rPr>
-                        <a:t>Research Paper</a:t>
-                      </a:r>
-                    </a:p>
-                  </a:txBody>
-                  <a:tcPr/>
-                </a:tc>
-                <a:tc>
-                  <a:txBody>
-                    <a:bodyPr/>
-                    <a:lstStyle/>
-                    <a:p>
-                      <a:pPr algn="ctr"/>
-                      <a:r>
-                        <a:rPr lang="en-IN" dirty="0">
-                          <a:solidFill>
-                            <a:schemeClr val="tx1">
-                              <a:lumMod val="75000"/>
-                            </a:schemeClr>
-                          </a:solidFill>
-                          <a:latin typeface="Didact Gothic" panose="00000500000000000000" pitchFamily="2" charset="0"/>
-                        </a:rPr>
-                        <a:t>Methodology</a:t>
-                      </a:r>
-                    </a:p>
-                  </a:txBody>
-                  <a:tcPr/>
-                </a:tc>
-                <a:tc>
-                  <a:txBody>
-                    <a:bodyPr/>
-                    <a:lstStyle/>
-                    <a:p>
-                      <a:pPr algn="ctr"/>
-                      <a:r>
-                        <a:rPr lang="en-IN" dirty="0">
-                          <a:solidFill>
-                            <a:schemeClr val="tx1">
-                              <a:lumMod val="75000"/>
-                            </a:schemeClr>
-                          </a:solidFill>
-                          <a:latin typeface="Didact Gothic" panose="00000500000000000000" pitchFamily="2" charset="0"/>
-                        </a:rPr>
-                        <a:t>Contribution</a:t>
-                      </a:r>
-                    </a:p>
-                  </a:txBody>
-                  <a:tcPr/>
-                </a:tc>
-                <a:extLst>
-                  <a:ext uri="{0D108BD9-81ED-4DB2-BD59-A6C34878D82A}">
-                    <a16:rowId xmlns:a16="http://schemas.microsoft.com/office/drawing/2014/main" val="2425878512"/>
-                  </a:ext>
-                </a:extLst>
-              </a:tr>
-              <a:tr h="649237">
-                <a:tc>
-                  <a:txBody>
-                    <a:bodyPr/>
-                    <a:lstStyle/>
-                    <a:p>
-                      <a:pPr algn="ctr"/>
-                      <a:r>
-                        <a:rPr lang="en-IN" dirty="0">
-                          <a:solidFill>
-                            <a:schemeClr val="tx1">
-                              <a:lumMod val="75000"/>
-                            </a:schemeClr>
-                          </a:solidFill>
-                          <a:latin typeface="Didact Gothic" panose="00000500000000000000" pitchFamily="2" charset="0"/>
-                        </a:rPr>
-                        <a:t>1</a:t>
-                      </a:r>
-                    </a:p>
-                  </a:txBody>
-                  <a:tcPr/>
-                </a:tc>
-                <a:tc>
-                  <a:txBody>
-                    <a:bodyPr/>
-                    <a:lstStyle/>
-                    <a:p>
-                      <a:pPr algn="ctr"/>
-                      <a:r>
-                        <a:rPr lang="en-US" dirty="0">
-                          <a:solidFill>
-                            <a:schemeClr val="tx1">
-                              <a:lumMod val="75000"/>
-                            </a:schemeClr>
-                          </a:solidFill>
-                          <a:latin typeface="Didact Gothic" panose="00000500000000000000" pitchFamily="2" charset="0"/>
-                        </a:rPr>
-                        <a:t>Audio Signal Processing and Musical Instrument Detection using Deep Learning Techniques(2021)</a:t>
-                      </a:r>
-                      <a:endParaRPr lang="en-IN" dirty="0">
-                        <a:solidFill>
-                          <a:schemeClr val="tx1">
-                            <a:lumMod val="75000"/>
-                          </a:schemeClr>
-                        </a:solidFill>
-                        <a:latin typeface="Didact Gothic" panose="00000500000000000000" pitchFamily="2" charset="0"/>
-                      </a:endParaRPr>
-                    </a:p>
-                  </a:txBody>
-                  <a:tcPr/>
-                </a:tc>
-                <a:tc>
-                  <a:txBody>
-                    <a:bodyPr/>
-                    <a:lstStyle/>
-                    <a:p>
-                      <a:pPr algn="ctr"/>
-                      <a:r>
-                        <a:rPr lang="en-IN" dirty="0">
-                          <a:solidFill>
-                            <a:schemeClr val="tx1">
-                              <a:lumMod val="75000"/>
-                            </a:schemeClr>
-                          </a:solidFill>
-                          <a:latin typeface="Didact Gothic" panose="00000500000000000000" pitchFamily="2" charset="0"/>
-                        </a:rPr>
-                        <a:t>Using Convolutional Neural Networks (CNNs) With Short-Time Fourier Transform (STFT)</a:t>
-                      </a:r>
-                    </a:p>
-                  </a:txBody>
-                  <a:tcPr/>
-                </a:tc>
-                <a:tc>
-                  <a:txBody>
-                    <a:bodyPr/>
-                    <a:lstStyle/>
-                    <a:p>
-                      <a:pPr algn="ctr"/>
-                      <a:r>
-                        <a:rPr lang="en-IN" dirty="0">
-                          <a:solidFill>
-                            <a:schemeClr val="tx1">
-                              <a:lumMod val="75000"/>
-                            </a:schemeClr>
-                          </a:solidFill>
-                          <a:latin typeface="Didact Gothic" panose="00000500000000000000" pitchFamily="2" charset="0"/>
-                        </a:rPr>
-                        <a:t>Short-Time Fourier Transform (STFT)</a:t>
-                      </a:r>
-                    </a:p>
-                  </a:txBody>
-                  <a:tcPr/>
-                </a:tc>
-                <a:extLst>
-                  <a:ext uri="{0D108BD9-81ED-4DB2-BD59-A6C34878D82A}">
-                    <a16:rowId xmlns:a16="http://schemas.microsoft.com/office/drawing/2014/main" val="2796806687"/>
-                  </a:ext>
-                </a:extLst>
-              </a:tr>
-              <a:tr h="658452">
-                <a:tc>
-                  <a:txBody>
-                    <a:bodyPr/>
-                    <a:lstStyle/>
-                    <a:p>
-                      <a:pPr algn="ctr"/>
-                      <a:r>
-                        <a:rPr lang="en-IN" dirty="0">
-                          <a:solidFill>
-                            <a:schemeClr val="tx1">
-                              <a:lumMod val="75000"/>
-                            </a:schemeClr>
-                          </a:solidFill>
-                          <a:latin typeface="Didact Gothic" panose="00000500000000000000" pitchFamily="2" charset="0"/>
-                        </a:rPr>
-                        <a:t>2</a:t>
-                      </a:r>
-                    </a:p>
-                  </a:txBody>
-                  <a:tcPr/>
-                </a:tc>
-                <a:tc>
-                  <a:txBody>
-                    <a:bodyPr/>
-                    <a:lstStyle/>
-                    <a:p>
-                      <a:pPr algn="ctr"/>
-                      <a:r>
-                        <a:rPr lang="en-US" dirty="0">
-                          <a:solidFill>
-                            <a:schemeClr val="tx1">
-                              <a:lumMod val="75000"/>
-                            </a:schemeClr>
-                          </a:solidFill>
-                          <a:latin typeface="Didact Gothic" panose="00000500000000000000" pitchFamily="2" charset="0"/>
-                        </a:rPr>
-                        <a:t>Music and Instrument Classification using Deep Learning(2019)</a:t>
-                      </a:r>
-                      <a:endParaRPr lang="en-IN" dirty="0">
-                        <a:solidFill>
-                          <a:schemeClr val="tx1">
-                            <a:lumMod val="75000"/>
-                          </a:schemeClr>
-                        </a:solidFill>
-                        <a:latin typeface="Didact Gothic" panose="00000500000000000000" pitchFamily="2" charset="0"/>
-                      </a:endParaRPr>
-                    </a:p>
-                  </a:txBody>
-                  <a:tcPr/>
-                </a:tc>
-                <a:tc>
-                  <a:txBody>
-                    <a:bodyPr/>
-                    <a:lstStyle/>
-                    <a:p>
-                      <a:pPr algn="ctr"/>
-                      <a:r>
-                        <a:rPr lang="en-IN" dirty="0">
-                          <a:solidFill>
-                            <a:schemeClr val="tx1">
-                              <a:lumMod val="75000"/>
-                            </a:schemeClr>
-                          </a:solidFill>
-                          <a:latin typeface="Didact Gothic" panose="00000500000000000000" pitchFamily="2" charset="0"/>
-                        </a:rPr>
-                        <a:t>Using Convolutional Neural Networks (CNNs)  With Mel-Spectrograms</a:t>
-                      </a:r>
-                    </a:p>
-                  </a:txBody>
-                  <a:tcPr/>
-                </a:tc>
-                <a:tc>
-                  <a:txBody>
-                    <a:bodyPr/>
-                    <a:lstStyle/>
-                    <a:p>
-                      <a:pPr algn="ctr"/>
-                      <a:r>
-                        <a:rPr lang="en-IN" dirty="0">
-                          <a:solidFill>
-                            <a:schemeClr val="tx1">
-                              <a:lumMod val="75000"/>
-                            </a:schemeClr>
-                          </a:solidFill>
-                          <a:latin typeface="Didact Gothic" panose="00000500000000000000" pitchFamily="2" charset="0"/>
-                        </a:rPr>
-                        <a:t>Mel-Spectrograms</a:t>
-                      </a:r>
-                    </a:p>
-                  </a:txBody>
-                  <a:tcPr/>
-                </a:tc>
-                <a:extLst>
-                  <a:ext uri="{0D108BD9-81ED-4DB2-BD59-A6C34878D82A}">
-                    <a16:rowId xmlns:a16="http://schemas.microsoft.com/office/drawing/2014/main" val="2894167102"/>
-                  </a:ext>
-                </a:extLst>
-              </a:tr>
-              <a:tr h="689873">
-                <a:tc>
-                  <a:txBody>
-                    <a:bodyPr/>
-                    <a:lstStyle/>
-                    <a:p>
-                      <a:pPr algn="ctr"/>
-                      <a:r>
-                        <a:rPr lang="en-IN" dirty="0">
-                          <a:solidFill>
-                            <a:schemeClr val="tx1">
-                              <a:lumMod val="75000"/>
-                            </a:schemeClr>
-                          </a:solidFill>
-                          <a:latin typeface="Didact Gothic" panose="00000500000000000000" pitchFamily="2" charset="0"/>
-                        </a:rPr>
-                        <a:t>3</a:t>
-                      </a:r>
-                    </a:p>
-                  </a:txBody>
-                  <a:tcPr/>
-                </a:tc>
-                <a:tc>
-                  <a:txBody>
-                    <a:bodyPr/>
-                    <a:lstStyle/>
-                    <a:p>
-                      <a:pPr algn="ctr"/>
-                      <a:r>
-                        <a:rPr lang="en-US" dirty="0">
-                          <a:solidFill>
-                            <a:schemeClr val="tx1">
-                              <a:lumMod val="75000"/>
-                            </a:schemeClr>
-                          </a:solidFill>
-                          <a:latin typeface="Didact Gothic" panose="00000500000000000000" pitchFamily="2" charset="0"/>
-                        </a:rPr>
-                        <a:t>Music Instrument Recognition using Deep Convolutional Neural Networks(2019)</a:t>
-                      </a:r>
-                      <a:endParaRPr lang="en-IN" dirty="0">
-                        <a:solidFill>
-                          <a:schemeClr val="tx1">
-                            <a:lumMod val="75000"/>
-                          </a:schemeClr>
-                        </a:solidFill>
-                        <a:latin typeface="Didact Gothic" panose="00000500000000000000" pitchFamily="2" charset="0"/>
-                      </a:endParaRPr>
-                    </a:p>
-                  </a:txBody>
-                  <a:tcPr/>
-                </a:tc>
-                <a:tc>
-                  <a:txBody>
-                    <a:bodyPr/>
-                    <a:lstStyle/>
-                    <a:p>
-                      <a:pPr algn="ctr"/>
-                      <a:r>
-                        <a:rPr lang="en-US" dirty="0">
-                          <a:solidFill>
-                            <a:schemeClr val="tx1">
-                              <a:lumMod val="75000"/>
-                            </a:schemeClr>
-                          </a:solidFill>
-                          <a:latin typeface="Didact Gothic" panose="00000500000000000000" pitchFamily="2" charset="0"/>
-                        </a:rPr>
-                        <a:t>Using 8-Layer Deep Convolutional Neural Network For Predominant Instrument Recognition In Polyphonic Music</a:t>
-                      </a:r>
-                      <a:endParaRPr lang="en-IN" dirty="0">
-                        <a:solidFill>
-                          <a:schemeClr val="tx1">
-                            <a:lumMod val="75000"/>
-                          </a:schemeClr>
-                        </a:solidFill>
-                        <a:latin typeface="Didact Gothic" panose="00000500000000000000" pitchFamily="2" charset="0"/>
-                      </a:endParaRPr>
-                    </a:p>
-                  </a:txBody>
-                  <a:tcPr/>
-                </a:tc>
-                <a:tc>
-                  <a:txBody>
-                    <a:bodyPr/>
-                    <a:lstStyle/>
-                    <a:p>
-                      <a:pPr algn="ctr"/>
-                      <a:r>
-                        <a:rPr lang="en-IN" dirty="0">
-                          <a:solidFill>
-                            <a:schemeClr val="tx1">
-                              <a:lumMod val="75000"/>
-                            </a:schemeClr>
-                          </a:solidFill>
-                          <a:latin typeface="Didact Gothic" panose="00000500000000000000" pitchFamily="2" charset="0"/>
-                        </a:rPr>
-                        <a:t>Max Pooling</a:t>
-                      </a:r>
-                    </a:p>
-                  </a:txBody>
-                  <a:tcPr/>
-                </a:tc>
-                <a:extLst>
-                  <a:ext uri="{0D108BD9-81ED-4DB2-BD59-A6C34878D82A}">
-                    <a16:rowId xmlns:a16="http://schemas.microsoft.com/office/drawing/2014/main" val="2783688212"/>
-                  </a:ext>
-                </a:extLst>
-              </a:tr>
-            </a:tbl>
-          </a:graphicData>
-        </a:graphic>
-      </p:graphicFrame>
     </p:spTree>
     <p:extLst>
       <p:ext uri="{BB962C8B-B14F-4D97-AF65-F5344CB8AC3E}">
-        <p14:creationId xmlns:p14="http://schemas.microsoft.com/office/powerpoint/2010/main" val="1940279799"/>
+        <p14:creationId xmlns:p14="http://schemas.microsoft.com/office/powerpoint/2010/main" val="4079294580"/>
       </p:ext>
     </p:extLst>
   </p:cSld>
@@ -41974,38 +42145,10 @@
       </p:grpSpPr>
       <p:sp>
         <p:nvSpPr>
-          <p:cNvPr id="2" name="Title 1">
-            <a:extLst>
-              <a:ext uri="{FF2B5EF4-FFF2-40B4-BE49-F238E27FC236}">
-                <a16:creationId xmlns:a16="http://schemas.microsoft.com/office/drawing/2014/main" id="{E792999D-531F-687A-45C7-E7091FDBC9AA}"/>
-              </a:ext>
-            </a:extLst>
-          </p:cNvPr>
-          <p:cNvSpPr>
-            <a:spLocks noGrp="1"/>
-          </p:cNvSpPr>
-          <p:nvPr>
-            <p:ph type="title"/>
-          </p:nvPr>
-        </p:nvSpPr>
-        <p:spPr/>
-        <p:txBody>
-          <a:bodyPr/>
-          <a:lstStyle/>
-          <a:p>
-            <a:r>
-              <a:rPr lang="en-IN" dirty="0"/>
-              <a:t>RESEARCH GAP</a:t>
-            </a:r>
-          </a:p>
-        </p:txBody>
-      </p:sp>
-      <p:sp>
-        <p:nvSpPr>
           <p:cNvPr id="3" name="Text Placeholder 2">
             <a:extLst>
               <a:ext uri="{FF2B5EF4-FFF2-40B4-BE49-F238E27FC236}">
-                <a16:creationId xmlns:a16="http://schemas.microsoft.com/office/drawing/2014/main" id="{55E68144-7010-8F3A-32BC-82BE07F39452}"/>
+                <a16:creationId xmlns:a16="http://schemas.microsoft.com/office/drawing/2014/main" id="{6BD9BC9C-1BE9-8A7E-135B-604EDDD74E36}"/>
               </a:ext>
             </a:extLst>
           </p:cNvPr>
@@ -42016,50 +42159,78 @@
             <p:ph type="body" idx="1"/>
           </p:nvPr>
         </p:nvSpPr>
-        <p:spPr>
-          <a:xfrm>
-            <a:off x="720000" y="1232749"/>
-            <a:ext cx="7704000" cy="3789760"/>
-          </a:xfrm>
-        </p:spPr>
+        <p:spPr/>
         <p:txBody>
           <a:bodyPr/>
           <a:lstStyle/>
           <a:p>
-            <a:pPr algn="l"/>
+            <a:pPr algn="just"/>
             <a:r>
-              <a:rPr lang="en-US" dirty="0"/>
-              <a:t>Challenges with Real-World Audio Data – Models trained on studio-recorded sounds struggle with noisy environments, requiring better noise  in feature extraction and classification​</a:t>
+              <a:rPr lang="en-IN" b="1" dirty="0"/>
+              <a:t>Model Compilation &amp; Training:</a:t>
             </a:r>
           </a:p>
           <a:p>
-            <a:pPr algn="l"/>
+            <a:pPr marL="139700" indent="0" algn="just">
+              <a:buNone/>
+            </a:pPr>
+            <a:endParaRPr lang="en-IN" dirty="0"/>
+          </a:p>
+          <a:p>
+            <a:pPr marL="139700" indent="0" algn="just">
+              <a:buNone/>
+            </a:pPr>
             <a:r>
-              <a:rPr lang="en-US" dirty="0"/>
-              <a:t>MFCCs May Not Be Optimal for Instrument Classification – MFCCs compress spectral data and may not capture fine-grained timbral features.</a:t>
+              <a:rPr lang="en-IN" dirty="0"/>
+              <a:t>         Optimizer: Adam (learning rate  = 0.0005) for efficient weight updates.</a:t>
             </a:r>
           </a:p>
           <a:p>
-            <a:pPr algn="l"/>
+            <a:pPr marL="139700" indent="0" algn="just">
+              <a:buNone/>
+            </a:pPr>
+            <a:endParaRPr lang="en-IN" dirty="0"/>
+          </a:p>
+          <a:p>
+            <a:pPr marL="139700" indent="0" algn="just">
+              <a:buNone/>
+            </a:pPr>
+            <a:r>
+              <a:rPr lang="en-IN" dirty="0"/>
+              <a:t>         Callbacks for Optimization: </a:t>
+            </a:r>
+            <a:r>
+              <a:rPr lang="en-US" dirty="0" err="1"/>
+              <a:t>ReduceLROnPlateau</a:t>
+            </a:r>
             <a:r>
               <a:rPr lang="en-US" dirty="0"/>
-              <a:t>Lack of Data Augmentation Techniques – Many models are trained without augmentation, making them sensitive to variations in recording conditions​.</a:t>
+              <a:t> (reduce learning rate when loss plateaus) ,  </a:t>
             </a:r>
           </a:p>
           <a:p>
-            <a:pPr algn="l"/>
+            <a:pPr marL="139700" indent="0" algn="just">
+              <a:buNone/>
+            </a:pPr>
             <a:r>
               <a:rPr lang="en-US" dirty="0"/>
-              <a:t>Pooling Strategies in CNNs Need Further Optimization – Max pooling is commonly used, but alternative pooling methods (e.g., global average pooling, adaptive pooling) *may* improve performance​</a:t>
+              <a:t>         </a:t>
             </a:r>
-            <a:endParaRPr lang="en-IN" dirty="0"/>
+            <a:r>
+              <a:rPr lang="en-US" dirty="0" err="1"/>
+              <a:t>EarlyStopping</a:t>
+            </a:r>
+            <a:r>
+              <a:rPr lang="en-US" dirty="0"/>
+              <a:t> (stops training if validation loss doesn’t improve).</a:t>
+            </a:r>
           </a:p>
         </p:txBody>
       </p:sp>
     </p:spTree>
     <p:extLst>
       <p:ext uri="{BB962C8B-B14F-4D97-AF65-F5344CB8AC3E}">
-        <p14:creationId xmlns:p14="http://schemas.microsoft.com/office/powerpoint/2010/main" val="2374784190"/>
+        <p14:creationId xmlns:p14="http://schemas.microsoft.com/office/powerpoint/2010/main" val="3967994020"/>
       </p:ext>
     </p:extLst>
   </p:cSld>
@@ -42103,7 +42274,7 @@
           <p:cNvPr id="2" name="Title 1">
             <a:extLst>
               <a:ext uri="{FF2B5EF4-FFF2-40B4-BE49-F238E27FC236}">
-                <a16:creationId xmlns:a16="http://schemas.microsoft.com/office/drawing/2014/main" id="{C05C2605-FF26-9116-8601-829D60017581}"/>
+                <a16:creationId xmlns:a16="http://schemas.microsoft.com/office/drawing/2014/main" id="{40FA4DE8-109E-E8B1-D1FF-FB5D4A9D2EE3}"/>
               </a:ext>
             </a:extLst>
           </p:cNvPr>
@@ -42114,16 +42285,20 @@
             <p:ph type="title"/>
           </p:nvPr>
         </p:nvSpPr>
-        <p:spPr/>
+        <p:spPr>
+          <a:xfrm>
+            <a:off x="720000" y="664481"/>
+            <a:ext cx="7704000" cy="572700"/>
+          </a:xfrm>
+        </p:spPr>
         <p:txBody>
           <a:bodyPr/>
           <a:lstStyle/>
           <a:p>
             <a:r>
-              <a:rPr lang="en-US" dirty="0"/>
-              <a:t>OBJECTIVES </a:t>
+              <a:rPr lang="en-IN" dirty="0"/>
+              <a:t>Short-Time Fourier Transform (STFT)</a:t>
             </a:r>
-            <a:endParaRPr lang="en-IN" dirty="0"/>
           </a:p>
         </p:txBody>
       </p:sp>
@@ -42132,7 +42307,7 @@
           <p:cNvPr id="3" name="Text Placeholder 2">
             <a:extLst>
               <a:ext uri="{FF2B5EF4-FFF2-40B4-BE49-F238E27FC236}">
-                <a16:creationId xmlns:a16="http://schemas.microsoft.com/office/drawing/2014/main" id="{03C352C3-B78D-73C6-7096-2297ACBBAF1A}"/>
+                <a16:creationId xmlns:a16="http://schemas.microsoft.com/office/drawing/2014/main" id="{EB79CFED-5348-4ADF-2C79-B4A9A0085FA4}"/>
               </a:ext>
             </a:extLst>
           </p:cNvPr>
@@ -42145,51 +42320,57 @@
         </p:nvSpPr>
         <p:spPr>
           <a:xfrm>
-            <a:off x="720000" y="1324765"/>
-            <a:ext cx="7704000" cy="3373709"/>
+            <a:off x="579792" y="1492944"/>
+            <a:ext cx="7704000" cy="3158304"/>
           </a:xfrm>
         </p:spPr>
         <p:txBody>
           <a:bodyPr/>
           <a:lstStyle/>
           <a:p>
-            <a:pPr algn="l"/>
+            <a:pPr algn="just"/>
             <a:r>
               <a:rPr lang="en-US" dirty="0"/>
-              <a:t>We want to develop a system that can reliably identify and classify musical instruments based on the sounds they produce.</a:t>
+              <a:t>The Short-Time Fourier Transform (STFT) is used to convert an audio signal from the time domain to the spectral domain. The overall idea of STFT is to split the audio into small, overlapping pieces—usually called windows—translate each piece into its respective frequency representation and then sum these representations to form a spectrogram.</a:t>
             </a:r>
-          </a:p>
-          <a:p>
-            <a:pPr algn="l"/>
-            <a:r>
-              <a:rPr lang="en-US" dirty="0"/>
-              <a:t>Focus on capturing the unique features of each instrument, like the patterns in their sound waves or visual details, to make recognition more accurate.</a:t>
-            </a:r>
-          </a:p>
-          <a:p>
-            <a:pPr algn="l"/>
-            <a:r>
-              <a:rPr lang="en-US" dirty="0"/>
-              <a:t>Use a diverse range of musical data to train the system, ensuring it performs well across different genres and instrument types.</a:t>
-            </a:r>
-          </a:p>
-          <a:p>
-            <a:pPr algn="l"/>
-            <a:r>
-              <a:rPr lang="en-US" dirty="0"/>
-              <a:t>Use Of Short Time Fourier Transformation, Mel-Spectrograms , Max Pooling And Data Augmentation.</a:t>
-            </a:r>
-          </a:p>
-          <a:p>
-            <a:pPr algn="l"/>
             <a:endParaRPr lang="en-IN" dirty="0"/>
           </a:p>
         </p:txBody>
       </p:sp>
+      <p:pic>
+        <p:nvPicPr>
+          <p:cNvPr id="5" name="Picture 4">
+            <a:extLst>
+              <a:ext uri="{FF2B5EF4-FFF2-40B4-BE49-F238E27FC236}">
+                <a16:creationId xmlns:a16="http://schemas.microsoft.com/office/drawing/2014/main" id="{97A53F4F-2F4F-ED33-CAD6-47396444D037}"/>
+              </a:ext>
+            </a:extLst>
+          </p:cNvPr>
+          <p:cNvPicPr>
+            <a:picLocks noChangeAspect="1"/>
+          </p:cNvPicPr>
+          <p:nvPr/>
+        </p:nvPicPr>
+        <p:blipFill>
+          <a:blip r:embed="rId2"/>
+          <a:stretch>
+            <a:fillRect/>
+          </a:stretch>
+        </p:blipFill>
+        <p:spPr>
+          <a:xfrm>
+            <a:off x="1092161" y="2571750"/>
+            <a:ext cx="3540800" cy="2178623"/>
+          </a:xfrm>
+          <a:prstGeom prst="rect">
+            <a:avLst/>
+          </a:prstGeom>
+        </p:spPr>
+      </p:pic>
     </p:spTree>
     <p:extLst>
       <p:ext uri="{BB962C8B-B14F-4D97-AF65-F5344CB8AC3E}">
-        <p14:creationId xmlns:p14="http://schemas.microsoft.com/office/powerpoint/2010/main" val="1945048929"/>
+        <p14:creationId xmlns:p14="http://schemas.microsoft.com/office/powerpoint/2010/main" val="3319927979"/>
       </p:ext>
     </p:extLst>
   </p:cSld>
@@ -42233,7 +42414,7 @@
           <p:cNvPr id="2" name="Title 1">
             <a:extLst>
               <a:ext uri="{FF2B5EF4-FFF2-40B4-BE49-F238E27FC236}">
-                <a16:creationId xmlns:a16="http://schemas.microsoft.com/office/drawing/2014/main" id="{57CC1779-1C53-CF6E-5184-6FE83C5825DA}"/>
+                <a16:creationId xmlns:a16="http://schemas.microsoft.com/office/drawing/2014/main" id="{892F1483-A081-2004-BF65-66D6A0982DA7}"/>
               </a:ext>
             </a:extLst>
           </p:cNvPr>
@@ -42250,13 +42431,9 @@
           <a:lstStyle/>
           <a:p>
             <a:r>
-              <a:rPr lang="en-IN" sz="2000" dirty="0"/>
-              <a:t>WHAT IS FOURIER TRANSFORM</a:t>
+              <a:rPr lang="en-IN" dirty="0"/>
+              <a:t>. Mel Spectrogram</a:t>
             </a:r>
-            <a:br>
-              <a:rPr lang="en-IN" sz="2000" dirty="0"/>
-            </a:br>
-            <a:endParaRPr lang="en-IN" sz="2000" dirty="0"/>
           </a:p>
         </p:txBody>
       </p:sp>
@@ -42265,7 +42442,7 @@
           <p:cNvPr id="3" name="Text Placeholder 2">
             <a:extLst>
               <a:ext uri="{FF2B5EF4-FFF2-40B4-BE49-F238E27FC236}">
-                <a16:creationId xmlns:a16="http://schemas.microsoft.com/office/drawing/2014/main" id="{DB82AB86-41F4-26CC-A31E-7157569B62C9}"/>
+                <a16:creationId xmlns:a16="http://schemas.microsoft.com/office/drawing/2014/main" id="{433A2D49-FD25-1006-5FDD-98C2A0FECE5A}"/>
               </a:ext>
             </a:extLst>
           </p:cNvPr>
@@ -42278,95 +42455,70 @@
         </p:nvSpPr>
         <p:spPr>
           <a:xfrm>
-            <a:off x="720000" y="1244476"/>
-            <a:ext cx="7704000" cy="3626376"/>
+            <a:off x="659040" y="1511232"/>
+            <a:ext cx="7704000" cy="2323152"/>
           </a:xfrm>
         </p:spPr>
         <p:txBody>
           <a:bodyPr/>
           <a:lstStyle/>
           <a:p>
-            <a:pPr algn="l"/>
+            <a:pPr algn="just"/>
             <a:r>
-              <a:rPr lang="en-IN" dirty="0"/>
-              <a:t>The Fourier Transform is a mathematical tool that decomposes a function or signal into its constituent frequencies.</a:t>
+              <a:rPr lang="en-US" dirty="0"/>
+              <a:t>After the STFT is calculated, a Mel spectrogram is created. The Mel scale is a perceptual scale of pitches which mimics how humans perceive sound. It assigns more resolution to lower frequencies (which are more perceptible to human ears) and fewer to higher frequencies.</a:t>
             </a:r>
           </a:p>
           <a:p>
-            <a:pPr algn="l"/>
-            <a:r>
-              <a:rPr lang="en-IN" dirty="0"/>
-              <a:t>Basically it converts a </a:t>
-            </a:r>
+            <a:pPr algn="just"/>
+            <a:endParaRPr lang="en-US" dirty="0"/>
+          </a:p>
+          <a:p>
+            <a:pPr algn="just"/>
             <a:r>
               <a:rPr lang="en-US" dirty="0"/>
-              <a:t>signal from the time domain </a:t>
+              <a:t>The Mel spectrogram is computed by applying a filter bank (which approximates the Mel scale) to the STFT result. </a:t>
+            </a:r>
+          </a:p>
+          <a:p>
+            <a:pPr algn="just"/>
+            <a:endParaRPr lang="en-US" dirty="0"/>
+          </a:p>
+          <a:p>
+            <a:pPr algn="just"/>
+            <a:r>
+              <a:rPr lang="en-US" dirty="0"/>
+              <a:t>The output is a 2D matrix where:</a:t>
+            </a:r>
+          </a:p>
+          <a:p>
+            <a:pPr marL="139700" indent="0" algn="just">
+              <a:buNone/>
+            </a:pPr>
+            <a:r>
+              <a:rPr lang="en-US" dirty="0"/>
+              <a:t>        Rows represent different frequency bins.</a:t>
             </a:r>
             <a:r>
               <a:rPr lang="en-IN" dirty="0"/>
-              <a:t>into the frequency domain.</a:t>
+              <a:t> </a:t>
             </a:r>
           </a:p>
           <a:p>
-            <a:pPr algn="l"/>
-            <a:endParaRPr lang="en-IN" sz="1200" dirty="0"/>
-          </a:p>
-          <a:p>
-            <a:pPr marL="139700" indent="0" algn="l">
+            <a:pPr marL="139700" indent="0" algn="just">
               <a:buNone/>
             </a:pPr>
             <a:r>
-              <a:rPr lang="en-IN" sz="1600" dirty="0"/>
-              <a:t>WHY USE OF SHORT TIME FOURIER TRANSFORM INSTEAD OF FOURIER TRANSFORM?</a:t>
+              <a:rPr lang="en-IN" dirty="0"/>
+              <a:t>        Columns represent time frames.</a:t>
             </a:r>
-          </a:p>
-          <a:p>
-            <a:pPr algn="l"/>
-            <a:r>
-              <a:rPr lang="en-US" dirty="0"/>
-              <a:t>The Short-Time Fourier Transform (STFT) does the same thing as the normal Fourier Transform, but it also keeps track of when each frequency occurs.</a:t>
-            </a:r>
-          </a:p>
-          <a:p>
-            <a:pPr algn="l"/>
-            <a:r>
-              <a:rPr lang="en-US" dirty="0"/>
-              <a:t>Key Difference:</a:t>
-            </a:r>
-          </a:p>
-          <a:p>
-            <a:pPr lvl="1"/>
-            <a:r>
-              <a:rPr lang="en-US" dirty="0"/>
-              <a:t>The Fourier Transform gives you the overall frequency content but loses time information.</a:t>
-            </a:r>
-          </a:p>
-          <a:p>
-            <a:pPr lvl="1"/>
-            <a:r>
-              <a:rPr lang="en-US" dirty="0"/>
-              <a:t>The STFT shows how frequencies change over time by analyzing short segments of the signal.</a:t>
-            </a:r>
-            <a:endParaRPr lang="en-IN" dirty="0"/>
-          </a:p>
-          <a:p>
-            <a:pPr algn="l"/>
-            <a:endParaRPr lang="en-IN" sz="1600" dirty="0"/>
-          </a:p>
-          <a:p>
-            <a:pPr algn="l"/>
-            <a:endParaRPr lang="en-IN" sz="1800" dirty="0"/>
-          </a:p>
-          <a:p>
-            <a:pPr algn="l"/>
-            <a:endParaRPr lang="en-IN" dirty="0"/>
           </a:p>
         </p:txBody>
       </p:sp>
     </p:spTree>
     <p:extLst>
       <p:ext uri="{BB962C8B-B14F-4D97-AF65-F5344CB8AC3E}">
-        <p14:creationId xmlns:p14="http://schemas.microsoft.com/office/powerpoint/2010/main" val="2881294415"/>
+        <p14:creationId xmlns:p14="http://schemas.microsoft.com/office/powerpoint/2010/main" val="2915216962"/>
       </p:ext>
     </p:extLst>
   </p:cSld>
@@ -42407,49 +42559,10 @@
       </p:grpSpPr>
       <p:sp>
         <p:nvSpPr>
-          <p:cNvPr id="2" name="Title 1">
-            <a:extLst>
-              <a:ext uri="{FF2B5EF4-FFF2-40B4-BE49-F238E27FC236}">
-                <a16:creationId xmlns:a16="http://schemas.microsoft.com/office/drawing/2014/main" id="{06508168-2E8D-0047-854A-4C4986DDC605}"/>
-              </a:ext>
-            </a:extLst>
-          </p:cNvPr>
-          <p:cNvSpPr>
-            <a:spLocks noGrp="1"/>
-          </p:cNvSpPr>
-          <p:nvPr>
-            <p:ph type="title"/>
-          </p:nvPr>
-        </p:nvSpPr>
-        <p:spPr>
-          <a:xfrm>
-            <a:off x="720000" y="445025"/>
-            <a:ext cx="7807312" cy="951384"/>
-          </a:xfrm>
-        </p:spPr>
-        <p:txBody>
-          <a:bodyPr/>
-          <a:lstStyle/>
-          <a:p>
-            <a:br>
-              <a:rPr lang="en-IN" sz="2400" dirty="0"/>
-            </a:br>
-            <a:br>
-              <a:rPr lang="en-IN" sz="2400" dirty="0"/>
-            </a:br>
-            <a:r>
-              <a:rPr lang="en-IN" sz="2400" dirty="0"/>
-              <a:t>HOW DOES SHORT TIME FOURIER TRANSFORM WORK ?</a:t>
-            </a:r>
-          </a:p>
-        </p:txBody>
-      </p:sp>
-      <p:sp>
-        <p:nvSpPr>
           <p:cNvPr id="3" name="Text Placeholder 2">
             <a:extLst>
               <a:ext uri="{FF2B5EF4-FFF2-40B4-BE49-F238E27FC236}">
-                <a16:creationId xmlns:a16="http://schemas.microsoft.com/office/drawing/2014/main" id="{5E2F1ED6-B945-B72B-0D4F-17C66F4CEF91}"/>
+                <a16:creationId xmlns:a16="http://schemas.microsoft.com/office/drawing/2014/main" id="{356A1812-5758-3C87-28A4-C6B96DA9AFBA}"/>
               </a:ext>
             </a:extLst>
           </p:cNvPr>
@@ -42462,129 +42575,62 @@
         </p:nvSpPr>
         <p:spPr>
           <a:xfrm>
-            <a:off x="771656" y="920717"/>
-            <a:ext cx="7704000" cy="3910194"/>
+            <a:off x="567600" y="815814"/>
+            <a:ext cx="7704000" cy="3511872"/>
           </a:xfrm>
         </p:spPr>
         <p:txBody>
           <a:bodyPr/>
           <a:lstStyle/>
           <a:p>
-            <a:pPr marL="139700" indent="0" algn="l">
-              <a:buNone/>
-            </a:pPr>
-            <a:endParaRPr lang="en-IN" sz="1600" dirty="0"/>
-          </a:p>
-          <a:p>
-            <a:pPr marL="482600" indent="-342900" algn="l">
-              <a:buFont typeface="+mj-lt"/>
-              <a:buAutoNum type="arabicPeriod"/>
-            </a:pPr>
-            <a:endParaRPr lang="en-IN" sz="1600" dirty="0"/>
-          </a:p>
-          <a:p>
-            <a:pPr marL="482600" indent="-342900" algn="l">
-              <a:buFont typeface="+mj-lt"/>
-              <a:buAutoNum type="arabicPeriod"/>
-            </a:pPr>
-            <a:endParaRPr lang="en-IN" sz="1600" dirty="0"/>
-          </a:p>
-          <a:p>
-            <a:pPr marL="482600" indent="-342900" algn="l">
-              <a:buFont typeface="+mj-lt"/>
-              <a:buAutoNum type="arabicPeriod"/>
-            </a:pPr>
-            <a:endParaRPr lang="en-IN" sz="1600" dirty="0"/>
-          </a:p>
-          <a:p>
-            <a:pPr marL="482600" indent="-342900" algn="l">
-              <a:buFont typeface="+mj-lt"/>
-              <a:buAutoNum type="arabicPeriod"/>
-            </a:pPr>
+            <a:pPr algn="just"/>
             <a:r>
-              <a:rPr lang="en-IN" sz="1600" dirty="0"/>
-              <a:t>It gets the input audio signal</a:t>
+              <a:rPr lang="en-US" dirty="0"/>
+              <a:t>The Mel spectrogram values are converted into decibels (dB) using a logarithmic scale. This makes the data more suitable for machine learning models, as the human ear perceives sound intensity on a logarithmic scale.</a:t>
             </a:r>
           </a:p>
           <a:p>
-            <a:pPr marL="482600" indent="-342900" algn="l">
-              <a:buFont typeface="+mj-lt"/>
-              <a:buAutoNum type="arabicPeriod"/>
-            </a:pPr>
+            <a:pPr algn="just"/>
+            <a:endParaRPr lang="en-US" dirty="0"/>
+          </a:p>
+          <a:p>
+            <a:pPr algn="just"/>
             <a:r>
-              <a:rPr lang="en-IN" sz="1600" dirty="0"/>
-              <a:t>Splits the audio signal into time small overlapping time windows.</a:t>
+              <a:rPr lang="en-US" dirty="0"/>
+              <a:t>The spectrogram is either padded or truncated to ensure that all spectrograms have a uniform size. This is important because neural networks expect input data to have consistent dimensions.</a:t>
             </a:r>
           </a:p>
           <a:p>
-            <a:pPr marL="482600" indent="-342900" algn="l">
-              <a:buFont typeface="+mj-lt"/>
-              <a:buAutoNum type="arabicPeriod"/>
-            </a:pPr>
+            <a:pPr algn="just"/>
+            <a:endParaRPr lang="en-US" dirty="0"/>
+          </a:p>
+          <a:p>
+            <a:pPr algn="just"/>
             <a:r>
-              <a:rPr lang="en-IN" sz="1600" dirty="0"/>
-              <a:t>It apply Fourier transform for each window separately.</a:t>
+              <a:rPr lang="en-US" dirty="0"/>
+              <a:t>The spectrogram is padded with zeros where needed (if it's smaller than the target size), or it’s truncated (if it's larger).</a:t>
             </a:r>
           </a:p>
           <a:p>
-            <a:pPr marL="482600" indent="-342900" algn="l">
-              <a:buFont typeface="+mj-lt"/>
-              <a:buAutoNum type="arabicPeriod"/>
-            </a:pPr>
-            <a:r>
-              <a:rPr lang="en-IN" sz="1600" dirty="0"/>
-              <a:t>Combines the result into a time frequency called as spectrogram.</a:t>
-            </a:r>
+            <a:pPr algn="just"/>
+            <a:endParaRPr lang="en-US" dirty="0"/>
           </a:p>
           <a:p>
-            <a:pPr marL="482600" indent="-342900" algn="l">
-              <a:buFont typeface="+mj-lt"/>
-              <a:buAutoNum type="arabicPeriod"/>
-            </a:pPr>
-            <a:endParaRPr lang="en-IN" sz="1600" dirty="0"/>
-          </a:p>
-          <a:p>
-            <a:pPr marL="482600" indent="-342900" algn="l">
-              <a:buFont typeface="+mj-lt"/>
-              <a:buAutoNum type="arabicPeriod"/>
-            </a:pPr>
-            <a:endParaRPr lang="en-IN" sz="1600" dirty="0"/>
-          </a:p>
-          <a:p>
-            <a:pPr marL="482600" indent="-342900" algn="l">
-              <a:buFont typeface="+mj-lt"/>
-              <a:buAutoNum type="arabicPeriod"/>
-            </a:pPr>
-            <a:endParaRPr lang="en-IN" sz="1600" dirty="0"/>
-          </a:p>
-          <a:p>
-            <a:pPr marL="482600" indent="-342900" algn="l">
-              <a:buFont typeface="+mj-lt"/>
-              <a:buAutoNum type="arabicPeriod"/>
-            </a:pPr>
-            <a:endParaRPr lang="en-IN" sz="1600" dirty="0"/>
-          </a:p>
-          <a:p>
-            <a:pPr marL="482600" indent="-342900" algn="l">
-              <a:buFont typeface="+mj-lt"/>
-              <a:buAutoNum type="arabicPeriod"/>
-            </a:pPr>
-            <a:endParaRPr lang="en-IN" sz="1600" dirty="0"/>
-          </a:p>
-          <a:p>
-            <a:pPr marL="139700" indent="0" algn="l">
-              <a:buNone/>
-            </a:pPr>
+            <a:pPr algn="just"/>
+            <a:r>
+              <a:rPr lang="en-US" dirty="0"/>
+              <a:t>The values of the spectrogram are normalized to fall within a range [0, 1]. This helps the neural network process the data more effectively, as it avoids large variations in values.</a:t>
+            </a:r>
             <a:endParaRPr lang="en-IN" dirty="0"/>
           </a:p>
         </p:txBody>
       </p:sp>
       <p:pic>
         <p:nvPicPr>
-          <p:cNvPr id="5" name="Picture 4">
+          <p:cNvPr id="4" name="Picture 3">
             <a:extLst>
               <a:ext uri="{FF2B5EF4-FFF2-40B4-BE49-F238E27FC236}">
-                <a16:creationId xmlns:a16="http://schemas.microsoft.com/office/drawing/2014/main" id="{130C4FB4-F962-7389-F84D-A5063D9182DA}"/>
+                <a16:creationId xmlns:a16="http://schemas.microsoft.com/office/drawing/2014/main" id="{39A37464-35B0-94BC-D86D-AF192F6C085E}"/>
               </a:ext>
             </a:extLst>
           </p:cNvPr>
@@ -42601,8 +42647,38 @@
         </p:blipFill>
         <p:spPr>
           <a:xfrm>
-            <a:off x="4572000" y="3157119"/>
-            <a:ext cx="3642698" cy="1821349"/>
+            <a:off x="4895888" y="3808640"/>
+            <a:ext cx="3375712" cy="1038089"/>
+          </a:xfrm>
+          <a:prstGeom prst="rect">
+            <a:avLst/>
+          </a:prstGeom>
+        </p:spPr>
+      </p:pic>
+      <p:pic>
+        <p:nvPicPr>
+          <p:cNvPr id="6" name="Picture 5">
+            <a:extLst>
+              <a:ext uri="{FF2B5EF4-FFF2-40B4-BE49-F238E27FC236}">
+                <a16:creationId xmlns:a16="http://schemas.microsoft.com/office/drawing/2014/main" id="{1521A705-4177-BB56-4FBE-68421F204D13}"/>
+              </a:ext>
+            </a:extLst>
+          </p:cNvPr>
+          <p:cNvPicPr>
+            <a:picLocks noChangeAspect="1"/>
+          </p:cNvPicPr>
+          <p:nvPr/>
+        </p:nvPicPr>
+        <p:blipFill>
+          <a:blip r:embed="rId3"/>
+          <a:stretch>
+            <a:fillRect/>
+          </a:stretch>
+        </p:blipFill>
+        <p:spPr>
+          <a:xfrm>
+            <a:off x="1042213" y="3724541"/>
+            <a:ext cx="2997664" cy="1206289"/>
           </a:xfrm>
           <a:prstGeom prst="rect">
             <a:avLst/>
@@ -42612,7 +42688,7 @@
     </p:spTree>
     <p:extLst>
       <p:ext uri="{BB962C8B-B14F-4D97-AF65-F5344CB8AC3E}">
-        <p14:creationId xmlns:p14="http://schemas.microsoft.com/office/powerpoint/2010/main" val="2441369784"/>
+        <p14:creationId xmlns:p14="http://schemas.microsoft.com/office/powerpoint/2010/main" val="2603638299"/>
       </p:ext>
     </p:extLst>
   </p:cSld>
@@ -43194,4 +43270,299 @@
   <a:objectDefaults/>
   <a:extraClrSchemeLst/>
 </a:theme>
+</file>
+
+<file path=ppt/theme/theme3.xml><?xml version="1.0" encoding="utf-8"?>
+<a:theme xmlns:a="http://schemas.openxmlformats.org/drawingml/2006/main" name="Office Theme">
+  <a:themeElements>
+    <a:clrScheme name="Office">
+      <a:dk1>
+        <a:sysClr val="windowText" lastClr="000000"/>
+      </a:dk1>
+      <a:lt1>
+        <a:sysClr val="window" lastClr="FFFFFF"/>
+      </a:lt1>
+      <a:dk2>
+        <a:srgbClr val="44546A"/>
+      </a:dk2>
+      <a:lt2>
+        <a:srgbClr val="E7E6E6"/>
+      </a:lt2>
+      <a:accent1>
+        <a:srgbClr val="4472C4"/>
+      </a:accent1>
+      <a:accent2>
+        <a:srgbClr val="ED7D31"/>
+      </a:accent2>
+      <a:accent3>
+        <a:srgbClr val="A5A5A5"/>
+      </a:accent3>
+      <a:accent4>
+        <a:srgbClr val="FFC000"/>
+      </a:accent4>
+      <a:accent5>
+        <a:srgbClr val="5B9BD5"/>
+      </a:accent5>
+      <a:accent6>
+        <a:srgbClr val="70AD47"/>
+      </a:accent6>
+      <a:hlink>
+        <a:srgbClr val="0563C1"/>
+      </a:hlink>
+      <a:folHlink>
+        <a:srgbClr val="954F72"/>
+      </a:folHlink>
+    </a:clrScheme>
+    <a:fontScheme name="Office">
+      <a:majorFont>
+        <a:latin typeface="Calibri Light" panose="020F0302020204030204"/>
+        <a:ea typeface=""/>
+        <a:cs typeface=""/>
+        <a:font script="Jpan" typeface="游ゴシック Light"/>
+        <a:font script="Hang" typeface="맑은 고딕"/>
+        <a:font script="Hans" typeface="等线 Light"/>
+        <a:font script="Hant" typeface="新細明體"/>
+        <a:font script="Arab" typeface="Times New Roman"/>
+        <a:font script="Hebr" typeface="Times New Roman"/>
+        <a:font script="Thai" typeface="Angsana New"/>
+        <a:font script="Ethi" typeface="Nyala"/>
+        <a:font script="Beng" typeface="Vrinda"/>
+        <a:font script="Gujr" typeface="Shruti"/>
+        <a:font script="Khmr" typeface="MoolBoran"/>
+        <a:font script="Knda" typeface="Tunga"/>
+        <a:font script="Guru" typeface="Raavi"/>
+        <a:font script="Cans" typeface="Euphemia"/>
+        <a:font script="Cher" typeface="Plantagenet Cherokee"/>
+        <a:font script="Yiii" typeface="Microsoft Yi Baiti"/>
+        <a:font script="Tibt" typeface="Microsoft Himalaya"/>
+        <a:font script="Thaa" typeface="MV Boli"/>
+        <a:font script="Deva" typeface="Mangal"/>
+        <a:font script="Telu" typeface="Gautami"/>
+        <a:font script="Taml" typeface="Latha"/>
+        <a:font script="Syrc" typeface="Estrangelo Edessa"/>
+        <a:font script="Orya" typeface="Kalinga"/>
+        <a:font script="Mlym" typeface="Kartika"/>
+        <a:font script="Laoo" typeface="DokChampa"/>
+        <a:font script="Sinh" typeface="Iskoola Pota"/>
+        <a:font script="Mong" typeface="Mongolian Baiti"/>
+        <a:font script="Viet" typeface="Times New Roman"/>
+        <a:font script="Uigh" typeface="Microsoft Uighur"/>
+        <a:font script="Geor" typeface="Sylfaen"/>
+        <a:font script="Armn" typeface="Arial"/>
+        <a:font script="Bugi" typeface="Leelawadee UI"/>
+        <a:font script="Bopo" typeface="Microsoft JhengHei"/>
+        <a:font script="Java" typeface="Javanese Text"/>
+        <a:font script="Lisu" typeface="Segoe UI"/>
+        <a:font script="Mymr" typeface="Myanmar Text"/>
+        <a:font script="Nkoo" typeface="Ebrima"/>
+        <a:font script="Olck" typeface="Nirmala UI"/>
+        <a:font script="Osma" typeface="Ebrima"/>
+        <a:font script="Phag" typeface="Phagspa"/>
+        <a:font script="Syrn" typeface="Estrangelo Edessa"/>
+        <a:font script="Syrj" typeface="Estrangelo Edessa"/>
+        <a:font script="Syre" typeface="Estrangelo Edessa"/>
+        <a:font script="Sora" typeface="Nirmala UI"/>
+        <a:font script="Tale" typeface="Microsoft Tai Le"/>
+        <a:font script="Talu" typeface="Microsoft New Tai Lue"/>
+        <a:font script="Tfng" typeface="Ebrima"/>
+      </a:majorFont>
+      <a:minorFont>
+        <a:latin typeface="Calibri" panose="020F0502020204030204"/>
+        <a:ea typeface=""/>
+        <a:cs typeface=""/>
+        <a:font script="Jpan" typeface="游ゴシック"/>
+        <a:font script="Hang" typeface="맑은 고딕"/>
+        <a:font script="Hans" typeface="等线"/>
+        <a:font script="Hant" typeface="新細明體"/>
+        <a:font script="Arab" typeface="Arial"/>
+        <a:font script="Hebr" typeface="Arial"/>
+        <a:font script="Thai" typeface="Cordia New"/>
+        <a:font script="Ethi" typeface="Nyala"/>
+        <a:font script="Beng" typeface="Vrinda"/>
+        <a:font script="Gujr" typeface="Shruti"/>
+        <a:font script="Khmr" typeface="DaunPenh"/>
+        <a:font script="Knda" typeface="Tunga"/>
+        <a:font script="Guru" typeface="Raavi"/>
+        <a:font script="Cans" typeface="Euphemia"/>
+        <a:font script="Cher" typeface="Plantagenet Cherokee"/>
+        <a:font script="Yiii" typeface="Microsoft Yi Baiti"/>
+        <a:font script="Tibt" typeface="Microsoft Himalaya"/>
+        <a:font script="Thaa" typeface="MV Boli"/>
+        <a:font script="Deva" typeface="Mangal"/>
+        <a:font script="Telu" typeface="Gautami"/>
+        <a:font script="Taml" typeface="Latha"/>
+        <a:font script="Syrc" typeface="Estrangelo Edessa"/>
+        <a:font script="Orya" typeface="Kalinga"/>
+        <a:font script="Mlym" typeface="Kartika"/>
+        <a:font script="Laoo" typeface="DokChampa"/>
+        <a:font script="Sinh" typeface="Iskoola Pota"/>
+        <a:font script="Mong" typeface="Mongolian Baiti"/>
+        <a:font script="Viet" typeface="Arial"/>
+        <a:font script="Uigh" typeface="Microsoft Uighur"/>
+        <a:font script="Geor" typeface="Sylfaen"/>
+        <a:font script="Armn" typeface="Arial"/>
+        <a:font script="Bugi" typeface="Leelawadee UI"/>
+        <a:font script="Bopo" typeface="Microsoft JhengHei"/>
+        <a:font script="Java" typeface="Javanese Text"/>
+        <a:font script="Lisu" typeface="Segoe UI"/>
+        <a:font script="Mymr" typeface="Myanmar Text"/>
+        <a:font script="Nkoo" typeface="Ebrima"/>
+        <a:font script="Olck" typeface="Nirmala UI"/>
+        <a:font script="Osma" typeface="Ebrima"/>
+        <a:font script="Phag" typeface="Phagspa"/>
+        <a:font script="Syrn" typeface="Estrangelo Edessa"/>
+        <a:font script="Syrj" typeface="Estrangelo Edessa"/>
+        <a:font script="Syre" typeface="Estrangelo Edessa"/>
+        <a:font script="Sora" typeface="Nirmala UI"/>
+        <a:font script="Tale" typeface="Microsoft Tai Le"/>
+        <a:font script="Talu" typeface="Microsoft New Tai Lue"/>
+        <a:font script="Tfng" typeface="Ebrima"/>
+      </a:minorFont>
+    </a:fontScheme>
+    <a:fmtScheme name="Office">
+      <a:fillStyleLst>
+        <a:solidFill>
+          <a:schemeClr val="phClr"/>
+        </a:solidFill>
+        <a:gradFill rotWithShape="1">
+          <a:gsLst>
+            <a:gs pos="0">
+              <a:schemeClr val="phClr">
+                <a:lumMod val="110000"/>
+                <a:satMod val="105000"/>
+                <a:tint val="67000"/>
+              </a:schemeClr>
+            </a:gs>
+            <a:gs pos="50000">
+              <a:schemeClr val="phClr">
+                <a:lumMod val="105000"/>
+                <a:satMod val="103000"/>
+                <a:tint val="73000"/>
+              </a:schemeClr>
+            </a:gs>
+            <a:gs pos="100000">
+              <a:schemeClr val="phClr">
+                <a:lumMod val="105000"/>
+                <a:satMod val="109000"/>
+                <a:tint val="81000"/>
+              </a:schemeClr>
+            </a:gs>
+          </a:gsLst>
+          <a:lin ang="5400000" scaled="0"/>
+        </a:gradFill>
+        <a:gradFill rotWithShape="1">
+          <a:gsLst>
+            <a:gs pos="0">
+              <a:schemeClr val="phClr">
+                <a:satMod val="103000"/>
+                <a:lumMod val="102000"/>
+                <a:tint val="94000"/>
+              </a:schemeClr>
+            </a:gs>
+            <a:gs pos="50000">
+              <a:schemeClr val="phClr">
+                <a:satMod val="110000"/>
+                <a:lumMod val="100000"/>
+                <a:shade val="100000"/>
+              </a:schemeClr>
+            </a:gs>
+            <a:gs pos="100000">
+              <a:schemeClr val="phClr">
+                <a:lumMod val="99000"/>
+                <a:satMod val="120000"/>
+                <a:shade val="78000"/>
+              </a:schemeClr>
+            </a:gs>
+          </a:gsLst>
+          <a:lin ang="5400000" scaled="0"/>
+        </a:gradFill>
+      </a:fillStyleLst>
+      <a:lnStyleLst>
+        <a:ln w="6350" cap="flat" cmpd="sng" algn="ctr">
+          <a:solidFill>
+            <a:schemeClr val="phClr"/>
+          </a:solidFill>
+          <a:prstDash val="solid"/>
+          <a:miter lim="800000"/>
+        </a:ln>
+        <a:ln w="12700" cap="flat" cmpd="sng" algn="ctr">
+          <a:solidFill>
+            <a:schemeClr val="phClr"/>
+          </a:solidFill>
+          <a:prstDash val="solid"/>
+          <a:miter lim="800000"/>
+        </a:ln>
+        <a:ln w="19050" cap="flat" cmpd="sng" algn="ctr">
+          <a:solidFill>
+            <a:schemeClr val="phClr"/>
+          </a:solidFill>
+          <a:prstDash val="solid"/>
+          <a:miter lim="800000"/>
+        </a:ln>
+      </a:lnStyleLst>
+      <a:effectStyleLst>
+        <a:effectStyle>
+          <a:effectLst/>
+        </a:effectStyle>
+        <a:effectStyle>
+          <a:effectLst/>
+        </a:effectStyle>
+        <a:effectStyle>
+          <a:effectLst>
+            <a:outerShdw blurRad="57150" dist="19050" dir="5400000" algn="ctr" rotWithShape="0">
+              <a:srgbClr val="000000">
+                <a:alpha val="63000"/>
+              </a:srgbClr>
+            </a:outerShdw>
+          </a:effectLst>
+        </a:effectStyle>
+      </a:effectStyleLst>
+      <a:bgFillStyleLst>
+        <a:solidFill>
+          <a:schemeClr val="phClr"/>
+        </a:solidFill>
+        <a:solidFill>
+          <a:schemeClr val="phClr">
+            <a:tint val="95000"/>
+            <a:satMod val="170000"/>
+          </a:schemeClr>
+        </a:solidFill>
+        <a:gradFill rotWithShape="1">
+          <a:gsLst>
+            <a:gs pos="0">
+              <a:schemeClr val="phClr">
+                <a:tint val="93000"/>
+                <a:satMod val="150000"/>
+                <a:shade val="98000"/>
+                <a:lumMod val="102000"/>
+              </a:schemeClr>
+            </a:gs>
+            <a:gs pos="50000">
+              <a:schemeClr val="phClr">
+                <a:tint val="98000"/>
+                <a:satMod val="130000"/>
+                <a:shade val="90000"/>
+                <a:lumMod val="103000"/>
+              </a:schemeClr>
+            </a:gs>
+            <a:gs pos="100000">
+              <a:schemeClr val="phClr">
+                <a:shade val="63000"/>
+                <a:satMod val="120000"/>
+              </a:schemeClr>
+            </a:gs>
+          </a:gsLst>
+          <a:lin ang="5400000" scaled="0"/>
+        </a:gradFill>
+      </a:bgFillStyleLst>
+    </a:fmtScheme>
+  </a:themeElements>
+  <a:objectDefaults/>
+  <a:extraClrSchemeLst/>
+  <a:extLst>
+    <a:ext uri="{05A4C25C-085E-4340-85A3-A5531E510DB2}">
+      <thm15:themeFamily xmlns:thm15="http://schemas.microsoft.com/office/thememl/2012/main" name="Office Theme" id="{62F939B6-93AF-4DB8-9C6B-D6C7DFDC589F}" vid="{4A3C46E8-61CC-4603-A589-7422A47A8E4A}"/>
+    </a:ext>
+  </a:extLst>
+</a:theme>
 </file>